--- a/MPPT_PDR.pptx
+++ b/MPPT_PDR.pptx
@@ -3,13 +3,15 @@
 <p:presentation xmlns:a="http://schemas.openxmlformats.org/drawingml/2006/main" xmlns:r="http://schemas.openxmlformats.org/officeDocument/2006/relationships" xmlns:p="http://schemas.openxmlformats.org/presentationml/2006/main" saveSubsetFonts="1">
   <p:sldMasterIdLst>
     <p:sldMasterId id="2147483648" r:id="rId4"/>
+    <p:sldMasterId id="2147483660" r:id="rId5"/>
   </p:sldMasterIdLst>
   <p:sldIdLst>
-    <p:sldId id="261" r:id="rId5"/>
-    <p:sldId id="256" r:id="rId6"/>
-    <p:sldId id="257" r:id="rId7"/>
-    <p:sldId id="259" r:id="rId8"/>
-    <p:sldId id="260" r:id="rId9"/>
+    <p:sldId id="261" r:id="rId6"/>
+    <p:sldId id="256" r:id="rId7"/>
+    <p:sldId id="257" r:id="rId8"/>
+    <p:sldId id="259" r:id="rId9"/>
+    <p:sldId id="262" r:id="rId10"/>
+    <p:sldId id="260" r:id="rId11"/>
   </p:sldIdLst>
   <p:sldSz cx="12192000" cy="6858000"/>
   <p:notesSz cx="6858000" cy="9144000"/>
@@ -119,7 +121,7 @@
 <file path=ppt/revisionInfo.xml><?xml version="1.0" encoding="utf-8"?>
 <p1510:revInfo xmlns:a="http://schemas.openxmlformats.org/drawingml/2006/main" xmlns:r="http://schemas.openxmlformats.org/officeDocument/2006/relationships" xmlns:p1510="http://schemas.microsoft.com/office/powerpoint/2015/10/main">
   <p1510:revLst>
-    <p1510:client id="{19A9519F-6757-4A42-8737-3CED8C47F629}" v="1" dt="2019-10-05T17:23:52.581"/>
+    <p1510:client id="{0149E9E8-194F-43BE-94B8-E097CB51E8B7}" v="16" dt="2019-10-20T19:27:41.609"/>
   </p1510:revLst>
 </p1510:revInfo>
 </file>
@@ -310,6 +312,388 @@
     </pc:docChg>
   </pc:docChgLst>
   <pc:docChgLst>
+    <pc:chgData name="Jerome Hittle" userId="e19a84f4-ec03-414a-9c55-8d84dfc90b9d" providerId="ADAL" clId="{0149E9E8-194F-43BE-94B8-E097CB51E8B7}"/>
+    <pc:docChg chg="undo custSel modSld">
+      <pc:chgData name="Jerome Hittle" userId="e19a84f4-ec03-414a-9c55-8d84dfc90b9d" providerId="ADAL" clId="{0149E9E8-194F-43BE-94B8-E097CB51E8B7}" dt="2019-10-20T19:03:36.955" v="280" actId="20577"/>
+      <pc:docMkLst>
+        <pc:docMk/>
+      </pc:docMkLst>
+      <pc:sldChg chg="modSp">
+        <pc:chgData name="Jerome Hittle" userId="e19a84f4-ec03-414a-9c55-8d84dfc90b9d" providerId="ADAL" clId="{0149E9E8-194F-43BE-94B8-E097CB51E8B7}" dt="2019-10-20T17:54:41.318" v="76" actId="20577"/>
+        <pc:sldMkLst>
+          <pc:docMk/>
+          <pc:sldMk cId="1100498715" sldId="257"/>
+        </pc:sldMkLst>
+        <pc:spChg chg="mod">
+          <ac:chgData name="Jerome Hittle" userId="e19a84f4-ec03-414a-9c55-8d84dfc90b9d" providerId="ADAL" clId="{0149E9E8-194F-43BE-94B8-E097CB51E8B7}" dt="2019-10-20T17:54:41.318" v="76" actId="20577"/>
+          <ac:spMkLst>
+            <pc:docMk/>
+            <pc:sldMk cId="1100498715" sldId="257"/>
+            <ac:spMk id="12" creationId="{CFB99C8C-9916-46E5-BABE-38A709CB543E}"/>
+          </ac:spMkLst>
+        </pc:spChg>
+      </pc:sldChg>
+      <pc:sldChg chg="addSp delSp modSp">
+        <pc:chgData name="Jerome Hittle" userId="e19a84f4-ec03-414a-9c55-8d84dfc90b9d" providerId="ADAL" clId="{0149E9E8-194F-43BE-94B8-E097CB51E8B7}" dt="2019-10-20T19:03:36.955" v="280" actId="20577"/>
+        <pc:sldMkLst>
+          <pc:docMk/>
+          <pc:sldMk cId="1714904028" sldId="259"/>
+        </pc:sldMkLst>
+        <pc:spChg chg="mod">
+          <ac:chgData name="Jerome Hittle" userId="e19a84f4-ec03-414a-9c55-8d84dfc90b9d" providerId="ADAL" clId="{0149E9E8-194F-43BE-94B8-E097CB51E8B7}" dt="2019-10-20T18:43:32.144" v="172" actId="1076"/>
+          <ac:spMkLst>
+            <pc:docMk/>
+            <pc:sldMk cId="1714904028" sldId="259"/>
+            <ac:spMk id="2" creationId="{5FDB2347-E80A-4AF3-8590-C475155610A8}"/>
+          </ac:spMkLst>
+        </pc:spChg>
+        <pc:spChg chg="mod">
+          <ac:chgData name="Jerome Hittle" userId="e19a84f4-ec03-414a-9c55-8d84dfc90b9d" providerId="ADAL" clId="{0149E9E8-194F-43BE-94B8-E097CB51E8B7}" dt="2019-10-20T19:03:29.044" v="260" actId="14100"/>
+          <ac:spMkLst>
+            <pc:docMk/>
+            <pc:sldMk cId="1714904028" sldId="259"/>
+            <ac:spMk id="7" creationId="{FBA7E4BA-4628-4A04-B8F1-6B9D59F8FEF6}"/>
+          </ac:spMkLst>
+        </pc:spChg>
+        <pc:spChg chg="mod">
+          <ac:chgData name="Jerome Hittle" userId="e19a84f4-ec03-414a-9c55-8d84dfc90b9d" providerId="ADAL" clId="{0149E9E8-194F-43BE-94B8-E097CB51E8B7}" dt="2019-10-20T18:56:04.144" v="210" actId="14100"/>
+          <ac:spMkLst>
+            <pc:docMk/>
+            <pc:sldMk cId="1714904028" sldId="259"/>
+            <ac:spMk id="8" creationId="{34FE8854-AA52-4883-8589-2B42A6C8579A}"/>
+          </ac:spMkLst>
+        </pc:spChg>
+        <pc:spChg chg="del mod">
+          <ac:chgData name="Jerome Hittle" userId="e19a84f4-ec03-414a-9c55-8d84dfc90b9d" providerId="ADAL" clId="{0149E9E8-194F-43BE-94B8-E097CB51E8B7}" dt="2019-10-20T18:15:23.518" v="96" actId="478"/>
+          <ac:spMkLst>
+            <pc:docMk/>
+            <pc:sldMk cId="1714904028" sldId="259"/>
+            <ac:spMk id="9" creationId="{C03C61C9-9AB9-4592-97D2-5BD22B61B87C}"/>
+          </ac:spMkLst>
+        </pc:spChg>
+        <pc:spChg chg="mod">
+          <ac:chgData name="Jerome Hittle" userId="e19a84f4-ec03-414a-9c55-8d84dfc90b9d" providerId="ADAL" clId="{0149E9E8-194F-43BE-94B8-E097CB51E8B7}" dt="2019-10-20T19:01:29.313" v="246" actId="164"/>
+          <ac:spMkLst>
+            <pc:docMk/>
+            <pc:sldMk cId="1714904028" sldId="259"/>
+            <ac:spMk id="10" creationId="{44814F51-51DC-4F84-8031-332B13867FE7}"/>
+          </ac:spMkLst>
+        </pc:spChg>
+        <pc:spChg chg="mod">
+          <ac:chgData name="Jerome Hittle" userId="e19a84f4-ec03-414a-9c55-8d84dfc90b9d" providerId="ADAL" clId="{0149E9E8-194F-43BE-94B8-E097CB51E8B7}" dt="2019-10-20T19:03:36.955" v="280" actId="20577"/>
+          <ac:spMkLst>
+            <pc:docMk/>
+            <pc:sldMk cId="1714904028" sldId="259"/>
+            <ac:spMk id="11" creationId="{81993169-22E2-4293-8164-46A3C69BFF5E}"/>
+          </ac:spMkLst>
+        </pc:spChg>
+        <pc:spChg chg="mod">
+          <ac:chgData name="Jerome Hittle" userId="e19a84f4-ec03-414a-9c55-8d84dfc90b9d" providerId="ADAL" clId="{0149E9E8-194F-43BE-94B8-E097CB51E8B7}" dt="2019-10-20T19:03:07.200" v="257" actId="1076"/>
+          <ac:spMkLst>
+            <pc:docMk/>
+            <pc:sldMk cId="1714904028" sldId="259"/>
+            <ac:spMk id="12" creationId="{FBE1A9D2-2B1F-4EB7-8084-452D68A68090}"/>
+          </ac:spMkLst>
+        </pc:spChg>
+        <pc:spChg chg="mod">
+          <ac:chgData name="Jerome Hittle" userId="e19a84f4-ec03-414a-9c55-8d84dfc90b9d" providerId="ADAL" clId="{0149E9E8-194F-43BE-94B8-E097CB51E8B7}" dt="2019-10-20T19:01:29.313" v="246" actId="164"/>
+          <ac:spMkLst>
+            <pc:docMk/>
+            <pc:sldMk cId="1714904028" sldId="259"/>
+            <ac:spMk id="13" creationId="{347E1728-4721-4FD3-BB48-78D81C21A005}"/>
+          </ac:spMkLst>
+        </pc:spChg>
+        <pc:spChg chg="mod">
+          <ac:chgData name="Jerome Hittle" userId="e19a84f4-ec03-414a-9c55-8d84dfc90b9d" providerId="ADAL" clId="{0149E9E8-194F-43BE-94B8-E097CB51E8B7}" dt="2019-10-20T19:01:29.313" v="246" actId="164"/>
+          <ac:spMkLst>
+            <pc:docMk/>
+            <pc:sldMk cId="1714904028" sldId="259"/>
+            <ac:spMk id="22" creationId="{6FAB9345-631A-4ED4-94FF-30B95921D0CD}"/>
+          </ac:spMkLst>
+        </pc:spChg>
+        <pc:spChg chg="mod">
+          <ac:chgData name="Jerome Hittle" userId="e19a84f4-ec03-414a-9c55-8d84dfc90b9d" providerId="ADAL" clId="{0149E9E8-194F-43BE-94B8-E097CB51E8B7}" dt="2019-10-20T18:23:02.512" v="126" actId="164"/>
+          <ac:spMkLst>
+            <pc:docMk/>
+            <pc:sldMk cId="1714904028" sldId="259"/>
+            <ac:spMk id="45" creationId="{6DEF1DF2-C929-47C4-9148-FEDC0DBCD737}"/>
+          </ac:spMkLst>
+        </pc:spChg>
+        <pc:spChg chg="mod">
+          <ac:chgData name="Jerome Hittle" userId="e19a84f4-ec03-414a-9c55-8d84dfc90b9d" providerId="ADAL" clId="{0149E9E8-194F-43BE-94B8-E097CB51E8B7}" dt="2019-10-20T19:01:41.798" v="249" actId="1076"/>
+          <ac:spMkLst>
+            <pc:docMk/>
+            <pc:sldMk cId="1714904028" sldId="259"/>
+            <ac:spMk id="59" creationId="{CFFB68FF-D23F-48EF-85AC-C7E805001659}"/>
+          </ac:spMkLst>
+        </pc:spChg>
+        <pc:spChg chg="del mod">
+          <ac:chgData name="Jerome Hittle" userId="e19a84f4-ec03-414a-9c55-8d84dfc90b9d" providerId="ADAL" clId="{0149E9E8-194F-43BE-94B8-E097CB51E8B7}" dt="2019-10-20T18:22:42.735" v="121" actId="478"/>
+          <ac:spMkLst>
+            <pc:docMk/>
+            <pc:sldMk cId="1714904028" sldId="259"/>
+            <ac:spMk id="60" creationId="{4DE5EDAE-27DF-4946-BF08-BAC6F5CB1F71}"/>
+          </ac:spMkLst>
+        </pc:spChg>
+        <pc:spChg chg="del">
+          <ac:chgData name="Jerome Hittle" userId="e19a84f4-ec03-414a-9c55-8d84dfc90b9d" providerId="ADAL" clId="{0149E9E8-194F-43BE-94B8-E097CB51E8B7}" dt="2019-10-20T18:22:45.421" v="122" actId="478"/>
+          <ac:spMkLst>
+            <pc:docMk/>
+            <pc:sldMk cId="1714904028" sldId="259"/>
+            <ac:spMk id="63" creationId="{0D8D13B8-F684-4638-A93E-C33B70D8059D}"/>
+          </ac:spMkLst>
+        </pc:spChg>
+        <pc:spChg chg="add mod">
+          <ac:chgData name="Jerome Hittle" userId="e19a84f4-ec03-414a-9c55-8d84dfc90b9d" providerId="ADAL" clId="{0149E9E8-194F-43BE-94B8-E097CB51E8B7}" dt="2019-10-20T19:00:50.228" v="237" actId="1076"/>
+          <ac:spMkLst>
+            <pc:docMk/>
+            <pc:sldMk cId="1714904028" sldId="259"/>
+            <ac:spMk id="68" creationId="{E106460B-A682-4B95-A419-2E836CC7F89E}"/>
+          </ac:spMkLst>
+        </pc:spChg>
+        <pc:spChg chg="add mod">
+          <ac:chgData name="Jerome Hittle" userId="e19a84f4-ec03-414a-9c55-8d84dfc90b9d" providerId="ADAL" clId="{0149E9E8-194F-43BE-94B8-E097CB51E8B7}" dt="2019-10-20T19:00:50.228" v="237" actId="1076"/>
+          <ac:spMkLst>
+            <pc:docMk/>
+            <pc:sldMk cId="1714904028" sldId="259"/>
+            <ac:spMk id="69" creationId="{72360B90-0FBF-4849-AD91-1E5D65B86283}"/>
+          </ac:spMkLst>
+        </pc:spChg>
+        <pc:spChg chg="add mod">
+          <ac:chgData name="Jerome Hittle" userId="e19a84f4-ec03-414a-9c55-8d84dfc90b9d" providerId="ADAL" clId="{0149E9E8-194F-43BE-94B8-E097CB51E8B7}" dt="2019-10-20T19:03:10.683" v="258" actId="1076"/>
+          <ac:spMkLst>
+            <pc:docMk/>
+            <pc:sldMk cId="1714904028" sldId="259"/>
+            <ac:spMk id="93" creationId="{B402D0C0-C290-4F07-BB5A-31AEB26828D1}"/>
+          </ac:spMkLst>
+        </pc:spChg>
+        <pc:grpChg chg="add mod">
+          <ac:chgData name="Jerome Hittle" userId="e19a84f4-ec03-414a-9c55-8d84dfc90b9d" providerId="ADAL" clId="{0149E9E8-194F-43BE-94B8-E097CB51E8B7}" dt="2019-10-20T18:46:00.333" v="201" actId="14100"/>
+          <ac:grpSpMkLst>
+            <pc:docMk/>
+            <pc:sldMk cId="1714904028" sldId="259"/>
+            <ac:grpSpMk id="55" creationId="{DA85F383-CD06-4AF3-B1D4-20F8AE48A004}"/>
+          </ac:grpSpMkLst>
+        </pc:grpChg>
+        <pc:grpChg chg="add mod">
+          <ac:chgData name="Jerome Hittle" userId="e19a84f4-ec03-414a-9c55-8d84dfc90b9d" providerId="ADAL" clId="{0149E9E8-194F-43BE-94B8-E097CB51E8B7}" dt="2019-10-20T19:01:35.264" v="248" actId="14100"/>
+          <ac:grpSpMkLst>
+            <pc:docMk/>
+            <pc:sldMk cId="1714904028" sldId="259"/>
+            <ac:grpSpMk id="96" creationId="{218BBC75-A2EA-43D1-9265-A600F8660ED6}"/>
+          </ac:grpSpMkLst>
+        </pc:grpChg>
+        <pc:picChg chg="mod">
+          <ac:chgData name="Jerome Hittle" userId="e19a84f4-ec03-414a-9c55-8d84dfc90b9d" providerId="ADAL" clId="{0149E9E8-194F-43BE-94B8-E097CB51E8B7}" dt="2019-10-20T18:56:09.778" v="211" actId="1076"/>
+          <ac:picMkLst>
+            <pc:docMk/>
+            <pc:sldMk cId="1714904028" sldId="259"/>
+            <ac:picMk id="4" creationId="{0B41D865-E852-451D-9A9A-12D5D05C02F0}"/>
+          </ac:picMkLst>
+        </pc:picChg>
+        <pc:picChg chg="add mod">
+          <ac:chgData name="Jerome Hittle" userId="e19a84f4-ec03-414a-9c55-8d84dfc90b9d" providerId="ADAL" clId="{0149E9E8-194F-43BE-94B8-E097CB51E8B7}" dt="2019-10-20T19:01:52.860" v="252" actId="14100"/>
+          <ac:picMkLst>
+            <pc:docMk/>
+            <pc:sldMk cId="1714904028" sldId="259"/>
+            <ac:picMk id="70" creationId="{6A85F13A-A3DA-46CD-A65A-89AD578A97E7}"/>
+          </ac:picMkLst>
+        </pc:picChg>
+        <pc:picChg chg="add mod">
+          <ac:chgData name="Jerome Hittle" userId="e19a84f4-ec03-414a-9c55-8d84dfc90b9d" providerId="ADAL" clId="{0149E9E8-194F-43BE-94B8-E097CB51E8B7}" dt="2019-10-20T18:57:06.970" v="222" actId="1037"/>
+          <ac:picMkLst>
+            <pc:docMk/>
+            <pc:sldMk cId="1714904028" sldId="259"/>
+            <ac:picMk id="71" creationId="{700B8E93-2806-4409-9886-0DD42492645F}"/>
+          </ac:picMkLst>
+        </pc:picChg>
+        <pc:picChg chg="add mod">
+          <ac:chgData name="Jerome Hittle" userId="e19a84f4-ec03-414a-9c55-8d84dfc90b9d" providerId="ADAL" clId="{0149E9E8-194F-43BE-94B8-E097CB51E8B7}" dt="2019-10-20T18:47:33.247" v="206" actId="1076"/>
+          <ac:picMkLst>
+            <pc:docMk/>
+            <pc:sldMk cId="1714904028" sldId="259"/>
+            <ac:picMk id="88" creationId="{1E029685-0B53-4AD9-A274-72E945BAC4B0}"/>
+          </ac:picMkLst>
+        </pc:picChg>
+        <pc:cxnChg chg="mod">
+          <ac:chgData name="Jerome Hittle" userId="e19a84f4-ec03-414a-9c55-8d84dfc90b9d" providerId="ADAL" clId="{0149E9E8-194F-43BE-94B8-E097CB51E8B7}" dt="2019-10-20T19:01:29.313" v="246" actId="164"/>
+          <ac:cxnSpMkLst>
+            <pc:docMk/>
+            <pc:sldMk cId="1714904028" sldId="259"/>
+            <ac:cxnSpMk id="15" creationId="{C3E442AC-ED26-4D8D-976B-A223CA1BEC97}"/>
+          </ac:cxnSpMkLst>
+        </pc:cxnChg>
+        <pc:cxnChg chg="mod">
+          <ac:chgData name="Jerome Hittle" userId="e19a84f4-ec03-414a-9c55-8d84dfc90b9d" providerId="ADAL" clId="{0149E9E8-194F-43BE-94B8-E097CB51E8B7}" dt="2019-10-20T19:01:35.264" v="248" actId="14100"/>
+          <ac:cxnSpMkLst>
+            <pc:docMk/>
+            <pc:sldMk cId="1714904028" sldId="259"/>
+            <ac:cxnSpMk id="19" creationId="{81A17E71-7F01-4C11-8097-C9F8F27A58E9}"/>
+          </ac:cxnSpMkLst>
+        </pc:cxnChg>
+        <pc:cxnChg chg="mod">
+          <ac:chgData name="Jerome Hittle" userId="e19a84f4-ec03-414a-9c55-8d84dfc90b9d" providerId="ADAL" clId="{0149E9E8-194F-43BE-94B8-E097CB51E8B7}" dt="2019-10-20T19:01:29.313" v="246" actId="164"/>
+          <ac:cxnSpMkLst>
+            <pc:docMk/>
+            <pc:sldMk cId="1714904028" sldId="259"/>
+            <ac:cxnSpMk id="26" creationId="{A416D895-5D6C-47B5-8F13-9D341FB410A2}"/>
+          </ac:cxnSpMkLst>
+        </pc:cxnChg>
+        <pc:cxnChg chg="del mod">
+          <ac:chgData name="Jerome Hittle" userId="e19a84f4-ec03-414a-9c55-8d84dfc90b9d" providerId="ADAL" clId="{0149E9E8-194F-43BE-94B8-E097CB51E8B7}" dt="2019-10-20T18:15:25.095" v="98" actId="478"/>
+          <ac:cxnSpMkLst>
+            <pc:docMk/>
+            <pc:sldMk cId="1714904028" sldId="259"/>
+            <ac:cxnSpMk id="29" creationId="{415017F9-77BF-43C8-8C6F-AD6B252302FE}"/>
+          </ac:cxnSpMkLst>
+        </pc:cxnChg>
+        <pc:cxnChg chg="mod">
+          <ac:chgData name="Jerome Hittle" userId="e19a84f4-ec03-414a-9c55-8d84dfc90b9d" providerId="ADAL" clId="{0149E9E8-194F-43BE-94B8-E097CB51E8B7}" dt="2019-10-20T18:23:02.512" v="126" actId="164"/>
+          <ac:cxnSpMkLst>
+            <pc:docMk/>
+            <pc:sldMk cId="1714904028" sldId="259"/>
+            <ac:cxnSpMk id="33" creationId="{3E8596DE-0B75-4E3A-AF2F-F911AB22BE24}"/>
+          </ac:cxnSpMkLst>
+        </pc:cxnChg>
+        <pc:cxnChg chg="mod">
+          <ac:chgData name="Jerome Hittle" userId="e19a84f4-ec03-414a-9c55-8d84dfc90b9d" providerId="ADAL" clId="{0149E9E8-194F-43BE-94B8-E097CB51E8B7}" dt="2019-10-20T18:23:02.512" v="126" actId="164"/>
+          <ac:cxnSpMkLst>
+            <pc:docMk/>
+            <pc:sldMk cId="1714904028" sldId="259"/>
+            <ac:cxnSpMk id="35" creationId="{7CD6AD13-69D0-4403-B48B-D5A03F5A5624}"/>
+          </ac:cxnSpMkLst>
+        </pc:cxnChg>
+        <pc:cxnChg chg="mod">
+          <ac:chgData name="Jerome Hittle" userId="e19a84f4-ec03-414a-9c55-8d84dfc90b9d" providerId="ADAL" clId="{0149E9E8-194F-43BE-94B8-E097CB51E8B7}" dt="2019-10-20T18:23:02.512" v="126" actId="164"/>
+          <ac:cxnSpMkLst>
+            <pc:docMk/>
+            <pc:sldMk cId="1714904028" sldId="259"/>
+            <ac:cxnSpMk id="36" creationId="{66C759FF-C736-4C0E-8B2E-D865C7B8F5BF}"/>
+          </ac:cxnSpMkLst>
+        </pc:cxnChg>
+        <pc:cxnChg chg="mod">
+          <ac:chgData name="Jerome Hittle" userId="e19a84f4-ec03-414a-9c55-8d84dfc90b9d" providerId="ADAL" clId="{0149E9E8-194F-43BE-94B8-E097CB51E8B7}" dt="2019-10-20T18:23:02.512" v="126" actId="164"/>
+          <ac:cxnSpMkLst>
+            <pc:docMk/>
+            <pc:sldMk cId="1714904028" sldId="259"/>
+            <ac:cxnSpMk id="38" creationId="{84852C1F-61BD-483B-B218-1F863F533A46}"/>
+          </ac:cxnSpMkLst>
+        </pc:cxnChg>
+        <pc:cxnChg chg="mod">
+          <ac:chgData name="Jerome Hittle" userId="e19a84f4-ec03-414a-9c55-8d84dfc90b9d" providerId="ADAL" clId="{0149E9E8-194F-43BE-94B8-E097CB51E8B7}" dt="2019-10-20T18:45:56.655" v="200" actId="14100"/>
+          <ac:cxnSpMkLst>
+            <pc:docMk/>
+            <pc:sldMk cId="1714904028" sldId="259"/>
+            <ac:cxnSpMk id="40" creationId="{663DD483-8BF2-47D7-9E8A-337479625316}"/>
+          </ac:cxnSpMkLst>
+        </pc:cxnChg>
+        <pc:cxnChg chg="mod">
+          <ac:chgData name="Jerome Hittle" userId="e19a84f4-ec03-414a-9c55-8d84dfc90b9d" providerId="ADAL" clId="{0149E9E8-194F-43BE-94B8-E097CB51E8B7}" dt="2019-10-20T18:23:02.512" v="126" actId="164"/>
+          <ac:cxnSpMkLst>
+            <pc:docMk/>
+            <pc:sldMk cId="1714904028" sldId="259"/>
+            <ac:cxnSpMk id="43" creationId="{C3A01E0B-21B2-4623-B6BA-B0B02873DEFC}"/>
+          </ac:cxnSpMkLst>
+        </pc:cxnChg>
+        <pc:cxnChg chg="mod">
+          <ac:chgData name="Jerome Hittle" userId="e19a84f4-ec03-414a-9c55-8d84dfc90b9d" providerId="ADAL" clId="{0149E9E8-194F-43BE-94B8-E097CB51E8B7}" dt="2019-10-20T18:23:02.512" v="126" actId="164"/>
+          <ac:cxnSpMkLst>
+            <pc:docMk/>
+            <pc:sldMk cId="1714904028" sldId="259"/>
+            <ac:cxnSpMk id="46" creationId="{6F1E6B3F-C0C9-48EE-82DF-23C0BFDBBB56}"/>
+          </ac:cxnSpMkLst>
+        </pc:cxnChg>
+        <pc:cxnChg chg="mod">
+          <ac:chgData name="Jerome Hittle" userId="e19a84f4-ec03-414a-9c55-8d84dfc90b9d" providerId="ADAL" clId="{0149E9E8-194F-43BE-94B8-E097CB51E8B7}" dt="2019-10-20T19:02:34.349" v="255" actId="14100"/>
+          <ac:cxnSpMkLst>
+            <pc:docMk/>
+            <pc:sldMk cId="1714904028" sldId="259"/>
+            <ac:cxnSpMk id="48" creationId="{7B143C6E-3DCD-4E4B-B8E5-5D6E2F369C7F}"/>
+          </ac:cxnSpMkLst>
+        </pc:cxnChg>
+        <pc:cxnChg chg="add del mod">
+          <ac:chgData name="Jerome Hittle" userId="e19a84f4-ec03-414a-9c55-8d84dfc90b9d" providerId="ADAL" clId="{0149E9E8-194F-43BE-94B8-E097CB51E8B7}" dt="2019-10-20T19:03:03.081" v="256" actId="14100"/>
+          <ac:cxnSpMkLst>
+            <pc:docMk/>
+            <pc:sldMk cId="1714904028" sldId="259"/>
+            <ac:cxnSpMk id="49" creationId="{5F483FB2-FD7B-4A2A-ABF4-35EAADF96371}"/>
+          </ac:cxnSpMkLst>
+        </pc:cxnChg>
+        <pc:cxnChg chg="mod">
+          <ac:chgData name="Jerome Hittle" userId="e19a84f4-ec03-414a-9c55-8d84dfc90b9d" providerId="ADAL" clId="{0149E9E8-194F-43BE-94B8-E097CB51E8B7}" dt="2019-10-20T19:01:47.803" v="251" actId="14100"/>
+          <ac:cxnSpMkLst>
+            <pc:docMk/>
+            <pc:sldMk cId="1714904028" sldId="259"/>
+            <ac:cxnSpMk id="53" creationId="{95834A4D-463F-486E-A9D3-32946AEB0257}"/>
+          </ac:cxnSpMkLst>
+        </pc:cxnChg>
+        <pc:cxnChg chg="mod">
+          <ac:chgData name="Jerome Hittle" userId="e19a84f4-ec03-414a-9c55-8d84dfc90b9d" providerId="ADAL" clId="{0149E9E8-194F-43BE-94B8-E097CB51E8B7}" dt="2019-10-20T18:56:12.814" v="212" actId="14100"/>
+          <ac:cxnSpMkLst>
+            <pc:docMk/>
+            <pc:sldMk cId="1714904028" sldId="259"/>
+            <ac:cxnSpMk id="58" creationId="{7E62548C-800F-4EE1-8EEB-B49092C10E81}"/>
+          </ac:cxnSpMkLst>
+        </pc:cxnChg>
+        <pc:cxnChg chg="del mod">
+          <ac:chgData name="Jerome Hittle" userId="e19a84f4-ec03-414a-9c55-8d84dfc90b9d" providerId="ADAL" clId="{0149E9E8-194F-43BE-94B8-E097CB51E8B7}" dt="2019-10-20T18:22:45.421" v="122" actId="478"/>
+          <ac:cxnSpMkLst>
+            <pc:docMk/>
+            <pc:sldMk cId="1714904028" sldId="259"/>
+            <ac:cxnSpMk id="64" creationId="{738660BF-DCC6-4034-A9F0-C6B2F52DC62E}"/>
+          </ac:cxnSpMkLst>
+        </pc:cxnChg>
+      </pc:sldChg>
+      <pc:sldChg chg="addSp delSp modSp">
+        <pc:chgData name="Jerome Hittle" userId="e19a84f4-ec03-414a-9c55-8d84dfc90b9d" providerId="ADAL" clId="{0149E9E8-194F-43BE-94B8-E097CB51E8B7}" dt="2019-10-20T18:57:31.507" v="226" actId="478"/>
+        <pc:sldMkLst>
+          <pc:docMk/>
+          <pc:sldMk cId="2492065862" sldId="260"/>
+        </pc:sldMkLst>
+        <pc:spChg chg="mod">
+          <ac:chgData name="Jerome Hittle" userId="e19a84f4-ec03-414a-9c55-8d84dfc90b9d" providerId="ADAL" clId="{0149E9E8-194F-43BE-94B8-E097CB51E8B7}" dt="2019-10-20T18:21:36.085" v="110" actId="1076"/>
+          <ac:spMkLst>
+            <pc:docMk/>
+            <pc:sldMk cId="2492065862" sldId="260"/>
+            <ac:spMk id="3" creationId="{CE4CADAD-E14E-495A-9D9F-BFAD24856864}"/>
+          </ac:spMkLst>
+        </pc:spChg>
+        <pc:spChg chg="add del mod">
+          <ac:chgData name="Jerome Hittle" userId="e19a84f4-ec03-414a-9c55-8d84dfc90b9d" providerId="ADAL" clId="{0149E9E8-194F-43BE-94B8-E097CB51E8B7}" dt="2019-10-20T18:57:31.507" v="226" actId="478"/>
+          <ac:spMkLst>
+            <pc:docMk/>
+            <pc:sldMk cId="2492065862" sldId="260"/>
+            <ac:spMk id="6" creationId="{3FA5D581-748C-4833-AAD8-BC476E548CBA}"/>
+          </ac:spMkLst>
+        </pc:spChg>
+        <pc:spChg chg="add del mod">
+          <ac:chgData name="Jerome Hittle" userId="e19a84f4-ec03-414a-9c55-8d84dfc90b9d" providerId="ADAL" clId="{0149E9E8-194F-43BE-94B8-E097CB51E8B7}" dt="2019-10-20T18:57:30.517" v="225" actId="478"/>
+          <ac:spMkLst>
+            <pc:docMk/>
+            <pc:sldMk cId="2492065862" sldId="260"/>
+            <ac:spMk id="7" creationId="{670AAD26-55DF-47AE-A37F-FD81CA07C075}"/>
+          </ac:spMkLst>
+        </pc:spChg>
+        <pc:spChg chg="add del mod">
+          <ac:chgData name="Jerome Hittle" userId="e19a84f4-ec03-414a-9c55-8d84dfc90b9d" providerId="ADAL" clId="{0149E9E8-194F-43BE-94B8-E097CB51E8B7}" dt="2019-10-20T18:57:29.497" v="224" actId="478"/>
+          <ac:spMkLst>
+            <pc:docMk/>
+            <pc:sldMk cId="2492065862" sldId="260"/>
+            <ac:spMk id="8" creationId="{70CF64AA-A8B9-4DE0-8EFA-D3F309D0EA00}"/>
+          </ac:spMkLst>
+        </pc:spChg>
+        <pc:spChg chg="add del mod">
+          <ac:chgData name="Jerome Hittle" userId="e19a84f4-ec03-414a-9c55-8d84dfc90b9d" providerId="ADAL" clId="{0149E9E8-194F-43BE-94B8-E097CB51E8B7}" dt="2019-10-20T18:57:27.819" v="223" actId="478"/>
+          <ac:spMkLst>
+            <pc:docMk/>
+            <pc:sldMk cId="2492065862" sldId="260"/>
+            <ac:spMk id="9" creationId="{514354CE-6DE3-4DC4-814C-2AAE8C0E74BE}"/>
+          </ac:spMkLst>
+        </pc:spChg>
+      </pc:sldChg>
+    </pc:docChg>
+  </pc:docChgLst>
+  <pc:docChgLst>
     <pc:chgData name="Jerome Hittle" userId="e19a84f4-ec03-414a-9c55-8d84dfc90b9d" providerId="ADAL" clId="{19A9519F-6757-4A42-8737-3CED8C47F629}"/>
     <pc:docChg chg="modSld">
       <pc:chgData name="Jerome Hittle" userId="e19a84f4-ec03-414a-9c55-8d84dfc90b9d" providerId="ADAL" clId="{19A9519F-6757-4A42-8737-3CED8C47F629}" dt="2019-10-05T17:30:37.238" v="11" actId="1076"/>
@@ -539,7 +923,7 @@
           <a:p>
             <a:fld id="{659AAB3F-845F-4DC4-9EA3-BF6748E33618}" type="datetimeFigureOut">
               <a:rPr lang="en-US" smtClean="0"/>
-              <a:t>10/5/2019</a:t>
+              <a:t>10/20/2019</a:t>
             </a:fld>
             <a:endParaRPr lang="en-US"/>
           </a:p>
@@ -737,7 +1121,7 @@
           <a:p>
             <a:fld id="{659AAB3F-845F-4DC4-9EA3-BF6748E33618}" type="datetimeFigureOut">
               <a:rPr lang="en-US" smtClean="0"/>
-              <a:t>10/5/2019</a:t>
+              <a:t>10/20/2019</a:t>
             </a:fld>
             <a:endParaRPr lang="en-US"/>
           </a:p>
@@ -945,7 +1329,7 @@
           <a:p>
             <a:fld id="{659AAB3F-845F-4DC4-9EA3-BF6748E33618}" type="datetimeFigureOut">
               <a:rPr lang="en-US" smtClean="0"/>
-              <a:t>10/5/2019</a:t>
+              <a:t>10/20/2019</a:t>
             </a:fld>
             <a:endParaRPr lang="en-US"/>
           </a:p>
@@ -1009,6 +1393,1941 @@
     <p:extLst>
       <p:ext uri="{BB962C8B-B14F-4D97-AF65-F5344CB8AC3E}">
         <p14:creationId xmlns:p14="http://schemas.microsoft.com/office/powerpoint/2010/main" val="1061384058"/>
+      </p:ext>
+    </p:extLst>
+  </p:cSld>
+  <p:clrMapOvr>
+    <a:masterClrMapping/>
+  </p:clrMapOvr>
+</p:sldLayout>
+</file>
+
+<file path=ppt/slideLayouts/slideLayout12.xml><?xml version="1.0" encoding="utf-8"?>
+<p:sldLayout xmlns:a="http://schemas.openxmlformats.org/drawingml/2006/main" xmlns:r="http://schemas.openxmlformats.org/officeDocument/2006/relationships" xmlns:p="http://schemas.openxmlformats.org/presentationml/2006/main" type="title" preserve="1">
+  <p:cSld name="Title Slide">
+    <p:spTree>
+      <p:nvGrpSpPr>
+        <p:cNvPr id="1" name=""/>
+        <p:cNvGrpSpPr/>
+        <p:nvPr/>
+      </p:nvGrpSpPr>
+      <p:grpSpPr>
+        <a:xfrm>
+          <a:off x="0" y="0"/>
+          <a:ext cx="0" cy="0"/>
+          <a:chOff x="0" y="0"/>
+          <a:chExt cx="0" cy="0"/>
+        </a:xfrm>
+      </p:grpSpPr>
+      <p:sp>
+        <p:nvSpPr>
+          <p:cNvPr id="2" name="Title 1">
+            <a:extLst>
+              <a:ext uri="{FF2B5EF4-FFF2-40B4-BE49-F238E27FC236}">
+                <a16:creationId xmlns:a16="http://schemas.microsoft.com/office/drawing/2014/main" id="{A93F6827-99FC-4498-84AF-EF9575270CCC}"/>
+              </a:ext>
+            </a:extLst>
+          </p:cNvPr>
+          <p:cNvSpPr>
+            <a:spLocks noGrp="1"/>
+          </p:cNvSpPr>
+          <p:nvPr>
+            <p:ph type="ctrTitle"/>
+          </p:nvPr>
+        </p:nvSpPr>
+        <p:spPr>
+          <a:xfrm>
+            <a:off x="1524000" y="1122363"/>
+            <a:ext cx="9144000" cy="2387600"/>
+          </a:xfrm>
+        </p:spPr>
+        <p:txBody>
+          <a:bodyPr anchor="b"/>
+          <a:lstStyle>
+            <a:lvl1pPr algn="ctr">
+              <a:defRPr sz="6000"/>
+            </a:lvl1pPr>
+          </a:lstStyle>
+          <a:p>
+            <a:r>
+              <a:rPr lang="en-US"/>
+              <a:t>Click to edit Master title style</a:t>
+            </a:r>
+          </a:p>
+        </p:txBody>
+      </p:sp>
+      <p:sp>
+        <p:nvSpPr>
+          <p:cNvPr id="3" name="Subtitle 2">
+            <a:extLst>
+              <a:ext uri="{FF2B5EF4-FFF2-40B4-BE49-F238E27FC236}">
+                <a16:creationId xmlns:a16="http://schemas.microsoft.com/office/drawing/2014/main" id="{29EE2E7C-BC60-4142-8866-EC3B276AB89B}"/>
+              </a:ext>
+            </a:extLst>
+          </p:cNvPr>
+          <p:cNvSpPr>
+            <a:spLocks noGrp="1"/>
+          </p:cNvSpPr>
+          <p:nvPr>
+            <p:ph type="subTitle" idx="1"/>
+          </p:nvPr>
+        </p:nvSpPr>
+        <p:spPr>
+          <a:xfrm>
+            <a:off x="1524000" y="3602038"/>
+            <a:ext cx="9144000" cy="1655762"/>
+          </a:xfrm>
+        </p:spPr>
+        <p:txBody>
+          <a:bodyPr/>
+          <a:lstStyle>
+            <a:lvl1pPr marL="0" indent="0" algn="ctr">
+              <a:buNone/>
+              <a:defRPr sz="2400"/>
+            </a:lvl1pPr>
+            <a:lvl2pPr marL="457200" indent="0" algn="ctr">
+              <a:buNone/>
+              <a:defRPr sz="2000"/>
+            </a:lvl2pPr>
+            <a:lvl3pPr marL="914400" indent="0" algn="ctr">
+              <a:buNone/>
+              <a:defRPr sz="1800"/>
+            </a:lvl3pPr>
+            <a:lvl4pPr marL="1371600" indent="0" algn="ctr">
+              <a:buNone/>
+              <a:defRPr sz="1600"/>
+            </a:lvl4pPr>
+            <a:lvl5pPr marL="1828800" indent="0" algn="ctr">
+              <a:buNone/>
+              <a:defRPr sz="1600"/>
+            </a:lvl5pPr>
+            <a:lvl6pPr marL="2286000" indent="0" algn="ctr">
+              <a:buNone/>
+              <a:defRPr sz="1600"/>
+            </a:lvl6pPr>
+            <a:lvl7pPr marL="2743200" indent="0" algn="ctr">
+              <a:buNone/>
+              <a:defRPr sz="1600"/>
+            </a:lvl7pPr>
+            <a:lvl8pPr marL="3200400" indent="0" algn="ctr">
+              <a:buNone/>
+              <a:defRPr sz="1600"/>
+            </a:lvl8pPr>
+            <a:lvl9pPr marL="3657600" indent="0" algn="ctr">
+              <a:buNone/>
+              <a:defRPr sz="1600"/>
+            </a:lvl9pPr>
+          </a:lstStyle>
+          <a:p>
+            <a:r>
+              <a:rPr lang="en-US"/>
+              <a:t>Click to edit Master subtitle style</a:t>
+            </a:r>
+          </a:p>
+        </p:txBody>
+      </p:sp>
+      <p:sp>
+        <p:nvSpPr>
+          <p:cNvPr id="4" name="Date Placeholder 3">
+            <a:extLst>
+              <a:ext uri="{FF2B5EF4-FFF2-40B4-BE49-F238E27FC236}">
+                <a16:creationId xmlns:a16="http://schemas.microsoft.com/office/drawing/2014/main" id="{BDBF2BEE-18BF-43C2-9405-389D0C4C53D1}"/>
+              </a:ext>
+            </a:extLst>
+          </p:cNvPr>
+          <p:cNvSpPr>
+            <a:spLocks noGrp="1"/>
+          </p:cNvSpPr>
+          <p:nvPr>
+            <p:ph type="dt" sz="half" idx="10"/>
+          </p:nvPr>
+        </p:nvSpPr>
+        <p:spPr/>
+        <p:txBody>
+          <a:bodyPr/>
+          <a:lstStyle/>
+          <a:p>
+            <a:fld id="{659AAB3F-845F-4DC4-9EA3-BF6748E33618}" type="datetimeFigureOut">
+              <a:rPr lang="en-US" smtClean="0"/>
+              <a:t>10/20/2019</a:t>
+            </a:fld>
+            <a:endParaRPr lang="en-US"/>
+          </a:p>
+        </p:txBody>
+      </p:sp>
+      <p:sp>
+        <p:nvSpPr>
+          <p:cNvPr id="5" name="Footer Placeholder 4">
+            <a:extLst>
+              <a:ext uri="{FF2B5EF4-FFF2-40B4-BE49-F238E27FC236}">
+                <a16:creationId xmlns:a16="http://schemas.microsoft.com/office/drawing/2014/main" id="{7C3A7D52-3A51-4303-B995-42E300E726D4}"/>
+              </a:ext>
+            </a:extLst>
+          </p:cNvPr>
+          <p:cNvSpPr>
+            <a:spLocks noGrp="1"/>
+          </p:cNvSpPr>
+          <p:nvPr>
+            <p:ph type="ftr" sz="quarter" idx="11"/>
+          </p:nvPr>
+        </p:nvSpPr>
+        <p:spPr/>
+        <p:txBody>
+          <a:bodyPr/>
+          <a:lstStyle/>
+          <a:p>
+            <a:endParaRPr lang="en-US"/>
+          </a:p>
+        </p:txBody>
+      </p:sp>
+      <p:sp>
+        <p:nvSpPr>
+          <p:cNvPr id="6" name="Slide Number Placeholder 5">
+            <a:extLst>
+              <a:ext uri="{FF2B5EF4-FFF2-40B4-BE49-F238E27FC236}">
+                <a16:creationId xmlns:a16="http://schemas.microsoft.com/office/drawing/2014/main" id="{8BCD7E06-1F84-4196-ADA7-58286BE4D3F9}"/>
+              </a:ext>
+            </a:extLst>
+          </p:cNvPr>
+          <p:cNvSpPr>
+            <a:spLocks noGrp="1"/>
+          </p:cNvSpPr>
+          <p:nvPr>
+            <p:ph type="sldNum" sz="quarter" idx="12"/>
+          </p:nvPr>
+        </p:nvSpPr>
+        <p:spPr/>
+        <p:txBody>
+          <a:bodyPr/>
+          <a:lstStyle/>
+          <a:p>
+            <a:fld id="{1D42ECA4-12B7-4EA5-9BEE-AF12900D1DD5}" type="slidenum">
+              <a:rPr lang="en-US" smtClean="0"/>
+              <a:t>‹#›</a:t>
+            </a:fld>
+            <a:endParaRPr lang="en-US"/>
+          </a:p>
+        </p:txBody>
+      </p:sp>
+    </p:spTree>
+    <p:extLst>
+      <p:ext uri="{BB962C8B-B14F-4D97-AF65-F5344CB8AC3E}">
+        <p14:creationId xmlns:p14="http://schemas.microsoft.com/office/powerpoint/2010/main" val="3566587597"/>
+      </p:ext>
+    </p:extLst>
+  </p:cSld>
+  <p:clrMapOvr>
+    <a:masterClrMapping/>
+  </p:clrMapOvr>
+</p:sldLayout>
+</file>
+
+<file path=ppt/slideLayouts/slideLayout13.xml><?xml version="1.0" encoding="utf-8"?>
+<p:sldLayout xmlns:a="http://schemas.openxmlformats.org/drawingml/2006/main" xmlns:r="http://schemas.openxmlformats.org/officeDocument/2006/relationships" xmlns:p="http://schemas.openxmlformats.org/presentationml/2006/main" type="obj" preserve="1">
+  <p:cSld name="Title and Content">
+    <p:spTree>
+      <p:nvGrpSpPr>
+        <p:cNvPr id="1" name=""/>
+        <p:cNvGrpSpPr/>
+        <p:nvPr/>
+      </p:nvGrpSpPr>
+      <p:grpSpPr>
+        <a:xfrm>
+          <a:off x="0" y="0"/>
+          <a:ext cx="0" cy="0"/>
+          <a:chOff x="0" y="0"/>
+          <a:chExt cx="0" cy="0"/>
+        </a:xfrm>
+      </p:grpSpPr>
+      <p:sp>
+        <p:nvSpPr>
+          <p:cNvPr id="2" name="Title 1">
+            <a:extLst>
+              <a:ext uri="{FF2B5EF4-FFF2-40B4-BE49-F238E27FC236}">
+                <a16:creationId xmlns:a16="http://schemas.microsoft.com/office/drawing/2014/main" id="{BD226821-F6DC-49F7-94BD-D83FF37098A1}"/>
+              </a:ext>
+            </a:extLst>
+          </p:cNvPr>
+          <p:cNvSpPr>
+            <a:spLocks noGrp="1"/>
+          </p:cNvSpPr>
+          <p:nvPr>
+            <p:ph type="title"/>
+          </p:nvPr>
+        </p:nvSpPr>
+        <p:spPr/>
+        <p:txBody>
+          <a:bodyPr/>
+          <a:lstStyle/>
+          <a:p>
+            <a:r>
+              <a:rPr lang="en-US"/>
+              <a:t>Click to edit Master title style</a:t>
+            </a:r>
+          </a:p>
+        </p:txBody>
+      </p:sp>
+      <p:sp>
+        <p:nvSpPr>
+          <p:cNvPr id="3" name="Content Placeholder 2">
+            <a:extLst>
+              <a:ext uri="{FF2B5EF4-FFF2-40B4-BE49-F238E27FC236}">
+                <a16:creationId xmlns:a16="http://schemas.microsoft.com/office/drawing/2014/main" id="{2DBDB567-FE44-4AB5-8DD2-1E65B0466460}"/>
+              </a:ext>
+            </a:extLst>
+          </p:cNvPr>
+          <p:cNvSpPr>
+            <a:spLocks noGrp="1"/>
+          </p:cNvSpPr>
+          <p:nvPr>
+            <p:ph idx="1"/>
+          </p:nvPr>
+        </p:nvSpPr>
+        <p:spPr/>
+        <p:txBody>
+          <a:bodyPr/>
+          <a:lstStyle/>
+          <a:p>
+            <a:pPr lvl="0"/>
+            <a:r>
+              <a:rPr lang="en-US"/>
+              <a:t>Click to edit Master text styles</a:t>
+            </a:r>
+          </a:p>
+          <a:p>
+            <a:pPr lvl="1"/>
+            <a:r>
+              <a:rPr lang="en-US"/>
+              <a:t>Second level</a:t>
+            </a:r>
+          </a:p>
+          <a:p>
+            <a:pPr lvl="2"/>
+            <a:r>
+              <a:rPr lang="en-US"/>
+              <a:t>Third level</a:t>
+            </a:r>
+          </a:p>
+          <a:p>
+            <a:pPr lvl="3"/>
+            <a:r>
+              <a:rPr lang="en-US"/>
+              <a:t>Fourth level</a:t>
+            </a:r>
+          </a:p>
+          <a:p>
+            <a:pPr lvl="4"/>
+            <a:r>
+              <a:rPr lang="en-US"/>
+              <a:t>Fifth level</a:t>
+            </a:r>
+          </a:p>
+        </p:txBody>
+      </p:sp>
+      <p:sp>
+        <p:nvSpPr>
+          <p:cNvPr id="4" name="Date Placeholder 3">
+            <a:extLst>
+              <a:ext uri="{FF2B5EF4-FFF2-40B4-BE49-F238E27FC236}">
+                <a16:creationId xmlns:a16="http://schemas.microsoft.com/office/drawing/2014/main" id="{DE8910E0-B059-4789-8241-C54E10BDE030}"/>
+              </a:ext>
+            </a:extLst>
+          </p:cNvPr>
+          <p:cNvSpPr>
+            <a:spLocks noGrp="1"/>
+          </p:cNvSpPr>
+          <p:nvPr>
+            <p:ph type="dt" sz="half" idx="10"/>
+          </p:nvPr>
+        </p:nvSpPr>
+        <p:spPr/>
+        <p:txBody>
+          <a:bodyPr/>
+          <a:lstStyle/>
+          <a:p>
+            <a:fld id="{659AAB3F-845F-4DC4-9EA3-BF6748E33618}" type="datetimeFigureOut">
+              <a:rPr lang="en-US" smtClean="0"/>
+              <a:t>10/20/2019</a:t>
+            </a:fld>
+            <a:endParaRPr lang="en-US"/>
+          </a:p>
+        </p:txBody>
+      </p:sp>
+      <p:sp>
+        <p:nvSpPr>
+          <p:cNvPr id="5" name="Footer Placeholder 4">
+            <a:extLst>
+              <a:ext uri="{FF2B5EF4-FFF2-40B4-BE49-F238E27FC236}">
+                <a16:creationId xmlns:a16="http://schemas.microsoft.com/office/drawing/2014/main" id="{012F3650-BFC0-405E-ACB8-4382CB8DC3AE}"/>
+              </a:ext>
+            </a:extLst>
+          </p:cNvPr>
+          <p:cNvSpPr>
+            <a:spLocks noGrp="1"/>
+          </p:cNvSpPr>
+          <p:nvPr>
+            <p:ph type="ftr" sz="quarter" idx="11"/>
+          </p:nvPr>
+        </p:nvSpPr>
+        <p:spPr/>
+        <p:txBody>
+          <a:bodyPr/>
+          <a:lstStyle/>
+          <a:p>
+            <a:endParaRPr lang="en-US"/>
+          </a:p>
+        </p:txBody>
+      </p:sp>
+      <p:sp>
+        <p:nvSpPr>
+          <p:cNvPr id="6" name="Slide Number Placeholder 5">
+            <a:extLst>
+              <a:ext uri="{FF2B5EF4-FFF2-40B4-BE49-F238E27FC236}">
+                <a16:creationId xmlns:a16="http://schemas.microsoft.com/office/drawing/2014/main" id="{8685824D-E8F0-432E-AD8D-6EBF6B53D66F}"/>
+              </a:ext>
+            </a:extLst>
+          </p:cNvPr>
+          <p:cNvSpPr>
+            <a:spLocks noGrp="1"/>
+          </p:cNvSpPr>
+          <p:nvPr>
+            <p:ph type="sldNum" sz="quarter" idx="12"/>
+          </p:nvPr>
+        </p:nvSpPr>
+        <p:spPr/>
+        <p:txBody>
+          <a:bodyPr/>
+          <a:lstStyle/>
+          <a:p>
+            <a:fld id="{1D42ECA4-12B7-4EA5-9BEE-AF12900D1DD5}" type="slidenum">
+              <a:rPr lang="en-US" smtClean="0"/>
+              <a:t>‹#›</a:t>
+            </a:fld>
+            <a:endParaRPr lang="en-US"/>
+          </a:p>
+        </p:txBody>
+      </p:sp>
+    </p:spTree>
+    <p:extLst>
+      <p:ext uri="{BB962C8B-B14F-4D97-AF65-F5344CB8AC3E}">
+        <p14:creationId xmlns:p14="http://schemas.microsoft.com/office/powerpoint/2010/main" val="2873073493"/>
+      </p:ext>
+    </p:extLst>
+  </p:cSld>
+  <p:clrMapOvr>
+    <a:masterClrMapping/>
+  </p:clrMapOvr>
+</p:sldLayout>
+</file>
+
+<file path=ppt/slideLayouts/slideLayout14.xml><?xml version="1.0" encoding="utf-8"?>
+<p:sldLayout xmlns:a="http://schemas.openxmlformats.org/drawingml/2006/main" xmlns:r="http://schemas.openxmlformats.org/officeDocument/2006/relationships" xmlns:p="http://schemas.openxmlformats.org/presentationml/2006/main" type="secHead" preserve="1">
+  <p:cSld name="Section Header">
+    <p:spTree>
+      <p:nvGrpSpPr>
+        <p:cNvPr id="1" name=""/>
+        <p:cNvGrpSpPr/>
+        <p:nvPr/>
+      </p:nvGrpSpPr>
+      <p:grpSpPr>
+        <a:xfrm>
+          <a:off x="0" y="0"/>
+          <a:ext cx="0" cy="0"/>
+          <a:chOff x="0" y="0"/>
+          <a:chExt cx="0" cy="0"/>
+        </a:xfrm>
+      </p:grpSpPr>
+      <p:sp>
+        <p:nvSpPr>
+          <p:cNvPr id="2" name="Title 1">
+            <a:extLst>
+              <a:ext uri="{FF2B5EF4-FFF2-40B4-BE49-F238E27FC236}">
+                <a16:creationId xmlns:a16="http://schemas.microsoft.com/office/drawing/2014/main" id="{B4BB65CF-7C23-4B5B-B9C0-1B0CF92867AA}"/>
+              </a:ext>
+            </a:extLst>
+          </p:cNvPr>
+          <p:cNvSpPr>
+            <a:spLocks noGrp="1"/>
+          </p:cNvSpPr>
+          <p:nvPr>
+            <p:ph type="title"/>
+          </p:nvPr>
+        </p:nvSpPr>
+        <p:spPr>
+          <a:xfrm>
+            <a:off x="831850" y="1709738"/>
+            <a:ext cx="10515600" cy="2852737"/>
+          </a:xfrm>
+        </p:spPr>
+        <p:txBody>
+          <a:bodyPr anchor="b"/>
+          <a:lstStyle>
+            <a:lvl1pPr>
+              <a:defRPr sz="6000"/>
+            </a:lvl1pPr>
+          </a:lstStyle>
+          <a:p>
+            <a:r>
+              <a:rPr lang="en-US"/>
+              <a:t>Click to edit Master title style</a:t>
+            </a:r>
+          </a:p>
+        </p:txBody>
+      </p:sp>
+      <p:sp>
+        <p:nvSpPr>
+          <p:cNvPr id="3" name="Text Placeholder 2">
+            <a:extLst>
+              <a:ext uri="{FF2B5EF4-FFF2-40B4-BE49-F238E27FC236}">
+                <a16:creationId xmlns:a16="http://schemas.microsoft.com/office/drawing/2014/main" id="{980CE865-86C5-45AE-995E-2024585252F9}"/>
+              </a:ext>
+            </a:extLst>
+          </p:cNvPr>
+          <p:cNvSpPr>
+            <a:spLocks noGrp="1"/>
+          </p:cNvSpPr>
+          <p:nvPr>
+            <p:ph type="body" idx="1"/>
+          </p:nvPr>
+        </p:nvSpPr>
+        <p:spPr>
+          <a:xfrm>
+            <a:off x="831850" y="4589463"/>
+            <a:ext cx="10515600" cy="1500187"/>
+          </a:xfrm>
+        </p:spPr>
+        <p:txBody>
+          <a:bodyPr/>
+          <a:lstStyle>
+            <a:lvl1pPr marL="0" indent="0">
+              <a:buNone/>
+              <a:defRPr sz="2400">
+                <a:solidFill>
+                  <a:schemeClr val="tx1">
+                    <a:tint val="75000"/>
+                  </a:schemeClr>
+                </a:solidFill>
+              </a:defRPr>
+            </a:lvl1pPr>
+            <a:lvl2pPr marL="457200" indent="0">
+              <a:buNone/>
+              <a:defRPr sz="2000">
+                <a:solidFill>
+                  <a:schemeClr val="tx1">
+                    <a:tint val="75000"/>
+                  </a:schemeClr>
+                </a:solidFill>
+              </a:defRPr>
+            </a:lvl2pPr>
+            <a:lvl3pPr marL="914400" indent="0">
+              <a:buNone/>
+              <a:defRPr sz="1800">
+                <a:solidFill>
+                  <a:schemeClr val="tx1">
+                    <a:tint val="75000"/>
+                  </a:schemeClr>
+                </a:solidFill>
+              </a:defRPr>
+            </a:lvl3pPr>
+            <a:lvl4pPr marL="1371600" indent="0">
+              <a:buNone/>
+              <a:defRPr sz="1600">
+                <a:solidFill>
+                  <a:schemeClr val="tx1">
+                    <a:tint val="75000"/>
+                  </a:schemeClr>
+                </a:solidFill>
+              </a:defRPr>
+            </a:lvl4pPr>
+            <a:lvl5pPr marL="1828800" indent="0">
+              <a:buNone/>
+              <a:defRPr sz="1600">
+                <a:solidFill>
+                  <a:schemeClr val="tx1">
+                    <a:tint val="75000"/>
+                  </a:schemeClr>
+                </a:solidFill>
+              </a:defRPr>
+            </a:lvl5pPr>
+            <a:lvl6pPr marL="2286000" indent="0">
+              <a:buNone/>
+              <a:defRPr sz="1600">
+                <a:solidFill>
+                  <a:schemeClr val="tx1">
+                    <a:tint val="75000"/>
+                  </a:schemeClr>
+                </a:solidFill>
+              </a:defRPr>
+            </a:lvl6pPr>
+            <a:lvl7pPr marL="2743200" indent="0">
+              <a:buNone/>
+              <a:defRPr sz="1600">
+                <a:solidFill>
+                  <a:schemeClr val="tx1">
+                    <a:tint val="75000"/>
+                  </a:schemeClr>
+                </a:solidFill>
+              </a:defRPr>
+            </a:lvl7pPr>
+            <a:lvl8pPr marL="3200400" indent="0">
+              <a:buNone/>
+              <a:defRPr sz="1600">
+                <a:solidFill>
+                  <a:schemeClr val="tx1">
+                    <a:tint val="75000"/>
+                  </a:schemeClr>
+                </a:solidFill>
+              </a:defRPr>
+            </a:lvl8pPr>
+            <a:lvl9pPr marL="3657600" indent="0">
+              <a:buNone/>
+              <a:defRPr sz="1600">
+                <a:solidFill>
+                  <a:schemeClr val="tx1">
+                    <a:tint val="75000"/>
+                  </a:schemeClr>
+                </a:solidFill>
+              </a:defRPr>
+            </a:lvl9pPr>
+          </a:lstStyle>
+          <a:p>
+            <a:pPr lvl="0"/>
+            <a:r>
+              <a:rPr lang="en-US"/>
+              <a:t>Click to edit Master text styles</a:t>
+            </a:r>
+          </a:p>
+        </p:txBody>
+      </p:sp>
+      <p:sp>
+        <p:nvSpPr>
+          <p:cNvPr id="4" name="Date Placeholder 3">
+            <a:extLst>
+              <a:ext uri="{FF2B5EF4-FFF2-40B4-BE49-F238E27FC236}">
+                <a16:creationId xmlns:a16="http://schemas.microsoft.com/office/drawing/2014/main" id="{19995DED-B19A-46C6-BEAF-A43BF89CC43B}"/>
+              </a:ext>
+            </a:extLst>
+          </p:cNvPr>
+          <p:cNvSpPr>
+            <a:spLocks noGrp="1"/>
+          </p:cNvSpPr>
+          <p:nvPr>
+            <p:ph type="dt" sz="half" idx="10"/>
+          </p:nvPr>
+        </p:nvSpPr>
+        <p:spPr/>
+        <p:txBody>
+          <a:bodyPr/>
+          <a:lstStyle/>
+          <a:p>
+            <a:fld id="{659AAB3F-845F-4DC4-9EA3-BF6748E33618}" type="datetimeFigureOut">
+              <a:rPr lang="en-US" smtClean="0"/>
+              <a:t>10/20/2019</a:t>
+            </a:fld>
+            <a:endParaRPr lang="en-US"/>
+          </a:p>
+        </p:txBody>
+      </p:sp>
+      <p:sp>
+        <p:nvSpPr>
+          <p:cNvPr id="5" name="Footer Placeholder 4">
+            <a:extLst>
+              <a:ext uri="{FF2B5EF4-FFF2-40B4-BE49-F238E27FC236}">
+                <a16:creationId xmlns:a16="http://schemas.microsoft.com/office/drawing/2014/main" id="{ED460AC3-2BF2-45EA-9E69-3B1DAF93991F}"/>
+              </a:ext>
+            </a:extLst>
+          </p:cNvPr>
+          <p:cNvSpPr>
+            <a:spLocks noGrp="1"/>
+          </p:cNvSpPr>
+          <p:nvPr>
+            <p:ph type="ftr" sz="quarter" idx="11"/>
+          </p:nvPr>
+        </p:nvSpPr>
+        <p:spPr/>
+        <p:txBody>
+          <a:bodyPr/>
+          <a:lstStyle/>
+          <a:p>
+            <a:endParaRPr lang="en-US"/>
+          </a:p>
+        </p:txBody>
+      </p:sp>
+      <p:sp>
+        <p:nvSpPr>
+          <p:cNvPr id="6" name="Slide Number Placeholder 5">
+            <a:extLst>
+              <a:ext uri="{FF2B5EF4-FFF2-40B4-BE49-F238E27FC236}">
+                <a16:creationId xmlns:a16="http://schemas.microsoft.com/office/drawing/2014/main" id="{A71DC783-716D-4643-8926-9A3031A95978}"/>
+              </a:ext>
+            </a:extLst>
+          </p:cNvPr>
+          <p:cNvSpPr>
+            <a:spLocks noGrp="1"/>
+          </p:cNvSpPr>
+          <p:nvPr>
+            <p:ph type="sldNum" sz="quarter" idx="12"/>
+          </p:nvPr>
+        </p:nvSpPr>
+        <p:spPr/>
+        <p:txBody>
+          <a:bodyPr/>
+          <a:lstStyle/>
+          <a:p>
+            <a:fld id="{1D42ECA4-12B7-4EA5-9BEE-AF12900D1DD5}" type="slidenum">
+              <a:rPr lang="en-US" smtClean="0"/>
+              <a:t>‹#›</a:t>
+            </a:fld>
+            <a:endParaRPr lang="en-US"/>
+          </a:p>
+        </p:txBody>
+      </p:sp>
+    </p:spTree>
+    <p:extLst>
+      <p:ext uri="{BB962C8B-B14F-4D97-AF65-F5344CB8AC3E}">
+        <p14:creationId xmlns:p14="http://schemas.microsoft.com/office/powerpoint/2010/main" val="817369207"/>
+      </p:ext>
+    </p:extLst>
+  </p:cSld>
+  <p:clrMapOvr>
+    <a:masterClrMapping/>
+  </p:clrMapOvr>
+</p:sldLayout>
+</file>
+
+<file path=ppt/slideLayouts/slideLayout15.xml><?xml version="1.0" encoding="utf-8"?>
+<p:sldLayout xmlns:a="http://schemas.openxmlformats.org/drawingml/2006/main" xmlns:r="http://schemas.openxmlformats.org/officeDocument/2006/relationships" xmlns:p="http://schemas.openxmlformats.org/presentationml/2006/main" type="twoObj" preserve="1">
+  <p:cSld name="Two Content">
+    <p:spTree>
+      <p:nvGrpSpPr>
+        <p:cNvPr id="1" name=""/>
+        <p:cNvGrpSpPr/>
+        <p:nvPr/>
+      </p:nvGrpSpPr>
+      <p:grpSpPr>
+        <a:xfrm>
+          <a:off x="0" y="0"/>
+          <a:ext cx="0" cy="0"/>
+          <a:chOff x="0" y="0"/>
+          <a:chExt cx="0" cy="0"/>
+        </a:xfrm>
+      </p:grpSpPr>
+      <p:sp>
+        <p:nvSpPr>
+          <p:cNvPr id="2" name="Title 1">
+            <a:extLst>
+              <a:ext uri="{FF2B5EF4-FFF2-40B4-BE49-F238E27FC236}">
+                <a16:creationId xmlns:a16="http://schemas.microsoft.com/office/drawing/2014/main" id="{393A353B-6351-4E69-BDF9-79EE2F7499CC}"/>
+              </a:ext>
+            </a:extLst>
+          </p:cNvPr>
+          <p:cNvSpPr>
+            <a:spLocks noGrp="1"/>
+          </p:cNvSpPr>
+          <p:nvPr>
+            <p:ph type="title"/>
+          </p:nvPr>
+        </p:nvSpPr>
+        <p:spPr/>
+        <p:txBody>
+          <a:bodyPr/>
+          <a:lstStyle/>
+          <a:p>
+            <a:r>
+              <a:rPr lang="en-US"/>
+              <a:t>Click to edit Master title style</a:t>
+            </a:r>
+          </a:p>
+        </p:txBody>
+      </p:sp>
+      <p:sp>
+        <p:nvSpPr>
+          <p:cNvPr id="3" name="Content Placeholder 2">
+            <a:extLst>
+              <a:ext uri="{FF2B5EF4-FFF2-40B4-BE49-F238E27FC236}">
+                <a16:creationId xmlns:a16="http://schemas.microsoft.com/office/drawing/2014/main" id="{BB2C2DE2-5A42-4EC1-B348-2861B4EA30D9}"/>
+              </a:ext>
+            </a:extLst>
+          </p:cNvPr>
+          <p:cNvSpPr>
+            <a:spLocks noGrp="1"/>
+          </p:cNvSpPr>
+          <p:nvPr>
+            <p:ph sz="half" idx="1"/>
+          </p:nvPr>
+        </p:nvSpPr>
+        <p:spPr>
+          <a:xfrm>
+            <a:off x="838200" y="1825625"/>
+            <a:ext cx="5181600" cy="4351338"/>
+          </a:xfrm>
+        </p:spPr>
+        <p:txBody>
+          <a:bodyPr/>
+          <a:lstStyle/>
+          <a:p>
+            <a:pPr lvl="0"/>
+            <a:r>
+              <a:rPr lang="en-US"/>
+              <a:t>Click to edit Master text styles</a:t>
+            </a:r>
+          </a:p>
+          <a:p>
+            <a:pPr lvl="1"/>
+            <a:r>
+              <a:rPr lang="en-US"/>
+              <a:t>Second level</a:t>
+            </a:r>
+          </a:p>
+          <a:p>
+            <a:pPr lvl="2"/>
+            <a:r>
+              <a:rPr lang="en-US"/>
+              <a:t>Third level</a:t>
+            </a:r>
+          </a:p>
+          <a:p>
+            <a:pPr lvl="3"/>
+            <a:r>
+              <a:rPr lang="en-US"/>
+              <a:t>Fourth level</a:t>
+            </a:r>
+          </a:p>
+          <a:p>
+            <a:pPr lvl="4"/>
+            <a:r>
+              <a:rPr lang="en-US"/>
+              <a:t>Fifth level</a:t>
+            </a:r>
+          </a:p>
+        </p:txBody>
+      </p:sp>
+      <p:sp>
+        <p:nvSpPr>
+          <p:cNvPr id="4" name="Content Placeholder 3">
+            <a:extLst>
+              <a:ext uri="{FF2B5EF4-FFF2-40B4-BE49-F238E27FC236}">
+                <a16:creationId xmlns:a16="http://schemas.microsoft.com/office/drawing/2014/main" id="{7442F2B5-05EB-448F-A417-687868370421}"/>
+              </a:ext>
+            </a:extLst>
+          </p:cNvPr>
+          <p:cNvSpPr>
+            <a:spLocks noGrp="1"/>
+          </p:cNvSpPr>
+          <p:nvPr>
+            <p:ph sz="half" idx="2"/>
+          </p:nvPr>
+        </p:nvSpPr>
+        <p:spPr>
+          <a:xfrm>
+            <a:off x="6172200" y="1825625"/>
+            <a:ext cx="5181600" cy="4351338"/>
+          </a:xfrm>
+        </p:spPr>
+        <p:txBody>
+          <a:bodyPr/>
+          <a:lstStyle/>
+          <a:p>
+            <a:pPr lvl="0"/>
+            <a:r>
+              <a:rPr lang="en-US"/>
+              <a:t>Click to edit Master text styles</a:t>
+            </a:r>
+          </a:p>
+          <a:p>
+            <a:pPr lvl="1"/>
+            <a:r>
+              <a:rPr lang="en-US"/>
+              <a:t>Second level</a:t>
+            </a:r>
+          </a:p>
+          <a:p>
+            <a:pPr lvl="2"/>
+            <a:r>
+              <a:rPr lang="en-US"/>
+              <a:t>Third level</a:t>
+            </a:r>
+          </a:p>
+          <a:p>
+            <a:pPr lvl="3"/>
+            <a:r>
+              <a:rPr lang="en-US"/>
+              <a:t>Fourth level</a:t>
+            </a:r>
+          </a:p>
+          <a:p>
+            <a:pPr lvl="4"/>
+            <a:r>
+              <a:rPr lang="en-US"/>
+              <a:t>Fifth level</a:t>
+            </a:r>
+          </a:p>
+        </p:txBody>
+      </p:sp>
+      <p:sp>
+        <p:nvSpPr>
+          <p:cNvPr id="5" name="Date Placeholder 4">
+            <a:extLst>
+              <a:ext uri="{FF2B5EF4-FFF2-40B4-BE49-F238E27FC236}">
+                <a16:creationId xmlns:a16="http://schemas.microsoft.com/office/drawing/2014/main" id="{5799EEA3-B9CB-4ADE-8E50-4927CC30A493}"/>
+              </a:ext>
+            </a:extLst>
+          </p:cNvPr>
+          <p:cNvSpPr>
+            <a:spLocks noGrp="1"/>
+          </p:cNvSpPr>
+          <p:nvPr>
+            <p:ph type="dt" sz="half" idx="10"/>
+          </p:nvPr>
+        </p:nvSpPr>
+        <p:spPr/>
+        <p:txBody>
+          <a:bodyPr/>
+          <a:lstStyle/>
+          <a:p>
+            <a:fld id="{659AAB3F-845F-4DC4-9EA3-BF6748E33618}" type="datetimeFigureOut">
+              <a:rPr lang="en-US" smtClean="0"/>
+              <a:t>10/20/2019</a:t>
+            </a:fld>
+            <a:endParaRPr lang="en-US"/>
+          </a:p>
+        </p:txBody>
+      </p:sp>
+      <p:sp>
+        <p:nvSpPr>
+          <p:cNvPr id="6" name="Footer Placeholder 5">
+            <a:extLst>
+              <a:ext uri="{FF2B5EF4-FFF2-40B4-BE49-F238E27FC236}">
+                <a16:creationId xmlns:a16="http://schemas.microsoft.com/office/drawing/2014/main" id="{C3FD0726-8D21-4CF8-9157-49A10F5680B3}"/>
+              </a:ext>
+            </a:extLst>
+          </p:cNvPr>
+          <p:cNvSpPr>
+            <a:spLocks noGrp="1"/>
+          </p:cNvSpPr>
+          <p:nvPr>
+            <p:ph type="ftr" sz="quarter" idx="11"/>
+          </p:nvPr>
+        </p:nvSpPr>
+        <p:spPr/>
+        <p:txBody>
+          <a:bodyPr/>
+          <a:lstStyle/>
+          <a:p>
+            <a:endParaRPr lang="en-US"/>
+          </a:p>
+        </p:txBody>
+      </p:sp>
+      <p:sp>
+        <p:nvSpPr>
+          <p:cNvPr id="7" name="Slide Number Placeholder 6">
+            <a:extLst>
+              <a:ext uri="{FF2B5EF4-FFF2-40B4-BE49-F238E27FC236}">
+                <a16:creationId xmlns:a16="http://schemas.microsoft.com/office/drawing/2014/main" id="{DFAD5F7B-75F4-434A-9934-F2FC8CC1AE75}"/>
+              </a:ext>
+            </a:extLst>
+          </p:cNvPr>
+          <p:cNvSpPr>
+            <a:spLocks noGrp="1"/>
+          </p:cNvSpPr>
+          <p:nvPr>
+            <p:ph type="sldNum" sz="quarter" idx="12"/>
+          </p:nvPr>
+        </p:nvSpPr>
+        <p:spPr/>
+        <p:txBody>
+          <a:bodyPr/>
+          <a:lstStyle/>
+          <a:p>
+            <a:fld id="{1D42ECA4-12B7-4EA5-9BEE-AF12900D1DD5}" type="slidenum">
+              <a:rPr lang="en-US" smtClean="0"/>
+              <a:t>‹#›</a:t>
+            </a:fld>
+            <a:endParaRPr lang="en-US"/>
+          </a:p>
+        </p:txBody>
+      </p:sp>
+    </p:spTree>
+    <p:extLst>
+      <p:ext uri="{BB962C8B-B14F-4D97-AF65-F5344CB8AC3E}">
+        <p14:creationId xmlns:p14="http://schemas.microsoft.com/office/powerpoint/2010/main" val="1364587099"/>
+      </p:ext>
+    </p:extLst>
+  </p:cSld>
+  <p:clrMapOvr>
+    <a:masterClrMapping/>
+  </p:clrMapOvr>
+</p:sldLayout>
+</file>
+
+<file path=ppt/slideLayouts/slideLayout16.xml><?xml version="1.0" encoding="utf-8"?>
+<p:sldLayout xmlns:a="http://schemas.openxmlformats.org/drawingml/2006/main" xmlns:r="http://schemas.openxmlformats.org/officeDocument/2006/relationships" xmlns:p="http://schemas.openxmlformats.org/presentationml/2006/main" type="twoTxTwoObj" preserve="1">
+  <p:cSld name="Comparison">
+    <p:spTree>
+      <p:nvGrpSpPr>
+        <p:cNvPr id="1" name=""/>
+        <p:cNvGrpSpPr/>
+        <p:nvPr/>
+      </p:nvGrpSpPr>
+      <p:grpSpPr>
+        <a:xfrm>
+          <a:off x="0" y="0"/>
+          <a:ext cx="0" cy="0"/>
+          <a:chOff x="0" y="0"/>
+          <a:chExt cx="0" cy="0"/>
+        </a:xfrm>
+      </p:grpSpPr>
+      <p:sp>
+        <p:nvSpPr>
+          <p:cNvPr id="2" name="Title 1">
+            <a:extLst>
+              <a:ext uri="{FF2B5EF4-FFF2-40B4-BE49-F238E27FC236}">
+                <a16:creationId xmlns:a16="http://schemas.microsoft.com/office/drawing/2014/main" id="{B9D5D865-FAEB-4B6C-BD08-8743FE41A7D2}"/>
+              </a:ext>
+            </a:extLst>
+          </p:cNvPr>
+          <p:cNvSpPr>
+            <a:spLocks noGrp="1"/>
+          </p:cNvSpPr>
+          <p:nvPr>
+            <p:ph type="title"/>
+          </p:nvPr>
+        </p:nvSpPr>
+        <p:spPr>
+          <a:xfrm>
+            <a:off x="839788" y="365125"/>
+            <a:ext cx="10515600" cy="1325563"/>
+          </a:xfrm>
+        </p:spPr>
+        <p:txBody>
+          <a:bodyPr/>
+          <a:lstStyle/>
+          <a:p>
+            <a:r>
+              <a:rPr lang="en-US"/>
+              <a:t>Click to edit Master title style</a:t>
+            </a:r>
+          </a:p>
+        </p:txBody>
+      </p:sp>
+      <p:sp>
+        <p:nvSpPr>
+          <p:cNvPr id="3" name="Text Placeholder 2">
+            <a:extLst>
+              <a:ext uri="{FF2B5EF4-FFF2-40B4-BE49-F238E27FC236}">
+                <a16:creationId xmlns:a16="http://schemas.microsoft.com/office/drawing/2014/main" id="{F894CEEE-93A6-49AB-97F5-AEFD23271C13}"/>
+              </a:ext>
+            </a:extLst>
+          </p:cNvPr>
+          <p:cNvSpPr>
+            <a:spLocks noGrp="1"/>
+          </p:cNvSpPr>
+          <p:nvPr>
+            <p:ph type="body" idx="1"/>
+          </p:nvPr>
+        </p:nvSpPr>
+        <p:spPr>
+          <a:xfrm>
+            <a:off x="839788" y="1681163"/>
+            <a:ext cx="5157787" cy="823912"/>
+          </a:xfrm>
+        </p:spPr>
+        <p:txBody>
+          <a:bodyPr anchor="b"/>
+          <a:lstStyle>
+            <a:lvl1pPr marL="0" indent="0">
+              <a:buNone/>
+              <a:defRPr sz="2400" b="1"/>
+            </a:lvl1pPr>
+            <a:lvl2pPr marL="457200" indent="0">
+              <a:buNone/>
+              <a:defRPr sz="2000" b="1"/>
+            </a:lvl2pPr>
+            <a:lvl3pPr marL="914400" indent="0">
+              <a:buNone/>
+              <a:defRPr sz="1800" b="1"/>
+            </a:lvl3pPr>
+            <a:lvl4pPr marL="1371600" indent="0">
+              <a:buNone/>
+              <a:defRPr sz="1600" b="1"/>
+            </a:lvl4pPr>
+            <a:lvl5pPr marL="1828800" indent="0">
+              <a:buNone/>
+              <a:defRPr sz="1600" b="1"/>
+            </a:lvl5pPr>
+            <a:lvl6pPr marL="2286000" indent="0">
+              <a:buNone/>
+              <a:defRPr sz="1600" b="1"/>
+            </a:lvl6pPr>
+            <a:lvl7pPr marL="2743200" indent="0">
+              <a:buNone/>
+              <a:defRPr sz="1600" b="1"/>
+            </a:lvl7pPr>
+            <a:lvl8pPr marL="3200400" indent="0">
+              <a:buNone/>
+              <a:defRPr sz="1600" b="1"/>
+            </a:lvl8pPr>
+            <a:lvl9pPr marL="3657600" indent="0">
+              <a:buNone/>
+              <a:defRPr sz="1600" b="1"/>
+            </a:lvl9pPr>
+          </a:lstStyle>
+          <a:p>
+            <a:pPr lvl="0"/>
+            <a:r>
+              <a:rPr lang="en-US"/>
+              <a:t>Click to edit Master text styles</a:t>
+            </a:r>
+          </a:p>
+        </p:txBody>
+      </p:sp>
+      <p:sp>
+        <p:nvSpPr>
+          <p:cNvPr id="4" name="Content Placeholder 3">
+            <a:extLst>
+              <a:ext uri="{FF2B5EF4-FFF2-40B4-BE49-F238E27FC236}">
+                <a16:creationId xmlns:a16="http://schemas.microsoft.com/office/drawing/2014/main" id="{CB191C99-B397-4F3B-9D97-9C9F7DD53DDB}"/>
+              </a:ext>
+            </a:extLst>
+          </p:cNvPr>
+          <p:cNvSpPr>
+            <a:spLocks noGrp="1"/>
+          </p:cNvSpPr>
+          <p:nvPr>
+            <p:ph sz="half" idx="2"/>
+          </p:nvPr>
+        </p:nvSpPr>
+        <p:spPr>
+          <a:xfrm>
+            <a:off x="839788" y="2505075"/>
+            <a:ext cx="5157787" cy="3684588"/>
+          </a:xfrm>
+        </p:spPr>
+        <p:txBody>
+          <a:bodyPr/>
+          <a:lstStyle/>
+          <a:p>
+            <a:pPr lvl="0"/>
+            <a:r>
+              <a:rPr lang="en-US"/>
+              <a:t>Click to edit Master text styles</a:t>
+            </a:r>
+          </a:p>
+          <a:p>
+            <a:pPr lvl="1"/>
+            <a:r>
+              <a:rPr lang="en-US"/>
+              <a:t>Second level</a:t>
+            </a:r>
+          </a:p>
+          <a:p>
+            <a:pPr lvl="2"/>
+            <a:r>
+              <a:rPr lang="en-US"/>
+              <a:t>Third level</a:t>
+            </a:r>
+          </a:p>
+          <a:p>
+            <a:pPr lvl="3"/>
+            <a:r>
+              <a:rPr lang="en-US"/>
+              <a:t>Fourth level</a:t>
+            </a:r>
+          </a:p>
+          <a:p>
+            <a:pPr lvl="4"/>
+            <a:r>
+              <a:rPr lang="en-US"/>
+              <a:t>Fifth level</a:t>
+            </a:r>
+          </a:p>
+        </p:txBody>
+      </p:sp>
+      <p:sp>
+        <p:nvSpPr>
+          <p:cNvPr id="5" name="Text Placeholder 4">
+            <a:extLst>
+              <a:ext uri="{FF2B5EF4-FFF2-40B4-BE49-F238E27FC236}">
+                <a16:creationId xmlns:a16="http://schemas.microsoft.com/office/drawing/2014/main" id="{D0BF42CE-473B-4960-BD10-BD4E9EA502C7}"/>
+              </a:ext>
+            </a:extLst>
+          </p:cNvPr>
+          <p:cNvSpPr>
+            <a:spLocks noGrp="1"/>
+          </p:cNvSpPr>
+          <p:nvPr>
+            <p:ph type="body" sz="quarter" idx="3"/>
+          </p:nvPr>
+        </p:nvSpPr>
+        <p:spPr>
+          <a:xfrm>
+            <a:off x="6172200" y="1681163"/>
+            <a:ext cx="5183188" cy="823912"/>
+          </a:xfrm>
+        </p:spPr>
+        <p:txBody>
+          <a:bodyPr anchor="b"/>
+          <a:lstStyle>
+            <a:lvl1pPr marL="0" indent="0">
+              <a:buNone/>
+              <a:defRPr sz="2400" b="1"/>
+            </a:lvl1pPr>
+            <a:lvl2pPr marL="457200" indent="0">
+              <a:buNone/>
+              <a:defRPr sz="2000" b="1"/>
+            </a:lvl2pPr>
+            <a:lvl3pPr marL="914400" indent="0">
+              <a:buNone/>
+              <a:defRPr sz="1800" b="1"/>
+            </a:lvl3pPr>
+            <a:lvl4pPr marL="1371600" indent="0">
+              <a:buNone/>
+              <a:defRPr sz="1600" b="1"/>
+            </a:lvl4pPr>
+            <a:lvl5pPr marL="1828800" indent="0">
+              <a:buNone/>
+              <a:defRPr sz="1600" b="1"/>
+            </a:lvl5pPr>
+            <a:lvl6pPr marL="2286000" indent="0">
+              <a:buNone/>
+              <a:defRPr sz="1600" b="1"/>
+            </a:lvl6pPr>
+            <a:lvl7pPr marL="2743200" indent="0">
+              <a:buNone/>
+              <a:defRPr sz="1600" b="1"/>
+            </a:lvl7pPr>
+            <a:lvl8pPr marL="3200400" indent="0">
+              <a:buNone/>
+              <a:defRPr sz="1600" b="1"/>
+            </a:lvl8pPr>
+            <a:lvl9pPr marL="3657600" indent="0">
+              <a:buNone/>
+              <a:defRPr sz="1600" b="1"/>
+            </a:lvl9pPr>
+          </a:lstStyle>
+          <a:p>
+            <a:pPr lvl="0"/>
+            <a:r>
+              <a:rPr lang="en-US"/>
+              <a:t>Click to edit Master text styles</a:t>
+            </a:r>
+          </a:p>
+        </p:txBody>
+      </p:sp>
+      <p:sp>
+        <p:nvSpPr>
+          <p:cNvPr id="6" name="Content Placeholder 5">
+            <a:extLst>
+              <a:ext uri="{FF2B5EF4-FFF2-40B4-BE49-F238E27FC236}">
+                <a16:creationId xmlns:a16="http://schemas.microsoft.com/office/drawing/2014/main" id="{015C916C-FC9B-4B17-8333-03ABE0DA675F}"/>
+              </a:ext>
+            </a:extLst>
+          </p:cNvPr>
+          <p:cNvSpPr>
+            <a:spLocks noGrp="1"/>
+          </p:cNvSpPr>
+          <p:nvPr>
+            <p:ph sz="quarter" idx="4"/>
+          </p:nvPr>
+        </p:nvSpPr>
+        <p:spPr>
+          <a:xfrm>
+            <a:off x="6172200" y="2505075"/>
+            <a:ext cx="5183188" cy="3684588"/>
+          </a:xfrm>
+        </p:spPr>
+        <p:txBody>
+          <a:bodyPr/>
+          <a:lstStyle/>
+          <a:p>
+            <a:pPr lvl="0"/>
+            <a:r>
+              <a:rPr lang="en-US"/>
+              <a:t>Click to edit Master text styles</a:t>
+            </a:r>
+          </a:p>
+          <a:p>
+            <a:pPr lvl="1"/>
+            <a:r>
+              <a:rPr lang="en-US"/>
+              <a:t>Second level</a:t>
+            </a:r>
+          </a:p>
+          <a:p>
+            <a:pPr lvl="2"/>
+            <a:r>
+              <a:rPr lang="en-US"/>
+              <a:t>Third level</a:t>
+            </a:r>
+          </a:p>
+          <a:p>
+            <a:pPr lvl="3"/>
+            <a:r>
+              <a:rPr lang="en-US"/>
+              <a:t>Fourth level</a:t>
+            </a:r>
+          </a:p>
+          <a:p>
+            <a:pPr lvl="4"/>
+            <a:r>
+              <a:rPr lang="en-US"/>
+              <a:t>Fifth level</a:t>
+            </a:r>
+          </a:p>
+        </p:txBody>
+      </p:sp>
+      <p:sp>
+        <p:nvSpPr>
+          <p:cNvPr id="7" name="Date Placeholder 6">
+            <a:extLst>
+              <a:ext uri="{FF2B5EF4-FFF2-40B4-BE49-F238E27FC236}">
+                <a16:creationId xmlns:a16="http://schemas.microsoft.com/office/drawing/2014/main" id="{367F77AF-7D81-4BEC-A2EA-FDBC39B43C5C}"/>
+              </a:ext>
+            </a:extLst>
+          </p:cNvPr>
+          <p:cNvSpPr>
+            <a:spLocks noGrp="1"/>
+          </p:cNvSpPr>
+          <p:nvPr>
+            <p:ph type="dt" sz="half" idx="10"/>
+          </p:nvPr>
+        </p:nvSpPr>
+        <p:spPr/>
+        <p:txBody>
+          <a:bodyPr/>
+          <a:lstStyle/>
+          <a:p>
+            <a:fld id="{659AAB3F-845F-4DC4-9EA3-BF6748E33618}" type="datetimeFigureOut">
+              <a:rPr lang="en-US" smtClean="0"/>
+              <a:t>10/20/2019</a:t>
+            </a:fld>
+            <a:endParaRPr lang="en-US"/>
+          </a:p>
+        </p:txBody>
+      </p:sp>
+      <p:sp>
+        <p:nvSpPr>
+          <p:cNvPr id="8" name="Footer Placeholder 7">
+            <a:extLst>
+              <a:ext uri="{FF2B5EF4-FFF2-40B4-BE49-F238E27FC236}">
+                <a16:creationId xmlns:a16="http://schemas.microsoft.com/office/drawing/2014/main" id="{251CABD7-55EF-42F8-A55A-52B85E611F90}"/>
+              </a:ext>
+            </a:extLst>
+          </p:cNvPr>
+          <p:cNvSpPr>
+            <a:spLocks noGrp="1"/>
+          </p:cNvSpPr>
+          <p:nvPr>
+            <p:ph type="ftr" sz="quarter" idx="11"/>
+          </p:nvPr>
+        </p:nvSpPr>
+        <p:spPr/>
+        <p:txBody>
+          <a:bodyPr/>
+          <a:lstStyle/>
+          <a:p>
+            <a:endParaRPr lang="en-US"/>
+          </a:p>
+        </p:txBody>
+      </p:sp>
+      <p:sp>
+        <p:nvSpPr>
+          <p:cNvPr id="9" name="Slide Number Placeholder 8">
+            <a:extLst>
+              <a:ext uri="{FF2B5EF4-FFF2-40B4-BE49-F238E27FC236}">
+                <a16:creationId xmlns:a16="http://schemas.microsoft.com/office/drawing/2014/main" id="{6BBB34B9-5905-4D4E-92A5-F24CE0516D3A}"/>
+              </a:ext>
+            </a:extLst>
+          </p:cNvPr>
+          <p:cNvSpPr>
+            <a:spLocks noGrp="1"/>
+          </p:cNvSpPr>
+          <p:nvPr>
+            <p:ph type="sldNum" sz="quarter" idx="12"/>
+          </p:nvPr>
+        </p:nvSpPr>
+        <p:spPr/>
+        <p:txBody>
+          <a:bodyPr/>
+          <a:lstStyle/>
+          <a:p>
+            <a:fld id="{1D42ECA4-12B7-4EA5-9BEE-AF12900D1DD5}" type="slidenum">
+              <a:rPr lang="en-US" smtClean="0"/>
+              <a:t>‹#›</a:t>
+            </a:fld>
+            <a:endParaRPr lang="en-US"/>
+          </a:p>
+        </p:txBody>
+      </p:sp>
+    </p:spTree>
+    <p:extLst>
+      <p:ext uri="{BB962C8B-B14F-4D97-AF65-F5344CB8AC3E}">
+        <p14:creationId xmlns:p14="http://schemas.microsoft.com/office/powerpoint/2010/main" val="2882206698"/>
+      </p:ext>
+    </p:extLst>
+  </p:cSld>
+  <p:clrMapOvr>
+    <a:masterClrMapping/>
+  </p:clrMapOvr>
+</p:sldLayout>
+</file>
+
+<file path=ppt/slideLayouts/slideLayout17.xml><?xml version="1.0" encoding="utf-8"?>
+<p:sldLayout xmlns:a="http://schemas.openxmlformats.org/drawingml/2006/main" xmlns:r="http://schemas.openxmlformats.org/officeDocument/2006/relationships" xmlns:p="http://schemas.openxmlformats.org/presentationml/2006/main" type="titleOnly" preserve="1">
+  <p:cSld name="Title Only">
+    <p:spTree>
+      <p:nvGrpSpPr>
+        <p:cNvPr id="1" name=""/>
+        <p:cNvGrpSpPr/>
+        <p:nvPr/>
+      </p:nvGrpSpPr>
+      <p:grpSpPr>
+        <a:xfrm>
+          <a:off x="0" y="0"/>
+          <a:ext cx="0" cy="0"/>
+          <a:chOff x="0" y="0"/>
+          <a:chExt cx="0" cy="0"/>
+        </a:xfrm>
+      </p:grpSpPr>
+      <p:sp>
+        <p:nvSpPr>
+          <p:cNvPr id="2" name="Title 1">
+            <a:extLst>
+              <a:ext uri="{FF2B5EF4-FFF2-40B4-BE49-F238E27FC236}">
+                <a16:creationId xmlns:a16="http://schemas.microsoft.com/office/drawing/2014/main" id="{838AB6B2-9072-4C11-BC8D-C27DCD48E817}"/>
+              </a:ext>
+            </a:extLst>
+          </p:cNvPr>
+          <p:cNvSpPr>
+            <a:spLocks noGrp="1"/>
+          </p:cNvSpPr>
+          <p:nvPr>
+            <p:ph type="title"/>
+          </p:nvPr>
+        </p:nvSpPr>
+        <p:spPr/>
+        <p:txBody>
+          <a:bodyPr/>
+          <a:lstStyle/>
+          <a:p>
+            <a:r>
+              <a:rPr lang="en-US"/>
+              <a:t>Click to edit Master title style</a:t>
+            </a:r>
+          </a:p>
+        </p:txBody>
+      </p:sp>
+      <p:sp>
+        <p:nvSpPr>
+          <p:cNvPr id="3" name="Date Placeholder 2">
+            <a:extLst>
+              <a:ext uri="{FF2B5EF4-FFF2-40B4-BE49-F238E27FC236}">
+                <a16:creationId xmlns:a16="http://schemas.microsoft.com/office/drawing/2014/main" id="{757693EC-30AA-4E24-BD23-062FE96D8AF7}"/>
+              </a:ext>
+            </a:extLst>
+          </p:cNvPr>
+          <p:cNvSpPr>
+            <a:spLocks noGrp="1"/>
+          </p:cNvSpPr>
+          <p:nvPr>
+            <p:ph type="dt" sz="half" idx="10"/>
+          </p:nvPr>
+        </p:nvSpPr>
+        <p:spPr/>
+        <p:txBody>
+          <a:bodyPr/>
+          <a:lstStyle/>
+          <a:p>
+            <a:fld id="{659AAB3F-845F-4DC4-9EA3-BF6748E33618}" type="datetimeFigureOut">
+              <a:rPr lang="en-US" smtClean="0"/>
+              <a:t>10/20/2019</a:t>
+            </a:fld>
+            <a:endParaRPr lang="en-US"/>
+          </a:p>
+        </p:txBody>
+      </p:sp>
+      <p:sp>
+        <p:nvSpPr>
+          <p:cNvPr id="4" name="Footer Placeholder 3">
+            <a:extLst>
+              <a:ext uri="{FF2B5EF4-FFF2-40B4-BE49-F238E27FC236}">
+                <a16:creationId xmlns:a16="http://schemas.microsoft.com/office/drawing/2014/main" id="{8FF7B76E-1B18-4E08-BFB3-1FBCE1FCBECB}"/>
+              </a:ext>
+            </a:extLst>
+          </p:cNvPr>
+          <p:cNvSpPr>
+            <a:spLocks noGrp="1"/>
+          </p:cNvSpPr>
+          <p:nvPr>
+            <p:ph type="ftr" sz="quarter" idx="11"/>
+          </p:nvPr>
+        </p:nvSpPr>
+        <p:spPr/>
+        <p:txBody>
+          <a:bodyPr/>
+          <a:lstStyle/>
+          <a:p>
+            <a:endParaRPr lang="en-US"/>
+          </a:p>
+        </p:txBody>
+      </p:sp>
+      <p:sp>
+        <p:nvSpPr>
+          <p:cNvPr id="5" name="Slide Number Placeholder 4">
+            <a:extLst>
+              <a:ext uri="{FF2B5EF4-FFF2-40B4-BE49-F238E27FC236}">
+                <a16:creationId xmlns:a16="http://schemas.microsoft.com/office/drawing/2014/main" id="{00ADCAE5-AFE9-48F6-A966-E8960906147E}"/>
+              </a:ext>
+            </a:extLst>
+          </p:cNvPr>
+          <p:cNvSpPr>
+            <a:spLocks noGrp="1"/>
+          </p:cNvSpPr>
+          <p:nvPr>
+            <p:ph type="sldNum" sz="quarter" idx="12"/>
+          </p:nvPr>
+        </p:nvSpPr>
+        <p:spPr/>
+        <p:txBody>
+          <a:bodyPr/>
+          <a:lstStyle/>
+          <a:p>
+            <a:fld id="{1D42ECA4-12B7-4EA5-9BEE-AF12900D1DD5}" type="slidenum">
+              <a:rPr lang="en-US" smtClean="0"/>
+              <a:t>‹#›</a:t>
+            </a:fld>
+            <a:endParaRPr lang="en-US"/>
+          </a:p>
+        </p:txBody>
+      </p:sp>
+    </p:spTree>
+    <p:extLst>
+      <p:ext uri="{BB962C8B-B14F-4D97-AF65-F5344CB8AC3E}">
+        <p14:creationId xmlns:p14="http://schemas.microsoft.com/office/powerpoint/2010/main" val="1149993827"/>
+      </p:ext>
+    </p:extLst>
+  </p:cSld>
+  <p:clrMapOvr>
+    <a:masterClrMapping/>
+  </p:clrMapOvr>
+</p:sldLayout>
+</file>
+
+<file path=ppt/slideLayouts/slideLayout18.xml><?xml version="1.0" encoding="utf-8"?>
+<p:sldLayout xmlns:a="http://schemas.openxmlformats.org/drawingml/2006/main" xmlns:r="http://schemas.openxmlformats.org/officeDocument/2006/relationships" xmlns:p="http://schemas.openxmlformats.org/presentationml/2006/main" type="blank" preserve="1">
+  <p:cSld name="Blank">
+    <p:spTree>
+      <p:nvGrpSpPr>
+        <p:cNvPr id="1" name=""/>
+        <p:cNvGrpSpPr/>
+        <p:nvPr/>
+      </p:nvGrpSpPr>
+      <p:grpSpPr>
+        <a:xfrm>
+          <a:off x="0" y="0"/>
+          <a:ext cx="0" cy="0"/>
+          <a:chOff x="0" y="0"/>
+          <a:chExt cx="0" cy="0"/>
+        </a:xfrm>
+      </p:grpSpPr>
+      <p:sp>
+        <p:nvSpPr>
+          <p:cNvPr id="2" name="Date Placeholder 1">
+            <a:extLst>
+              <a:ext uri="{FF2B5EF4-FFF2-40B4-BE49-F238E27FC236}">
+                <a16:creationId xmlns:a16="http://schemas.microsoft.com/office/drawing/2014/main" id="{6FD67721-1123-4DD4-96F6-AD4ECD45832D}"/>
+              </a:ext>
+            </a:extLst>
+          </p:cNvPr>
+          <p:cNvSpPr>
+            <a:spLocks noGrp="1"/>
+          </p:cNvSpPr>
+          <p:nvPr>
+            <p:ph type="dt" sz="half" idx="10"/>
+          </p:nvPr>
+        </p:nvSpPr>
+        <p:spPr/>
+        <p:txBody>
+          <a:bodyPr/>
+          <a:lstStyle/>
+          <a:p>
+            <a:fld id="{659AAB3F-845F-4DC4-9EA3-BF6748E33618}" type="datetimeFigureOut">
+              <a:rPr lang="en-US" smtClean="0"/>
+              <a:t>10/20/2019</a:t>
+            </a:fld>
+            <a:endParaRPr lang="en-US"/>
+          </a:p>
+        </p:txBody>
+      </p:sp>
+      <p:sp>
+        <p:nvSpPr>
+          <p:cNvPr id="3" name="Footer Placeholder 2">
+            <a:extLst>
+              <a:ext uri="{FF2B5EF4-FFF2-40B4-BE49-F238E27FC236}">
+                <a16:creationId xmlns:a16="http://schemas.microsoft.com/office/drawing/2014/main" id="{9724DA23-1A86-488D-8DEB-53C9A37F5EE2}"/>
+              </a:ext>
+            </a:extLst>
+          </p:cNvPr>
+          <p:cNvSpPr>
+            <a:spLocks noGrp="1"/>
+          </p:cNvSpPr>
+          <p:nvPr>
+            <p:ph type="ftr" sz="quarter" idx="11"/>
+          </p:nvPr>
+        </p:nvSpPr>
+        <p:spPr/>
+        <p:txBody>
+          <a:bodyPr/>
+          <a:lstStyle/>
+          <a:p>
+            <a:endParaRPr lang="en-US"/>
+          </a:p>
+        </p:txBody>
+      </p:sp>
+      <p:sp>
+        <p:nvSpPr>
+          <p:cNvPr id="4" name="Slide Number Placeholder 3">
+            <a:extLst>
+              <a:ext uri="{FF2B5EF4-FFF2-40B4-BE49-F238E27FC236}">
+                <a16:creationId xmlns:a16="http://schemas.microsoft.com/office/drawing/2014/main" id="{A036A9BC-D581-45DA-9148-96D83B34D386}"/>
+              </a:ext>
+            </a:extLst>
+          </p:cNvPr>
+          <p:cNvSpPr>
+            <a:spLocks noGrp="1"/>
+          </p:cNvSpPr>
+          <p:nvPr>
+            <p:ph type="sldNum" sz="quarter" idx="12"/>
+          </p:nvPr>
+        </p:nvSpPr>
+        <p:spPr/>
+        <p:txBody>
+          <a:bodyPr/>
+          <a:lstStyle/>
+          <a:p>
+            <a:fld id="{1D42ECA4-12B7-4EA5-9BEE-AF12900D1DD5}" type="slidenum">
+              <a:rPr lang="en-US" smtClean="0"/>
+              <a:t>‹#›</a:t>
+            </a:fld>
+            <a:endParaRPr lang="en-US"/>
+          </a:p>
+        </p:txBody>
+      </p:sp>
+    </p:spTree>
+    <p:extLst>
+      <p:ext uri="{BB962C8B-B14F-4D97-AF65-F5344CB8AC3E}">
+        <p14:creationId xmlns:p14="http://schemas.microsoft.com/office/powerpoint/2010/main" val="3150563669"/>
+      </p:ext>
+    </p:extLst>
+  </p:cSld>
+  <p:clrMapOvr>
+    <a:masterClrMapping/>
+  </p:clrMapOvr>
+</p:sldLayout>
+</file>
+
+<file path=ppt/slideLayouts/slideLayout19.xml><?xml version="1.0" encoding="utf-8"?>
+<p:sldLayout xmlns:a="http://schemas.openxmlformats.org/drawingml/2006/main" xmlns:r="http://schemas.openxmlformats.org/officeDocument/2006/relationships" xmlns:p="http://schemas.openxmlformats.org/presentationml/2006/main" type="objTx" preserve="1">
+  <p:cSld name="Content with Caption">
+    <p:spTree>
+      <p:nvGrpSpPr>
+        <p:cNvPr id="1" name=""/>
+        <p:cNvGrpSpPr/>
+        <p:nvPr/>
+      </p:nvGrpSpPr>
+      <p:grpSpPr>
+        <a:xfrm>
+          <a:off x="0" y="0"/>
+          <a:ext cx="0" cy="0"/>
+          <a:chOff x="0" y="0"/>
+          <a:chExt cx="0" cy="0"/>
+        </a:xfrm>
+      </p:grpSpPr>
+      <p:sp>
+        <p:nvSpPr>
+          <p:cNvPr id="2" name="Title 1">
+            <a:extLst>
+              <a:ext uri="{FF2B5EF4-FFF2-40B4-BE49-F238E27FC236}">
+                <a16:creationId xmlns:a16="http://schemas.microsoft.com/office/drawing/2014/main" id="{62B58D0A-9B99-43B2-9049-AF3F8DF6AD7A}"/>
+              </a:ext>
+            </a:extLst>
+          </p:cNvPr>
+          <p:cNvSpPr>
+            <a:spLocks noGrp="1"/>
+          </p:cNvSpPr>
+          <p:nvPr>
+            <p:ph type="title"/>
+          </p:nvPr>
+        </p:nvSpPr>
+        <p:spPr>
+          <a:xfrm>
+            <a:off x="839788" y="457200"/>
+            <a:ext cx="3932237" cy="1600200"/>
+          </a:xfrm>
+        </p:spPr>
+        <p:txBody>
+          <a:bodyPr anchor="b"/>
+          <a:lstStyle>
+            <a:lvl1pPr>
+              <a:defRPr sz="3200"/>
+            </a:lvl1pPr>
+          </a:lstStyle>
+          <a:p>
+            <a:r>
+              <a:rPr lang="en-US"/>
+              <a:t>Click to edit Master title style</a:t>
+            </a:r>
+          </a:p>
+        </p:txBody>
+      </p:sp>
+      <p:sp>
+        <p:nvSpPr>
+          <p:cNvPr id="3" name="Content Placeholder 2">
+            <a:extLst>
+              <a:ext uri="{FF2B5EF4-FFF2-40B4-BE49-F238E27FC236}">
+                <a16:creationId xmlns:a16="http://schemas.microsoft.com/office/drawing/2014/main" id="{F56CCA3D-61C0-4245-A257-2EA314373863}"/>
+              </a:ext>
+            </a:extLst>
+          </p:cNvPr>
+          <p:cNvSpPr>
+            <a:spLocks noGrp="1"/>
+          </p:cNvSpPr>
+          <p:nvPr>
+            <p:ph idx="1"/>
+          </p:nvPr>
+        </p:nvSpPr>
+        <p:spPr>
+          <a:xfrm>
+            <a:off x="5183188" y="987425"/>
+            <a:ext cx="6172200" cy="4873625"/>
+          </a:xfrm>
+        </p:spPr>
+        <p:txBody>
+          <a:bodyPr/>
+          <a:lstStyle>
+            <a:lvl1pPr>
+              <a:defRPr sz="3200"/>
+            </a:lvl1pPr>
+            <a:lvl2pPr>
+              <a:defRPr sz="2800"/>
+            </a:lvl2pPr>
+            <a:lvl3pPr>
+              <a:defRPr sz="2400"/>
+            </a:lvl3pPr>
+            <a:lvl4pPr>
+              <a:defRPr sz="2000"/>
+            </a:lvl4pPr>
+            <a:lvl5pPr>
+              <a:defRPr sz="2000"/>
+            </a:lvl5pPr>
+            <a:lvl6pPr>
+              <a:defRPr sz="2000"/>
+            </a:lvl6pPr>
+            <a:lvl7pPr>
+              <a:defRPr sz="2000"/>
+            </a:lvl7pPr>
+            <a:lvl8pPr>
+              <a:defRPr sz="2000"/>
+            </a:lvl8pPr>
+            <a:lvl9pPr>
+              <a:defRPr sz="2000"/>
+            </a:lvl9pPr>
+          </a:lstStyle>
+          <a:p>
+            <a:pPr lvl="0"/>
+            <a:r>
+              <a:rPr lang="en-US"/>
+              <a:t>Click to edit Master text styles</a:t>
+            </a:r>
+          </a:p>
+          <a:p>
+            <a:pPr lvl="1"/>
+            <a:r>
+              <a:rPr lang="en-US"/>
+              <a:t>Second level</a:t>
+            </a:r>
+          </a:p>
+          <a:p>
+            <a:pPr lvl="2"/>
+            <a:r>
+              <a:rPr lang="en-US"/>
+              <a:t>Third level</a:t>
+            </a:r>
+          </a:p>
+          <a:p>
+            <a:pPr lvl="3"/>
+            <a:r>
+              <a:rPr lang="en-US"/>
+              <a:t>Fourth level</a:t>
+            </a:r>
+          </a:p>
+          <a:p>
+            <a:pPr lvl="4"/>
+            <a:r>
+              <a:rPr lang="en-US"/>
+              <a:t>Fifth level</a:t>
+            </a:r>
+          </a:p>
+        </p:txBody>
+      </p:sp>
+      <p:sp>
+        <p:nvSpPr>
+          <p:cNvPr id="4" name="Text Placeholder 3">
+            <a:extLst>
+              <a:ext uri="{FF2B5EF4-FFF2-40B4-BE49-F238E27FC236}">
+                <a16:creationId xmlns:a16="http://schemas.microsoft.com/office/drawing/2014/main" id="{ABEA1BE4-F65A-45F7-9D10-24700BEE4741}"/>
+              </a:ext>
+            </a:extLst>
+          </p:cNvPr>
+          <p:cNvSpPr>
+            <a:spLocks noGrp="1"/>
+          </p:cNvSpPr>
+          <p:nvPr>
+            <p:ph type="body" sz="half" idx="2"/>
+          </p:nvPr>
+        </p:nvSpPr>
+        <p:spPr>
+          <a:xfrm>
+            <a:off x="839788" y="2057400"/>
+            <a:ext cx="3932237" cy="3811588"/>
+          </a:xfrm>
+        </p:spPr>
+        <p:txBody>
+          <a:bodyPr/>
+          <a:lstStyle>
+            <a:lvl1pPr marL="0" indent="0">
+              <a:buNone/>
+              <a:defRPr sz="1600"/>
+            </a:lvl1pPr>
+            <a:lvl2pPr marL="457200" indent="0">
+              <a:buNone/>
+              <a:defRPr sz="1400"/>
+            </a:lvl2pPr>
+            <a:lvl3pPr marL="914400" indent="0">
+              <a:buNone/>
+              <a:defRPr sz="1200"/>
+            </a:lvl3pPr>
+            <a:lvl4pPr marL="1371600" indent="0">
+              <a:buNone/>
+              <a:defRPr sz="1000"/>
+            </a:lvl4pPr>
+            <a:lvl5pPr marL="1828800" indent="0">
+              <a:buNone/>
+              <a:defRPr sz="1000"/>
+            </a:lvl5pPr>
+            <a:lvl6pPr marL="2286000" indent="0">
+              <a:buNone/>
+              <a:defRPr sz="1000"/>
+            </a:lvl6pPr>
+            <a:lvl7pPr marL="2743200" indent="0">
+              <a:buNone/>
+              <a:defRPr sz="1000"/>
+            </a:lvl7pPr>
+            <a:lvl8pPr marL="3200400" indent="0">
+              <a:buNone/>
+              <a:defRPr sz="1000"/>
+            </a:lvl8pPr>
+            <a:lvl9pPr marL="3657600" indent="0">
+              <a:buNone/>
+              <a:defRPr sz="1000"/>
+            </a:lvl9pPr>
+          </a:lstStyle>
+          <a:p>
+            <a:pPr lvl="0"/>
+            <a:r>
+              <a:rPr lang="en-US"/>
+              <a:t>Click to edit Master text styles</a:t>
+            </a:r>
+          </a:p>
+        </p:txBody>
+      </p:sp>
+      <p:sp>
+        <p:nvSpPr>
+          <p:cNvPr id="5" name="Date Placeholder 4">
+            <a:extLst>
+              <a:ext uri="{FF2B5EF4-FFF2-40B4-BE49-F238E27FC236}">
+                <a16:creationId xmlns:a16="http://schemas.microsoft.com/office/drawing/2014/main" id="{5C4208B8-BB3D-47A8-8EC0-DAB4A615E92B}"/>
+              </a:ext>
+            </a:extLst>
+          </p:cNvPr>
+          <p:cNvSpPr>
+            <a:spLocks noGrp="1"/>
+          </p:cNvSpPr>
+          <p:nvPr>
+            <p:ph type="dt" sz="half" idx="10"/>
+          </p:nvPr>
+        </p:nvSpPr>
+        <p:spPr/>
+        <p:txBody>
+          <a:bodyPr/>
+          <a:lstStyle/>
+          <a:p>
+            <a:fld id="{659AAB3F-845F-4DC4-9EA3-BF6748E33618}" type="datetimeFigureOut">
+              <a:rPr lang="en-US" smtClean="0"/>
+              <a:t>10/20/2019</a:t>
+            </a:fld>
+            <a:endParaRPr lang="en-US"/>
+          </a:p>
+        </p:txBody>
+      </p:sp>
+      <p:sp>
+        <p:nvSpPr>
+          <p:cNvPr id="6" name="Footer Placeholder 5">
+            <a:extLst>
+              <a:ext uri="{FF2B5EF4-FFF2-40B4-BE49-F238E27FC236}">
+                <a16:creationId xmlns:a16="http://schemas.microsoft.com/office/drawing/2014/main" id="{F226C3BF-AD0C-4AB9-B0FD-EE1A31167BFD}"/>
+              </a:ext>
+            </a:extLst>
+          </p:cNvPr>
+          <p:cNvSpPr>
+            <a:spLocks noGrp="1"/>
+          </p:cNvSpPr>
+          <p:nvPr>
+            <p:ph type="ftr" sz="quarter" idx="11"/>
+          </p:nvPr>
+        </p:nvSpPr>
+        <p:spPr/>
+        <p:txBody>
+          <a:bodyPr/>
+          <a:lstStyle/>
+          <a:p>
+            <a:endParaRPr lang="en-US"/>
+          </a:p>
+        </p:txBody>
+      </p:sp>
+      <p:sp>
+        <p:nvSpPr>
+          <p:cNvPr id="7" name="Slide Number Placeholder 6">
+            <a:extLst>
+              <a:ext uri="{FF2B5EF4-FFF2-40B4-BE49-F238E27FC236}">
+                <a16:creationId xmlns:a16="http://schemas.microsoft.com/office/drawing/2014/main" id="{2A70CE0B-6F28-4911-8952-0AE3693EB095}"/>
+              </a:ext>
+            </a:extLst>
+          </p:cNvPr>
+          <p:cNvSpPr>
+            <a:spLocks noGrp="1"/>
+          </p:cNvSpPr>
+          <p:nvPr>
+            <p:ph type="sldNum" sz="quarter" idx="12"/>
+          </p:nvPr>
+        </p:nvSpPr>
+        <p:spPr/>
+        <p:txBody>
+          <a:bodyPr/>
+          <a:lstStyle/>
+          <a:p>
+            <a:fld id="{1D42ECA4-12B7-4EA5-9BEE-AF12900D1DD5}" type="slidenum">
+              <a:rPr lang="en-US" smtClean="0"/>
+              <a:t>‹#›</a:t>
+            </a:fld>
+            <a:endParaRPr lang="en-US"/>
+          </a:p>
+        </p:txBody>
+      </p:sp>
+    </p:spTree>
+    <p:extLst>
+      <p:ext uri="{BB962C8B-B14F-4D97-AF65-F5344CB8AC3E}">
+        <p14:creationId xmlns:p14="http://schemas.microsoft.com/office/powerpoint/2010/main" val="2497386819"/>
       </p:ext>
     </p:extLst>
   </p:cSld>
@@ -1143,7 +3462,7 @@
           <a:p>
             <a:fld id="{659AAB3F-845F-4DC4-9EA3-BF6748E33618}" type="datetimeFigureOut">
               <a:rPr lang="en-US" smtClean="0"/>
-              <a:t>10/5/2019</a:t>
+              <a:t>10/20/2019</a:t>
             </a:fld>
             <a:endParaRPr lang="en-US"/>
           </a:p>
@@ -1207,6 +3526,700 @@
     <p:extLst>
       <p:ext uri="{BB962C8B-B14F-4D97-AF65-F5344CB8AC3E}">
         <p14:creationId xmlns:p14="http://schemas.microsoft.com/office/powerpoint/2010/main" val="438968531"/>
+      </p:ext>
+    </p:extLst>
+  </p:cSld>
+  <p:clrMapOvr>
+    <a:masterClrMapping/>
+  </p:clrMapOvr>
+</p:sldLayout>
+</file>
+
+<file path=ppt/slideLayouts/slideLayout20.xml><?xml version="1.0" encoding="utf-8"?>
+<p:sldLayout xmlns:a="http://schemas.openxmlformats.org/drawingml/2006/main" xmlns:r="http://schemas.openxmlformats.org/officeDocument/2006/relationships" xmlns:p="http://schemas.openxmlformats.org/presentationml/2006/main" type="picTx" preserve="1">
+  <p:cSld name="Picture with Caption">
+    <p:spTree>
+      <p:nvGrpSpPr>
+        <p:cNvPr id="1" name=""/>
+        <p:cNvGrpSpPr/>
+        <p:nvPr/>
+      </p:nvGrpSpPr>
+      <p:grpSpPr>
+        <a:xfrm>
+          <a:off x="0" y="0"/>
+          <a:ext cx="0" cy="0"/>
+          <a:chOff x="0" y="0"/>
+          <a:chExt cx="0" cy="0"/>
+        </a:xfrm>
+      </p:grpSpPr>
+      <p:sp>
+        <p:nvSpPr>
+          <p:cNvPr id="2" name="Title 1">
+            <a:extLst>
+              <a:ext uri="{FF2B5EF4-FFF2-40B4-BE49-F238E27FC236}">
+                <a16:creationId xmlns:a16="http://schemas.microsoft.com/office/drawing/2014/main" id="{63AC3FB5-8524-4A7D-8523-2F26F20CF9C8}"/>
+              </a:ext>
+            </a:extLst>
+          </p:cNvPr>
+          <p:cNvSpPr>
+            <a:spLocks noGrp="1"/>
+          </p:cNvSpPr>
+          <p:nvPr>
+            <p:ph type="title"/>
+          </p:nvPr>
+        </p:nvSpPr>
+        <p:spPr>
+          <a:xfrm>
+            <a:off x="839788" y="457200"/>
+            <a:ext cx="3932237" cy="1600200"/>
+          </a:xfrm>
+        </p:spPr>
+        <p:txBody>
+          <a:bodyPr anchor="b"/>
+          <a:lstStyle>
+            <a:lvl1pPr>
+              <a:defRPr sz="3200"/>
+            </a:lvl1pPr>
+          </a:lstStyle>
+          <a:p>
+            <a:r>
+              <a:rPr lang="en-US"/>
+              <a:t>Click to edit Master title style</a:t>
+            </a:r>
+          </a:p>
+        </p:txBody>
+      </p:sp>
+      <p:sp>
+        <p:nvSpPr>
+          <p:cNvPr id="3" name="Picture Placeholder 2">
+            <a:extLst>
+              <a:ext uri="{FF2B5EF4-FFF2-40B4-BE49-F238E27FC236}">
+                <a16:creationId xmlns:a16="http://schemas.microsoft.com/office/drawing/2014/main" id="{97684D21-5AD4-4BE7-A38B-924B7919384A}"/>
+              </a:ext>
+            </a:extLst>
+          </p:cNvPr>
+          <p:cNvSpPr>
+            <a:spLocks noGrp="1"/>
+          </p:cNvSpPr>
+          <p:nvPr>
+            <p:ph type="pic" idx="1"/>
+          </p:nvPr>
+        </p:nvSpPr>
+        <p:spPr>
+          <a:xfrm>
+            <a:off x="5183188" y="987425"/>
+            <a:ext cx="6172200" cy="4873625"/>
+          </a:xfrm>
+        </p:spPr>
+        <p:txBody>
+          <a:bodyPr/>
+          <a:lstStyle>
+            <a:lvl1pPr marL="0" indent="0">
+              <a:buNone/>
+              <a:defRPr sz="3200"/>
+            </a:lvl1pPr>
+            <a:lvl2pPr marL="457200" indent="0">
+              <a:buNone/>
+              <a:defRPr sz="2800"/>
+            </a:lvl2pPr>
+            <a:lvl3pPr marL="914400" indent="0">
+              <a:buNone/>
+              <a:defRPr sz="2400"/>
+            </a:lvl3pPr>
+            <a:lvl4pPr marL="1371600" indent="0">
+              <a:buNone/>
+              <a:defRPr sz="2000"/>
+            </a:lvl4pPr>
+            <a:lvl5pPr marL="1828800" indent="0">
+              <a:buNone/>
+              <a:defRPr sz="2000"/>
+            </a:lvl5pPr>
+            <a:lvl6pPr marL="2286000" indent="0">
+              <a:buNone/>
+              <a:defRPr sz="2000"/>
+            </a:lvl6pPr>
+            <a:lvl7pPr marL="2743200" indent="0">
+              <a:buNone/>
+              <a:defRPr sz="2000"/>
+            </a:lvl7pPr>
+            <a:lvl8pPr marL="3200400" indent="0">
+              <a:buNone/>
+              <a:defRPr sz="2000"/>
+            </a:lvl8pPr>
+            <a:lvl9pPr marL="3657600" indent="0">
+              <a:buNone/>
+              <a:defRPr sz="2000"/>
+            </a:lvl9pPr>
+          </a:lstStyle>
+          <a:p>
+            <a:endParaRPr lang="en-US"/>
+          </a:p>
+        </p:txBody>
+      </p:sp>
+      <p:sp>
+        <p:nvSpPr>
+          <p:cNvPr id="4" name="Text Placeholder 3">
+            <a:extLst>
+              <a:ext uri="{FF2B5EF4-FFF2-40B4-BE49-F238E27FC236}">
+                <a16:creationId xmlns:a16="http://schemas.microsoft.com/office/drawing/2014/main" id="{C58C3C8C-F21D-4CB7-8E45-0816B0110B11}"/>
+              </a:ext>
+            </a:extLst>
+          </p:cNvPr>
+          <p:cNvSpPr>
+            <a:spLocks noGrp="1"/>
+          </p:cNvSpPr>
+          <p:nvPr>
+            <p:ph type="body" sz="half" idx="2"/>
+          </p:nvPr>
+        </p:nvSpPr>
+        <p:spPr>
+          <a:xfrm>
+            <a:off x="839788" y="2057400"/>
+            <a:ext cx="3932237" cy="3811588"/>
+          </a:xfrm>
+        </p:spPr>
+        <p:txBody>
+          <a:bodyPr/>
+          <a:lstStyle>
+            <a:lvl1pPr marL="0" indent="0">
+              <a:buNone/>
+              <a:defRPr sz="1600"/>
+            </a:lvl1pPr>
+            <a:lvl2pPr marL="457200" indent="0">
+              <a:buNone/>
+              <a:defRPr sz="1400"/>
+            </a:lvl2pPr>
+            <a:lvl3pPr marL="914400" indent="0">
+              <a:buNone/>
+              <a:defRPr sz="1200"/>
+            </a:lvl3pPr>
+            <a:lvl4pPr marL="1371600" indent="0">
+              <a:buNone/>
+              <a:defRPr sz="1000"/>
+            </a:lvl4pPr>
+            <a:lvl5pPr marL="1828800" indent="0">
+              <a:buNone/>
+              <a:defRPr sz="1000"/>
+            </a:lvl5pPr>
+            <a:lvl6pPr marL="2286000" indent="0">
+              <a:buNone/>
+              <a:defRPr sz="1000"/>
+            </a:lvl6pPr>
+            <a:lvl7pPr marL="2743200" indent="0">
+              <a:buNone/>
+              <a:defRPr sz="1000"/>
+            </a:lvl7pPr>
+            <a:lvl8pPr marL="3200400" indent="0">
+              <a:buNone/>
+              <a:defRPr sz="1000"/>
+            </a:lvl8pPr>
+            <a:lvl9pPr marL="3657600" indent="0">
+              <a:buNone/>
+              <a:defRPr sz="1000"/>
+            </a:lvl9pPr>
+          </a:lstStyle>
+          <a:p>
+            <a:pPr lvl="0"/>
+            <a:r>
+              <a:rPr lang="en-US"/>
+              <a:t>Click to edit Master text styles</a:t>
+            </a:r>
+          </a:p>
+        </p:txBody>
+      </p:sp>
+      <p:sp>
+        <p:nvSpPr>
+          <p:cNvPr id="5" name="Date Placeholder 4">
+            <a:extLst>
+              <a:ext uri="{FF2B5EF4-FFF2-40B4-BE49-F238E27FC236}">
+                <a16:creationId xmlns:a16="http://schemas.microsoft.com/office/drawing/2014/main" id="{C864EE58-0C4D-4416-ACF1-5369142BDAAD}"/>
+              </a:ext>
+            </a:extLst>
+          </p:cNvPr>
+          <p:cNvSpPr>
+            <a:spLocks noGrp="1"/>
+          </p:cNvSpPr>
+          <p:nvPr>
+            <p:ph type="dt" sz="half" idx="10"/>
+          </p:nvPr>
+        </p:nvSpPr>
+        <p:spPr/>
+        <p:txBody>
+          <a:bodyPr/>
+          <a:lstStyle/>
+          <a:p>
+            <a:fld id="{659AAB3F-845F-4DC4-9EA3-BF6748E33618}" type="datetimeFigureOut">
+              <a:rPr lang="en-US" smtClean="0"/>
+              <a:t>10/20/2019</a:t>
+            </a:fld>
+            <a:endParaRPr lang="en-US"/>
+          </a:p>
+        </p:txBody>
+      </p:sp>
+      <p:sp>
+        <p:nvSpPr>
+          <p:cNvPr id="6" name="Footer Placeholder 5">
+            <a:extLst>
+              <a:ext uri="{FF2B5EF4-FFF2-40B4-BE49-F238E27FC236}">
+                <a16:creationId xmlns:a16="http://schemas.microsoft.com/office/drawing/2014/main" id="{2D81652C-C7D0-4D49-B066-275143FC0728}"/>
+              </a:ext>
+            </a:extLst>
+          </p:cNvPr>
+          <p:cNvSpPr>
+            <a:spLocks noGrp="1"/>
+          </p:cNvSpPr>
+          <p:nvPr>
+            <p:ph type="ftr" sz="quarter" idx="11"/>
+          </p:nvPr>
+        </p:nvSpPr>
+        <p:spPr/>
+        <p:txBody>
+          <a:bodyPr/>
+          <a:lstStyle/>
+          <a:p>
+            <a:endParaRPr lang="en-US"/>
+          </a:p>
+        </p:txBody>
+      </p:sp>
+      <p:sp>
+        <p:nvSpPr>
+          <p:cNvPr id="7" name="Slide Number Placeholder 6">
+            <a:extLst>
+              <a:ext uri="{FF2B5EF4-FFF2-40B4-BE49-F238E27FC236}">
+                <a16:creationId xmlns:a16="http://schemas.microsoft.com/office/drawing/2014/main" id="{4E38A414-1CAA-4D66-AD47-B3A3B45F1A39}"/>
+              </a:ext>
+            </a:extLst>
+          </p:cNvPr>
+          <p:cNvSpPr>
+            <a:spLocks noGrp="1"/>
+          </p:cNvSpPr>
+          <p:nvPr>
+            <p:ph type="sldNum" sz="quarter" idx="12"/>
+          </p:nvPr>
+        </p:nvSpPr>
+        <p:spPr/>
+        <p:txBody>
+          <a:bodyPr/>
+          <a:lstStyle/>
+          <a:p>
+            <a:fld id="{1D42ECA4-12B7-4EA5-9BEE-AF12900D1DD5}" type="slidenum">
+              <a:rPr lang="en-US" smtClean="0"/>
+              <a:t>‹#›</a:t>
+            </a:fld>
+            <a:endParaRPr lang="en-US"/>
+          </a:p>
+        </p:txBody>
+      </p:sp>
+    </p:spTree>
+    <p:extLst>
+      <p:ext uri="{BB962C8B-B14F-4D97-AF65-F5344CB8AC3E}">
+        <p14:creationId xmlns:p14="http://schemas.microsoft.com/office/powerpoint/2010/main" val="863225002"/>
+      </p:ext>
+    </p:extLst>
+  </p:cSld>
+  <p:clrMapOvr>
+    <a:masterClrMapping/>
+  </p:clrMapOvr>
+</p:sldLayout>
+</file>
+
+<file path=ppt/slideLayouts/slideLayout21.xml><?xml version="1.0" encoding="utf-8"?>
+<p:sldLayout xmlns:a="http://schemas.openxmlformats.org/drawingml/2006/main" xmlns:r="http://schemas.openxmlformats.org/officeDocument/2006/relationships" xmlns:p="http://schemas.openxmlformats.org/presentationml/2006/main" type="vertTx" preserve="1">
+  <p:cSld name="Title and Vertical Text">
+    <p:spTree>
+      <p:nvGrpSpPr>
+        <p:cNvPr id="1" name=""/>
+        <p:cNvGrpSpPr/>
+        <p:nvPr/>
+      </p:nvGrpSpPr>
+      <p:grpSpPr>
+        <a:xfrm>
+          <a:off x="0" y="0"/>
+          <a:ext cx="0" cy="0"/>
+          <a:chOff x="0" y="0"/>
+          <a:chExt cx="0" cy="0"/>
+        </a:xfrm>
+      </p:grpSpPr>
+      <p:sp>
+        <p:nvSpPr>
+          <p:cNvPr id="2" name="Title 1">
+            <a:extLst>
+              <a:ext uri="{FF2B5EF4-FFF2-40B4-BE49-F238E27FC236}">
+                <a16:creationId xmlns:a16="http://schemas.microsoft.com/office/drawing/2014/main" id="{A37D0069-85FA-489F-9414-6B0244E9604C}"/>
+              </a:ext>
+            </a:extLst>
+          </p:cNvPr>
+          <p:cNvSpPr>
+            <a:spLocks noGrp="1"/>
+          </p:cNvSpPr>
+          <p:nvPr>
+            <p:ph type="title"/>
+          </p:nvPr>
+        </p:nvSpPr>
+        <p:spPr/>
+        <p:txBody>
+          <a:bodyPr/>
+          <a:lstStyle/>
+          <a:p>
+            <a:r>
+              <a:rPr lang="en-US"/>
+              <a:t>Click to edit Master title style</a:t>
+            </a:r>
+          </a:p>
+        </p:txBody>
+      </p:sp>
+      <p:sp>
+        <p:nvSpPr>
+          <p:cNvPr id="3" name="Vertical Text Placeholder 2">
+            <a:extLst>
+              <a:ext uri="{FF2B5EF4-FFF2-40B4-BE49-F238E27FC236}">
+                <a16:creationId xmlns:a16="http://schemas.microsoft.com/office/drawing/2014/main" id="{F27DC465-32A3-4633-AE9C-9E826CDC63E7}"/>
+              </a:ext>
+            </a:extLst>
+          </p:cNvPr>
+          <p:cNvSpPr>
+            <a:spLocks noGrp="1"/>
+          </p:cNvSpPr>
+          <p:nvPr>
+            <p:ph type="body" orient="vert" idx="1"/>
+          </p:nvPr>
+        </p:nvSpPr>
+        <p:spPr/>
+        <p:txBody>
+          <a:bodyPr vert="eaVert"/>
+          <a:lstStyle/>
+          <a:p>
+            <a:pPr lvl="0"/>
+            <a:r>
+              <a:rPr lang="en-US"/>
+              <a:t>Click to edit Master text styles</a:t>
+            </a:r>
+          </a:p>
+          <a:p>
+            <a:pPr lvl="1"/>
+            <a:r>
+              <a:rPr lang="en-US"/>
+              <a:t>Second level</a:t>
+            </a:r>
+          </a:p>
+          <a:p>
+            <a:pPr lvl="2"/>
+            <a:r>
+              <a:rPr lang="en-US"/>
+              <a:t>Third level</a:t>
+            </a:r>
+          </a:p>
+          <a:p>
+            <a:pPr lvl="3"/>
+            <a:r>
+              <a:rPr lang="en-US"/>
+              <a:t>Fourth level</a:t>
+            </a:r>
+          </a:p>
+          <a:p>
+            <a:pPr lvl="4"/>
+            <a:r>
+              <a:rPr lang="en-US"/>
+              <a:t>Fifth level</a:t>
+            </a:r>
+          </a:p>
+        </p:txBody>
+      </p:sp>
+      <p:sp>
+        <p:nvSpPr>
+          <p:cNvPr id="4" name="Date Placeholder 3">
+            <a:extLst>
+              <a:ext uri="{FF2B5EF4-FFF2-40B4-BE49-F238E27FC236}">
+                <a16:creationId xmlns:a16="http://schemas.microsoft.com/office/drawing/2014/main" id="{020FD5F2-1902-471B-9EF3-3D683F405A78}"/>
+              </a:ext>
+            </a:extLst>
+          </p:cNvPr>
+          <p:cNvSpPr>
+            <a:spLocks noGrp="1"/>
+          </p:cNvSpPr>
+          <p:nvPr>
+            <p:ph type="dt" sz="half" idx="10"/>
+          </p:nvPr>
+        </p:nvSpPr>
+        <p:spPr/>
+        <p:txBody>
+          <a:bodyPr/>
+          <a:lstStyle/>
+          <a:p>
+            <a:fld id="{659AAB3F-845F-4DC4-9EA3-BF6748E33618}" type="datetimeFigureOut">
+              <a:rPr lang="en-US" smtClean="0"/>
+              <a:t>10/20/2019</a:t>
+            </a:fld>
+            <a:endParaRPr lang="en-US"/>
+          </a:p>
+        </p:txBody>
+      </p:sp>
+      <p:sp>
+        <p:nvSpPr>
+          <p:cNvPr id="5" name="Footer Placeholder 4">
+            <a:extLst>
+              <a:ext uri="{FF2B5EF4-FFF2-40B4-BE49-F238E27FC236}">
+                <a16:creationId xmlns:a16="http://schemas.microsoft.com/office/drawing/2014/main" id="{40069F2A-239D-4BBE-B248-BBC0F94BD417}"/>
+              </a:ext>
+            </a:extLst>
+          </p:cNvPr>
+          <p:cNvSpPr>
+            <a:spLocks noGrp="1"/>
+          </p:cNvSpPr>
+          <p:nvPr>
+            <p:ph type="ftr" sz="quarter" idx="11"/>
+          </p:nvPr>
+        </p:nvSpPr>
+        <p:spPr/>
+        <p:txBody>
+          <a:bodyPr/>
+          <a:lstStyle/>
+          <a:p>
+            <a:endParaRPr lang="en-US"/>
+          </a:p>
+        </p:txBody>
+      </p:sp>
+      <p:sp>
+        <p:nvSpPr>
+          <p:cNvPr id="6" name="Slide Number Placeholder 5">
+            <a:extLst>
+              <a:ext uri="{FF2B5EF4-FFF2-40B4-BE49-F238E27FC236}">
+                <a16:creationId xmlns:a16="http://schemas.microsoft.com/office/drawing/2014/main" id="{D437B952-8934-46C8-9CC8-DC03BCC9E62E}"/>
+              </a:ext>
+            </a:extLst>
+          </p:cNvPr>
+          <p:cNvSpPr>
+            <a:spLocks noGrp="1"/>
+          </p:cNvSpPr>
+          <p:nvPr>
+            <p:ph type="sldNum" sz="quarter" idx="12"/>
+          </p:nvPr>
+        </p:nvSpPr>
+        <p:spPr/>
+        <p:txBody>
+          <a:bodyPr/>
+          <a:lstStyle/>
+          <a:p>
+            <a:fld id="{1D42ECA4-12B7-4EA5-9BEE-AF12900D1DD5}" type="slidenum">
+              <a:rPr lang="en-US" smtClean="0"/>
+              <a:t>‹#›</a:t>
+            </a:fld>
+            <a:endParaRPr lang="en-US"/>
+          </a:p>
+        </p:txBody>
+      </p:sp>
+    </p:spTree>
+    <p:extLst>
+      <p:ext uri="{BB962C8B-B14F-4D97-AF65-F5344CB8AC3E}">
+        <p14:creationId xmlns:p14="http://schemas.microsoft.com/office/powerpoint/2010/main" val="2052607205"/>
+      </p:ext>
+    </p:extLst>
+  </p:cSld>
+  <p:clrMapOvr>
+    <a:masterClrMapping/>
+  </p:clrMapOvr>
+</p:sldLayout>
+</file>
+
+<file path=ppt/slideLayouts/slideLayout22.xml><?xml version="1.0" encoding="utf-8"?>
+<p:sldLayout xmlns:a="http://schemas.openxmlformats.org/drawingml/2006/main" xmlns:r="http://schemas.openxmlformats.org/officeDocument/2006/relationships" xmlns:p="http://schemas.openxmlformats.org/presentationml/2006/main" type="vertTitleAndTx" preserve="1">
+  <p:cSld name="Vertical Title and Text">
+    <p:spTree>
+      <p:nvGrpSpPr>
+        <p:cNvPr id="1" name=""/>
+        <p:cNvGrpSpPr/>
+        <p:nvPr/>
+      </p:nvGrpSpPr>
+      <p:grpSpPr>
+        <a:xfrm>
+          <a:off x="0" y="0"/>
+          <a:ext cx="0" cy="0"/>
+          <a:chOff x="0" y="0"/>
+          <a:chExt cx="0" cy="0"/>
+        </a:xfrm>
+      </p:grpSpPr>
+      <p:sp>
+        <p:nvSpPr>
+          <p:cNvPr id="2" name="Vertical Title 1">
+            <a:extLst>
+              <a:ext uri="{FF2B5EF4-FFF2-40B4-BE49-F238E27FC236}">
+                <a16:creationId xmlns:a16="http://schemas.microsoft.com/office/drawing/2014/main" id="{1A956AA5-378F-45A2-84D1-ADA2B3516A45}"/>
+              </a:ext>
+            </a:extLst>
+          </p:cNvPr>
+          <p:cNvSpPr>
+            <a:spLocks noGrp="1"/>
+          </p:cNvSpPr>
+          <p:nvPr>
+            <p:ph type="title" orient="vert"/>
+          </p:nvPr>
+        </p:nvSpPr>
+        <p:spPr>
+          <a:xfrm>
+            <a:off x="8724900" y="365125"/>
+            <a:ext cx="2628900" cy="5811838"/>
+          </a:xfrm>
+        </p:spPr>
+        <p:txBody>
+          <a:bodyPr vert="eaVert"/>
+          <a:lstStyle/>
+          <a:p>
+            <a:r>
+              <a:rPr lang="en-US"/>
+              <a:t>Click to edit Master title style</a:t>
+            </a:r>
+          </a:p>
+        </p:txBody>
+      </p:sp>
+      <p:sp>
+        <p:nvSpPr>
+          <p:cNvPr id="3" name="Vertical Text Placeholder 2">
+            <a:extLst>
+              <a:ext uri="{FF2B5EF4-FFF2-40B4-BE49-F238E27FC236}">
+                <a16:creationId xmlns:a16="http://schemas.microsoft.com/office/drawing/2014/main" id="{98D0C301-14BA-40F5-BF56-AC47C0A67D86}"/>
+              </a:ext>
+            </a:extLst>
+          </p:cNvPr>
+          <p:cNvSpPr>
+            <a:spLocks noGrp="1"/>
+          </p:cNvSpPr>
+          <p:nvPr>
+            <p:ph type="body" orient="vert" idx="1"/>
+          </p:nvPr>
+        </p:nvSpPr>
+        <p:spPr>
+          <a:xfrm>
+            <a:off x="838200" y="365125"/>
+            <a:ext cx="7734300" cy="5811838"/>
+          </a:xfrm>
+        </p:spPr>
+        <p:txBody>
+          <a:bodyPr vert="eaVert"/>
+          <a:lstStyle/>
+          <a:p>
+            <a:pPr lvl="0"/>
+            <a:r>
+              <a:rPr lang="en-US"/>
+              <a:t>Click to edit Master text styles</a:t>
+            </a:r>
+          </a:p>
+          <a:p>
+            <a:pPr lvl="1"/>
+            <a:r>
+              <a:rPr lang="en-US"/>
+              <a:t>Second level</a:t>
+            </a:r>
+          </a:p>
+          <a:p>
+            <a:pPr lvl="2"/>
+            <a:r>
+              <a:rPr lang="en-US"/>
+              <a:t>Third level</a:t>
+            </a:r>
+          </a:p>
+          <a:p>
+            <a:pPr lvl="3"/>
+            <a:r>
+              <a:rPr lang="en-US"/>
+              <a:t>Fourth level</a:t>
+            </a:r>
+          </a:p>
+          <a:p>
+            <a:pPr lvl="4"/>
+            <a:r>
+              <a:rPr lang="en-US"/>
+              <a:t>Fifth level</a:t>
+            </a:r>
+          </a:p>
+        </p:txBody>
+      </p:sp>
+      <p:sp>
+        <p:nvSpPr>
+          <p:cNvPr id="4" name="Date Placeholder 3">
+            <a:extLst>
+              <a:ext uri="{FF2B5EF4-FFF2-40B4-BE49-F238E27FC236}">
+                <a16:creationId xmlns:a16="http://schemas.microsoft.com/office/drawing/2014/main" id="{BDD6729D-DC21-473F-8768-DA218766428A}"/>
+              </a:ext>
+            </a:extLst>
+          </p:cNvPr>
+          <p:cNvSpPr>
+            <a:spLocks noGrp="1"/>
+          </p:cNvSpPr>
+          <p:nvPr>
+            <p:ph type="dt" sz="half" idx="10"/>
+          </p:nvPr>
+        </p:nvSpPr>
+        <p:spPr/>
+        <p:txBody>
+          <a:bodyPr/>
+          <a:lstStyle/>
+          <a:p>
+            <a:fld id="{659AAB3F-845F-4DC4-9EA3-BF6748E33618}" type="datetimeFigureOut">
+              <a:rPr lang="en-US" smtClean="0"/>
+              <a:t>10/20/2019</a:t>
+            </a:fld>
+            <a:endParaRPr lang="en-US"/>
+          </a:p>
+        </p:txBody>
+      </p:sp>
+      <p:sp>
+        <p:nvSpPr>
+          <p:cNvPr id="5" name="Footer Placeholder 4">
+            <a:extLst>
+              <a:ext uri="{FF2B5EF4-FFF2-40B4-BE49-F238E27FC236}">
+                <a16:creationId xmlns:a16="http://schemas.microsoft.com/office/drawing/2014/main" id="{9134F19A-8C64-44A1-9CB3-716A64D899FB}"/>
+              </a:ext>
+            </a:extLst>
+          </p:cNvPr>
+          <p:cNvSpPr>
+            <a:spLocks noGrp="1"/>
+          </p:cNvSpPr>
+          <p:nvPr>
+            <p:ph type="ftr" sz="quarter" idx="11"/>
+          </p:nvPr>
+        </p:nvSpPr>
+        <p:spPr/>
+        <p:txBody>
+          <a:bodyPr/>
+          <a:lstStyle/>
+          <a:p>
+            <a:endParaRPr lang="en-US"/>
+          </a:p>
+        </p:txBody>
+      </p:sp>
+      <p:sp>
+        <p:nvSpPr>
+          <p:cNvPr id="6" name="Slide Number Placeholder 5">
+            <a:extLst>
+              <a:ext uri="{FF2B5EF4-FFF2-40B4-BE49-F238E27FC236}">
+                <a16:creationId xmlns:a16="http://schemas.microsoft.com/office/drawing/2014/main" id="{8832E1F0-AC9E-44C4-AD63-EA44BCCFBC4C}"/>
+              </a:ext>
+            </a:extLst>
+          </p:cNvPr>
+          <p:cNvSpPr>
+            <a:spLocks noGrp="1"/>
+          </p:cNvSpPr>
+          <p:nvPr>
+            <p:ph type="sldNum" sz="quarter" idx="12"/>
+          </p:nvPr>
+        </p:nvSpPr>
+        <p:spPr/>
+        <p:txBody>
+          <a:bodyPr/>
+          <a:lstStyle/>
+          <a:p>
+            <a:fld id="{1D42ECA4-12B7-4EA5-9BEE-AF12900D1DD5}" type="slidenum">
+              <a:rPr lang="en-US" smtClean="0"/>
+              <a:t>‹#›</a:t>
+            </a:fld>
+            <a:endParaRPr lang="en-US"/>
+          </a:p>
+        </p:txBody>
+      </p:sp>
+    </p:spTree>
+    <p:extLst>
+      <p:ext uri="{BB962C8B-B14F-4D97-AF65-F5344CB8AC3E}">
+        <p14:creationId xmlns:p14="http://schemas.microsoft.com/office/powerpoint/2010/main" val="3250713198"/>
       </p:ext>
     </p:extLst>
   </p:cSld>
@@ -1418,7 +4431,7 @@
           <a:p>
             <a:fld id="{659AAB3F-845F-4DC4-9EA3-BF6748E33618}" type="datetimeFigureOut">
               <a:rPr lang="en-US" smtClean="0"/>
-              <a:t>10/5/2019</a:t>
+              <a:t>10/20/2019</a:t>
             </a:fld>
             <a:endParaRPr lang="en-US"/>
           </a:p>
@@ -1683,7 +4696,7 @@
           <a:p>
             <a:fld id="{659AAB3F-845F-4DC4-9EA3-BF6748E33618}" type="datetimeFigureOut">
               <a:rPr lang="en-US" smtClean="0"/>
-              <a:t>10/5/2019</a:t>
+              <a:t>10/20/2019</a:t>
             </a:fld>
             <a:endParaRPr lang="en-US"/>
           </a:p>
@@ -2095,7 +5108,7 @@
           <a:p>
             <a:fld id="{659AAB3F-845F-4DC4-9EA3-BF6748E33618}" type="datetimeFigureOut">
               <a:rPr lang="en-US" smtClean="0"/>
-              <a:t>10/5/2019</a:t>
+              <a:t>10/20/2019</a:t>
             </a:fld>
             <a:endParaRPr lang="en-US"/>
           </a:p>
@@ -2236,7 +5249,7 @@
           <a:p>
             <a:fld id="{659AAB3F-845F-4DC4-9EA3-BF6748E33618}" type="datetimeFigureOut">
               <a:rPr lang="en-US" smtClean="0"/>
-              <a:t>10/5/2019</a:t>
+              <a:t>10/20/2019</a:t>
             </a:fld>
             <a:endParaRPr lang="en-US"/>
           </a:p>
@@ -2349,7 +5362,7 @@
           <a:p>
             <a:fld id="{659AAB3F-845F-4DC4-9EA3-BF6748E33618}" type="datetimeFigureOut">
               <a:rPr lang="en-US" smtClean="0"/>
-              <a:t>10/5/2019</a:t>
+              <a:t>10/20/2019</a:t>
             </a:fld>
             <a:endParaRPr lang="en-US"/>
           </a:p>
@@ -2660,7 +5673,7 @@
           <a:p>
             <a:fld id="{659AAB3F-845F-4DC4-9EA3-BF6748E33618}" type="datetimeFigureOut">
               <a:rPr lang="en-US" smtClean="0"/>
-              <a:t>10/5/2019</a:t>
+              <a:t>10/20/2019</a:t>
             </a:fld>
             <a:endParaRPr lang="en-US"/>
           </a:p>
@@ -2948,7 +5961,7 @@
           <a:p>
             <a:fld id="{659AAB3F-845F-4DC4-9EA3-BF6748E33618}" type="datetimeFigureOut">
               <a:rPr lang="en-US" smtClean="0"/>
-              <a:t>10/5/2019</a:t>
+              <a:t>10/20/2019</a:t>
             </a:fld>
             <a:endParaRPr lang="en-US"/>
           </a:p>
@@ -3189,7 +6202,7 @@
           <a:p>
             <a:fld id="{659AAB3F-845F-4DC4-9EA3-BF6748E33618}" type="datetimeFigureOut">
               <a:rPr lang="en-US" smtClean="0"/>
-              <a:t>10/5/2019</a:t>
+              <a:t>10/20/2019</a:t>
             </a:fld>
             <a:endParaRPr lang="en-US"/>
           </a:p>
@@ -3589,6 +6602,574 @@
 </p:sldMaster>
 </file>
 
+<file path=ppt/slideMasters/slideMaster2.xml><?xml version="1.0" encoding="utf-8"?>
+<p:sldMaster xmlns:a="http://schemas.openxmlformats.org/drawingml/2006/main" xmlns:r="http://schemas.openxmlformats.org/officeDocument/2006/relationships" xmlns:p="http://schemas.openxmlformats.org/presentationml/2006/main">
+  <p:cSld>
+    <p:bg>
+      <p:bgRef idx="1001">
+        <a:schemeClr val="bg1"/>
+      </p:bgRef>
+    </p:bg>
+    <p:spTree>
+      <p:nvGrpSpPr>
+        <p:cNvPr id="1" name=""/>
+        <p:cNvGrpSpPr/>
+        <p:nvPr/>
+      </p:nvGrpSpPr>
+      <p:grpSpPr>
+        <a:xfrm>
+          <a:off x="0" y="0"/>
+          <a:ext cx="0" cy="0"/>
+          <a:chOff x="0" y="0"/>
+          <a:chExt cx="0" cy="0"/>
+        </a:xfrm>
+      </p:grpSpPr>
+      <p:sp>
+        <p:nvSpPr>
+          <p:cNvPr id="2" name="Title Placeholder 1">
+            <a:extLst>
+              <a:ext uri="{FF2B5EF4-FFF2-40B4-BE49-F238E27FC236}">
+                <a16:creationId xmlns:a16="http://schemas.microsoft.com/office/drawing/2014/main" id="{2E1A222C-3641-4AA3-A292-F8A1A13F7326}"/>
+              </a:ext>
+            </a:extLst>
+          </p:cNvPr>
+          <p:cNvSpPr>
+            <a:spLocks noGrp="1"/>
+          </p:cNvSpPr>
+          <p:nvPr>
+            <p:ph type="title"/>
+          </p:nvPr>
+        </p:nvSpPr>
+        <p:spPr>
+          <a:xfrm>
+            <a:off x="838200" y="365125"/>
+            <a:ext cx="10515600" cy="1325563"/>
+          </a:xfrm>
+          <a:prstGeom prst="rect">
+            <a:avLst/>
+          </a:prstGeom>
+        </p:spPr>
+        <p:txBody>
+          <a:bodyPr vert="horz" lIns="91440" tIns="45720" rIns="91440" bIns="45720" rtlCol="0" anchor="ctr">
+            <a:normAutofit/>
+          </a:bodyPr>
+          <a:lstStyle/>
+          <a:p>
+            <a:r>
+              <a:rPr lang="en-US"/>
+              <a:t>Click to edit Master title style</a:t>
+            </a:r>
+          </a:p>
+        </p:txBody>
+      </p:sp>
+      <p:sp>
+        <p:nvSpPr>
+          <p:cNvPr id="3" name="Text Placeholder 2">
+            <a:extLst>
+              <a:ext uri="{FF2B5EF4-FFF2-40B4-BE49-F238E27FC236}">
+                <a16:creationId xmlns:a16="http://schemas.microsoft.com/office/drawing/2014/main" id="{C24B6C5A-E271-45F2-9A7C-800915C35C30}"/>
+              </a:ext>
+            </a:extLst>
+          </p:cNvPr>
+          <p:cNvSpPr>
+            <a:spLocks noGrp="1"/>
+          </p:cNvSpPr>
+          <p:nvPr>
+            <p:ph type="body" idx="1"/>
+          </p:nvPr>
+        </p:nvSpPr>
+        <p:spPr>
+          <a:xfrm>
+            <a:off x="838200" y="1825625"/>
+            <a:ext cx="10515600" cy="4351338"/>
+          </a:xfrm>
+          <a:prstGeom prst="rect">
+            <a:avLst/>
+          </a:prstGeom>
+        </p:spPr>
+        <p:txBody>
+          <a:bodyPr vert="horz" lIns="91440" tIns="45720" rIns="91440" bIns="45720" rtlCol="0">
+            <a:normAutofit/>
+          </a:bodyPr>
+          <a:lstStyle/>
+          <a:p>
+            <a:pPr lvl="0"/>
+            <a:r>
+              <a:rPr lang="en-US"/>
+              <a:t>Click to edit Master text styles</a:t>
+            </a:r>
+          </a:p>
+          <a:p>
+            <a:pPr lvl="1"/>
+            <a:r>
+              <a:rPr lang="en-US"/>
+              <a:t>Second level</a:t>
+            </a:r>
+          </a:p>
+          <a:p>
+            <a:pPr lvl="2"/>
+            <a:r>
+              <a:rPr lang="en-US"/>
+              <a:t>Third level</a:t>
+            </a:r>
+          </a:p>
+          <a:p>
+            <a:pPr lvl="3"/>
+            <a:r>
+              <a:rPr lang="en-US"/>
+              <a:t>Fourth level</a:t>
+            </a:r>
+          </a:p>
+          <a:p>
+            <a:pPr lvl="4"/>
+            <a:r>
+              <a:rPr lang="en-US"/>
+              <a:t>Fifth level</a:t>
+            </a:r>
+          </a:p>
+        </p:txBody>
+      </p:sp>
+      <p:sp>
+        <p:nvSpPr>
+          <p:cNvPr id="4" name="Date Placeholder 3">
+            <a:extLst>
+              <a:ext uri="{FF2B5EF4-FFF2-40B4-BE49-F238E27FC236}">
+                <a16:creationId xmlns:a16="http://schemas.microsoft.com/office/drawing/2014/main" id="{C10E9776-2F83-4CBD-A6E4-9B3D8FFC3E50}"/>
+              </a:ext>
+            </a:extLst>
+          </p:cNvPr>
+          <p:cNvSpPr>
+            <a:spLocks noGrp="1"/>
+          </p:cNvSpPr>
+          <p:nvPr>
+            <p:ph type="dt" sz="half" idx="2"/>
+          </p:nvPr>
+        </p:nvSpPr>
+        <p:spPr>
+          <a:xfrm>
+            <a:off x="838200" y="6356350"/>
+            <a:ext cx="2743200" cy="365125"/>
+          </a:xfrm>
+          <a:prstGeom prst="rect">
+            <a:avLst/>
+          </a:prstGeom>
+        </p:spPr>
+        <p:txBody>
+          <a:bodyPr vert="horz" lIns="91440" tIns="45720" rIns="91440" bIns="45720" rtlCol="0" anchor="ctr"/>
+          <a:lstStyle>
+            <a:lvl1pPr algn="l">
+              <a:defRPr sz="1200">
+                <a:solidFill>
+                  <a:schemeClr val="tx1">
+                    <a:tint val="75000"/>
+                  </a:schemeClr>
+                </a:solidFill>
+              </a:defRPr>
+            </a:lvl1pPr>
+          </a:lstStyle>
+          <a:p>
+            <a:fld id="{659AAB3F-845F-4DC4-9EA3-BF6748E33618}" type="datetimeFigureOut">
+              <a:rPr lang="en-US" smtClean="0"/>
+              <a:t>10/20/2019</a:t>
+            </a:fld>
+            <a:endParaRPr lang="en-US"/>
+          </a:p>
+        </p:txBody>
+      </p:sp>
+      <p:sp>
+        <p:nvSpPr>
+          <p:cNvPr id="5" name="Footer Placeholder 4">
+            <a:extLst>
+              <a:ext uri="{FF2B5EF4-FFF2-40B4-BE49-F238E27FC236}">
+                <a16:creationId xmlns:a16="http://schemas.microsoft.com/office/drawing/2014/main" id="{ABC28046-33ED-435A-9C53-7C3C13EDD190}"/>
+              </a:ext>
+            </a:extLst>
+          </p:cNvPr>
+          <p:cNvSpPr>
+            <a:spLocks noGrp="1"/>
+          </p:cNvSpPr>
+          <p:nvPr>
+            <p:ph type="ftr" sz="quarter" idx="3"/>
+          </p:nvPr>
+        </p:nvSpPr>
+        <p:spPr>
+          <a:xfrm>
+            <a:off x="4038600" y="6356350"/>
+            <a:ext cx="4114800" cy="365125"/>
+          </a:xfrm>
+          <a:prstGeom prst="rect">
+            <a:avLst/>
+          </a:prstGeom>
+        </p:spPr>
+        <p:txBody>
+          <a:bodyPr vert="horz" lIns="91440" tIns="45720" rIns="91440" bIns="45720" rtlCol="0" anchor="ctr"/>
+          <a:lstStyle>
+            <a:lvl1pPr algn="ctr">
+              <a:defRPr sz="1200">
+                <a:solidFill>
+                  <a:schemeClr val="tx1">
+                    <a:tint val="75000"/>
+                  </a:schemeClr>
+                </a:solidFill>
+              </a:defRPr>
+            </a:lvl1pPr>
+          </a:lstStyle>
+          <a:p>
+            <a:endParaRPr lang="en-US"/>
+          </a:p>
+        </p:txBody>
+      </p:sp>
+      <p:sp>
+        <p:nvSpPr>
+          <p:cNvPr id="6" name="Slide Number Placeholder 5">
+            <a:extLst>
+              <a:ext uri="{FF2B5EF4-FFF2-40B4-BE49-F238E27FC236}">
+                <a16:creationId xmlns:a16="http://schemas.microsoft.com/office/drawing/2014/main" id="{4603DCF4-FE38-43DA-A51F-D495CF3684FD}"/>
+              </a:ext>
+            </a:extLst>
+          </p:cNvPr>
+          <p:cNvSpPr>
+            <a:spLocks noGrp="1"/>
+          </p:cNvSpPr>
+          <p:nvPr>
+            <p:ph type="sldNum" sz="quarter" idx="4"/>
+          </p:nvPr>
+        </p:nvSpPr>
+        <p:spPr>
+          <a:xfrm>
+            <a:off x="8610600" y="6356350"/>
+            <a:ext cx="2743200" cy="365125"/>
+          </a:xfrm>
+          <a:prstGeom prst="rect">
+            <a:avLst/>
+          </a:prstGeom>
+        </p:spPr>
+        <p:txBody>
+          <a:bodyPr vert="horz" lIns="91440" tIns="45720" rIns="91440" bIns="45720" rtlCol="0" anchor="ctr"/>
+          <a:lstStyle>
+            <a:lvl1pPr algn="r">
+              <a:defRPr sz="1200">
+                <a:solidFill>
+                  <a:schemeClr val="tx1">
+                    <a:tint val="75000"/>
+                  </a:schemeClr>
+                </a:solidFill>
+              </a:defRPr>
+            </a:lvl1pPr>
+          </a:lstStyle>
+          <a:p>
+            <a:fld id="{1D42ECA4-12B7-4EA5-9BEE-AF12900D1DD5}" type="slidenum">
+              <a:rPr lang="en-US" smtClean="0"/>
+              <a:t>‹#›</a:t>
+            </a:fld>
+            <a:endParaRPr lang="en-US"/>
+          </a:p>
+        </p:txBody>
+      </p:sp>
+    </p:spTree>
+    <p:extLst>
+      <p:ext uri="{BB962C8B-B14F-4D97-AF65-F5344CB8AC3E}">
+        <p14:creationId xmlns:p14="http://schemas.microsoft.com/office/powerpoint/2010/main" val="108840380"/>
+      </p:ext>
+    </p:extLst>
+  </p:cSld>
+  <p:clrMap bg1="lt1" tx1="dk1" bg2="lt2" tx2="dk2" accent1="accent1" accent2="accent2" accent3="accent3" accent4="accent4" accent5="accent5" accent6="accent6" hlink="hlink" folHlink="folHlink"/>
+  <p:sldLayoutIdLst>
+    <p:sldLayoutId id="2147483661" r:id="rId1"/>
+    <p:sldLayoutId id="2147483662" r:id="rId2"/>
+    <p:sldLayoutId id="2147483663" r:id="rId3"/>
+    <p:sldLayoutId id="2147483664" r:id="rId4"/>
+    <p:sldLayoutId id="2147483665" r:id="rId5"/>
+    <p:sldLayoutId id="2147483666" r:id="rId6"/>
+    <p:sldLayoutId id="2147483667" r:id="rId7"/>
+    <p:sldLayoutId id="2147483668" r:id="rId8"/>
+    <p:sldLayoutId id="2147483669" r:id="rId9"/>
+    <p:sldLayoutId id="2147483670" r:id="rId10"/>
+    <p:sldLayoutId id="2147483671" r:id="rId11"/>
+  </p:sldLayoutIdLst>
+  <p:txStyles>
+    <p:titleStyle>
+      <a:lvl1pPr algn="l" defTabSz="914400" rtl="0" eaLnBrk="1" latinLnBrk="0" hangingPunct="1">
+        <a:lnSpc>
+          <a:spcPct val="90000"/>
+        </a:lnSpc>
+        <a:spcBef>
+          <a:spcPct val="0"/>
+        </a:spcBef>
+        <a:buNone/>
+        <a:defRPr sz="4400" kern="1200">
+          <a:solidFill>
+            <a:schemeClr val="tx1"/>
+          </a:solidFill>
+          <a:latin typeface="+mj-lt"/>
+          <a:ea typeface="+mj-ea"/>
+          <a:cs typeface="+mj-cs"/>
+        </a:defRPr>
+      </a:lvl1pPr>
+    </p:titleStyle>
+    <p:bodyStyle>
+      <a:lvl1pPr marL="228600" indent="-228600" algn="l" defTabSz="914400" rtl="0" eaLnBrk="1" latinLnBrk="0" hangingPunct="1">
+        <a:lnSpc>
+          <a:spcPct val="90000"/>
+        </a:lnSpc>
+        <a:spcBef>
+          <a:spcPts val="1000"/>
+        </a:spcBef>
+        <a:buFont typeface="Arial" panose="020B0604020202020204" pitchFamily="34" charset="0"/>
+        <a:buChar char="•"/>
+        <a:defRPr sz="2800" kern="1200">
+          <a:solidFill>
+            <a:schemeClr val="tx1"/>
+          </a:solidFill>
+          <a:latin typeface="+mn-lt"/>
+          <a:ea typeface="+mn-ea"/>
+          <a:cs typeface="+mn-cs"/>
+        </a:defRPr>
+      </a:lvl1pPr>
+      <a:lvl2pPr marL="685800" indent="-228600" algn="l" defTabSz="914400" rtl="0" eaLnBrk="1" latinLnBrk="0" hangingPunct="1">
+        <a:lnSpc>
+          <a:spcPct val="90000"/>
+        </a:lnSpc>
+        <a:spcBef>
+          <a:spcPts val="500"/>
+        </a:spcBef>
+        <a:buFont typeface="Arial" panose="020B0604020202020204" pitchFamily="34" charset="0"/>
+        <a:buChar char="•"/>
+        <a:defRPr sz="2400" kern="1200">
+          <a:solidFill>
+            <a:schemeClr val="tx1"/>
+          </a:solidFill>
+          <a:latin typeface="+mn-lt"/>
+          <a:ea typeface="+mn-ea"/>
+          <a:cs typeface="+mn-cs"/>
+        </a:defRPr>
+      </a:lvl2pPr>
+      <a:lvl3pPr marL="1143000" indent="-228600" algn="l" defTabSz="914400" rtl="0" eaLnBrk="1" latinLnBrk="0" hangingPunct="1">
+        <a:lnSpc>
+          <a:spcPct val="90000"/>
+        </a:lnSpc>
+        <a:spcBef>
+          <a:spcPts val="500"/>
+        </a:spcBef>
+        <a:buFont typeface="Arial" panose="020B0604020202020204" pitchFamily="34" charset="0"/>
+        <a:buChar char="•"/>
+        <a:defRPr sz="2000" kern="1200">
+          <a:solidFill>
+            <a:schemeClr val="tx1"/>
+          </a:solidFill>
+          <a:latin typeface="+mn-lt"/>
+          <a:ea typeface="+mn-ea"/>
+          <a:cs typeface="+mn-cs"/>
+        </a:defRPr>
+      </a:lvl3pPr>
+      <a:lvl4pPr marL="1600200" indent="-228600" algn="l" defTabSz="914400" rtl="0" eaLnBrk="1" latinLnBrk="0" hangingPunct="1">
+        <a:lnSpc>
+          <a:spcPct val="90000"/>
+        </a:lnSpc>
+        <a:spcBef>
+          <a:spcPts val="500"/>
+        </a:spcBef>
+        <a:buFont typeface="Arial" panose="020B0604020202020204" pitchFamily="34" charset="0"/>
+        <a:buChar char="•"/>
+        <a:defRPr sz="1800" kern="1200">
+          <a:solidFill>
+            <a:schemeClr val="tx1"/>
+          </a:solidFill>
+          <a:latin typeface="+mn-lt"/>
+          <a:ea typeface="+mn-ea"/>
+          <a:cs typeface="+mn-cs"/>
+        </a:defRPr>
+      </a:lvl4pPr>
+      <a:lvl5pPr marL="2057400" indent="-228600" algn="l" defTabSz="914400" rtl="0" eaLnBrk="1" latinLnBrk="0" hangingPunct="1">
+        <a:lnSpc>
+          <a:spcPct val="90000"/>
+        </a:lnSpc>
+        <a:spcBef>
+          <a:spcPts val="500"/>
+        </a:spcBef>
+        <a:buFont typeface="Arial" panose="020B0604020202020204" pitchFamily="34" charset="0"/>
+        <a:buChar char="•"/>
+        <a:defRPr sz="1800" kern="1200">
+          <a:solidFill>
+            <a:schemeClr val="tx1"/>
+          </a:solidFill>
+          <a:latin typeface="+mn-lt"/>
+          <a:ea typeface="+mn-ea"/>
+          <a:cs typeface="+mn-cs"/>
+        </a:defRPr>
+      </a:lvl5pPr>
+      <a:lvl6pPr marL="2514600" indent="-228600" algn="l" defTabSz="914400" rtl="0" eaLnBrk="1" latinLnBrk="0" hangingPunct="1">
+        <a:lnSpc>
+          <a:spcPct val="90000"/>
+        </a:lnSpc>
+        <a:spcBef>
+          <a:spcPts val="500"/>
+        </a:spcBef>
+        <a:buFont typeface="Arial" panose="020B0604020202020204" pitchFamily="34" charset="0"/>
+        <a:buChar char="•"/>
+        <a:defRPr sz="1800" kern="1200">
+          <a:solidFill>
+            <a:schemeClr val="tx1"/>
+          </a:solidFill>
+          <a:latin typeface="+mn-lt"/>
+          <a:ea typeface="+mn-ea"/>
+          <a:cs typeface="+mn-cs"/>
+        </a:defRPr>
+      </a:lvl6pPr>
+      <a:lvl7pPr marL="2971800" indent="-228600" algn="l" defTabSz="914400" rtl="0" eaLnBrk="1" latinLnBrk="0" hangingPunct="1">
+        <a:lnSpc>
+          <a:spcPct val="90000"/>
+        </a:lnSpc>
+        <a:spcBef>
+          <a:spcPts val="500"/>
+        </a:spcBef>
+        <a:buFont typeface="Arial" panose="020B0604020202020204" pitchFamily="34" charset="0"/>
+        <a:buChar char="•"/>
+        <a:defRPr sz="1800" kern="1200">
+          <a:solidFill>
+            <a:schemeClr val="tx1"/>
+          </a:solidFill>
+          <a:latin typeface="+mn-lt"/>
+          <a:ea typeface="+mn-ea"/>
+          <a:cs typeface="+mn-cs"/>
+        </a:defRPr>
+      </a:lvl7pPr>
+      <a:lvl8pPr marL="3429000" indent="-228600" algn="l" defTabSz="914400" rtl="0" eaLnBrk="1" latinLnBrk="0" hangingPunct="1">
+        <a:lnSpc>
+          <a:spcPct val="90000"/>
+        </a:lnSpc>
+        <a:spcBef>
+          <a:spcPts val="500"/>
+        </a:spcBef>
+        <a:buFont typeface="Arial" panose="020B0604020202020204" pitchFamily="34" charset="0"/>
+        <a:buChar char="•"/>
+        <a:defRPr sz="1800" kern="1200">
+          <a:solidFill>
+            <a:schemeClr val="tx1"/>
+          </a:solidFill>
+          <a:latin typeface="+mn-lt"/>
+          <a:ea typeface="+mn-ea"/>
+          <a:cs typeface="+mn-cs"/>
+        </a:defRPr>
+      </a:lvl8pPr>
+      <a:lvl9pPr marL="3886200" indent="-228600" algn="l" defTabSz="914400" rtl="0" eaLnBrk="1" latinLnBrk="0" hangingPunct="1">
+        <a:lnSpc>
+          <a:spcPct val="90000"/>
+        </a:lnSpc>
+        <a:spcBef>
+          <a:spcPts val="500"/>
+        </a:spcBef>
+        <a:buFont typeface="Arial" panose="020B0604020202020204" pitchFamily="34" charset="0"/>
+        <a:buChar char="•"/>
+        <a:defRPr sz="1800" kern="1200">
+          <a:solidFill>
+            <a:schemeClr val="tx1"/>
+          </a:solidFill>
+          <a:latin typeface="+mn-lt"/>
+          <a:ea typeface="+mn-ea"/>
+          <a:cs typeface="+mn-cs"/>
+        </a:defRPr>
+      </a:lvl9pPr>
+    </p:bodyStyle>
+    <p:otherStyle>
+      <a:defPPr>
+        <a:defRPr lang="en-US"/>
+      </a:defPPr>
+      <a:lvl1pPr marL="0" algn="l" defTabSz="914400" rtl="0" eaLnBrk="1" latinLnBrk="0" hangingPunct="1">
+        <a:defRPr sz="1800" kern="1200">
+          <a:solidFill>
+            <a:schemeClr val="tx1"/>
+          </a:solidFill>
+          <a:latin typeface="+mn-lt"/>
+          <a:ea typeface="+mn-ea"/>
+          <a:cs typeface="+mn-cs"/>
+        </a:defRPr>
+      </a:lvl1pPr>
+      <a:lvl2pPr marL="457200" algn="l" defTabSz="914400" rtl="0" eaLnBrk="1" latinLnBrk="0" hangingPunct="1">
+        <a:defRPr sz="1800" kern="1200">
+          <a:solidFill>
+            <a:schemeClr val="tx1"/>
+          </a:solidFill>
+          <a:latin typeface="+mn-lt"/>
+          <a:ea typeface="+mn-ea"/>
+          <a:cs typeface="+mn-cs"/>
+        </a:defRPr>
+      </a:lvl2pPr>
+      <a:lvl3pPr marL="914400" algn="l" defTabSz="914400" rtl="0" eaLnBrk="1" latinLnBrk="0" hangingPunct="1">
+        <a:defRPr sz="1800" kern="1200">
+          <a:solidFill>
+            <a:schemeClr val="tx1"/>
+          </a:solidFill>
+          <a:latin typeface="+mn-lt"/>
+          <a:ea typeface="+mn-ea"/>
+          <a:cs typeface="+mn-cs"/>
+        </a:defRPr>
+      </a:lvl3pPr>
+      <a:lvl4pPr marL="1371600" algn="l" defTabSz="914400" rtl="0" eaLnBrk="1" latinLnBrk="0" hangingPunct="1">
+        <a:defRPr sz="1800" kern="1200">
+          <a:solidFill>
+            <a:schemeClr val="tx1"/>
+          </a:solidFill>
+          <a:latin typeface="+mn-lt"/>
+          <a:ea typeface="+mn-ea"/>
+          <a:cs typeface="+mn-cs"/>
+        </a:defRPr>
+      </a:lvl4pPr>
+      <a:lvl5pPr marL="1828800" algn="l" defTabSz="914400" rtl="0" eaLnBrk="1" latinLnBrk="0" hangingPunct="1">
+        <a:defRPr sz="1800" kern="1200">
+          <a:solidFill>
+            <a:schemeClr val="tx1"/>
+          </a:solidFill>
+          <a:latin typeface="+mn-lt"/>
+          <a:ea typeface="+mn-ea"/>
+          <a:cs typeface="+mn-cs"/>
+        </a:defRPr>
+      </a:lvl5pPr>
+      <a:lvl6pPr marL="2286000" algn="l" defTabSz="914400" rtl="0" eaLnBrk="1" latinLnBrk="0" hangingPunct="1">
+        <a:defRPr sz="1800" kern="1200">
+          <a:solidFill>
+            <a:schemeClr val="tx1"/>
+          </a:solidFill>
+          <a:latin typeface="+mn-lt"/>
+          <a:ea typeface="+mn-ea"/>
+          <a:cs typeface="+mn-cs"/>
+        </a:defRPr>
+      </a:lvl6pPr>
+      <a:lvl7pPr marL="2743200" algn="l" defTabSz="914400" rtl="0" eaLnBrk="1" latinLnBrk="0" hangingPunct="1">
+        <a:defRPr sz="1800" kern="1200">
+          <a:solidFill>
+            <a:schemeClr val="tx1"/>
+          </a:solidFill>
+          <a:latin typeface="+mn-lt"/>
+          <a:ea typeface="+mn-ea"/>
+          <a:cs typeface="+mn-cs"/>
+        </a:defRPr>
+      </a:lvl7pPr>
+      <a:lvl8pPr marL="3200400" algn="l" defTabSz="914400" rtl="0" eaLnBrk="1" latinLnBrk="0" hangingPunct="1">
+        <a:defRPr sz="1800" kern="1200">
+          <a:solidFill>
+            <a:schemeClr val="tx1"/>
+          </a:solidFill>
+          <a:latin typeface="+mn-lt"/>
+          <a:ea typeface="+mn-ea"/>
+          <a:cs typeface="+mn-cs"/>
+        </a:defRPr>
+      </a:lvl8pPr>
+      <a:lvl9pPr marL="3657600" algn="l" defTabSz="914400" rtl="0" eaLnBrk="1" latinLnBrk="0" hangingPunct="1">
+        <a:defRPr sz="1800" kern="1200">
+          <a:solidFill>
+            <a:schemeClr val="tx1"/>
+          </a:solidFill>
+          <a:latin typeface="+mn-lt"/>
+          <a:ea typeface="+mn-ea"/>
+          <a:cs typeface="+mn-cs"/>
+        </a:defRPr>
+      </a:lvl9pPr>
+    </p:otherStyle>
+  </p:txStyles>
+</p:sldMaster>
+</file>
+
 <file path=ppt/slides/slide1.xml><?xml version="1.0" encoding="utf-8"?>
 <p:sld xmlns:a="http://schemas.openxmlformats.org/drawingml/2006/main" xmlns:r="http://schemas.openxmlformats.org/officeDocument/2006/relationships" xmlns:p="http://schemas.openxmlformats.org/presentationml/2006/main">
   <p:cSld>
@@ -3974,7 +7555,7 @@
         </p:spPr>
         <p:txBody>
           <a:bodyPr vert="horz" lIns="91440" tIns="45720" rIns="91440" bIns="45720" rtlCol="0">
-            <a:normAutofit fontScale="70000" lnSpcReduction="20000"/>
+            <a:normAutofit fontScale="62500" lnSpcReduction="20000"/>
           </a:bodyPr>
           <a:lstStyle>
             <a:lvl1pPr marL="228600" indent="-228600" algn="l" defTabSz="914400" rtl="0" eaLnBrk="1" latinLnBrk="0" hangingPunct="1">
@@ -4149,34 +7730,28 @@
           <a:p>
             <a:r>
               <a:rPr lang="en-US" dirty="0"/>
-              <a:t>Minimum 80% efficiency at full load</a:t>
-            </a:r>
-          </a:p>
-          <a:p>
+              <a:t>Control loops – All regulated within firmware </a:t>
+            </a:r>
+          </a:p>
+          <a:p>
+            <a:pPr lvl="1"/>
             <a:r>
               <a:rPr lang="en-US" dirty="0"/>
-              <a:t>Control loops – All regulated within firmware </a:t>
+              <a:t>Output charge current.  (2kHz)</a:t>
             </a:r>
           </a:p>
           <a:p>
             <a:pPr lvl="1"/>
             <a:r>
               <a:rPr lang="en-US" dirty="0"/>
-              <a:t>Output charge current.  (5kHz)</a:t>
+              <a:t>Maximum output voltage.  (200Hz)</a:t>
             </a:r>
           </a:p>
           <a:p>
             <a:pPr lvl="1"/>
             <a:r>
               <a:rPr lang="en-US" dirty="0"/>
-              <a:t>Maximum output voltage.  (500Hz)</a:t>
-            </a:r>
-          </a:p>
-          <a:p>
-            <a:pPr lvl="1"/>
-            <a:r>
-              <a:rPr lang="en-US" dirty="0"/>
-              <a:t>Input peak power control.  (50Hz)</a:t>
+              <a:t>Input peak power control.  (20Hz)</a:t>
             </a:r>
           </a:p>
           <a:p>
@@ -4254,7 +7829,23 @@
             </a:r>
             <a:r>
               <a:rPr lang="en-US" dirty="0"/>
-              <a:t> to start building neural network to describe batter life and SOC </a:t>
+              <a:t> to start building neural network to describe batter life and SOC</a:t>
+            </a:r>
+          </a:p>
+          <a:p>
+            <a:r>
+              <a:rPr lang="en-US" dirty="0" err="1"/>
+              <a:t>Luminocity</a:t>
+            </a:r>
+            <a:r>
+              <a:rPr lang="en-US" dirty="0"/>
+              <a:t> / converter shutdown</a:t>
+            </a:r>
+          </a:p>
+          <a:p>
+            <a:r>
+              <a:rPr lang="en-US" dirty="0"/>
+              <a:t>Battery and Solar Array Temp</a:t>
             </a:r>
           </a:p>
         </p:txBody>
@@ -4369,14 +7960,19 @@
             <p:ph type="title"/>
           </p:nvPr>
         </p:nvSpPr>
-        <p:spPr/>
+        <p:spPr>
+          <a:xfrm>
+            <a:off x="838199" y="173796"/>
+            <a:ext cx="10515600" cy="1090965"/>
+          </a:xfrm>
+        </p:spPr>
         <p:txBody>
           <a:bodyPr/>
           <a:lstStyle/>
           <a:p>
             <a:r>
               <a:rPr lang="en-US" dirty="0"/>
-              <a:t>Basic Topology</a:t>
+              <a:t>Topology</a:t>
             </a:r>
           </a:p>
         </p:txBody>
@@ -4396,7 +7992,7 @@
         <p:spPr>
           <a:xfrm>
             <a:off x="5009515" y="4010009"/>
-            <a:ext cx="1859280" cy="1798320"/>
+            <a:ext cx="1969256" cy="1798320"/>
           </a:xfrm>
           <a:prstGeom prst="rect">
             <a:avLst/>
@@ -4433,10 +8029,10 @@
       </p:sp>
       <p:sp>
         <p:nvSpPr>
-          <p:cNvPr id="9" name="Rectangle 8">
-            <a:extLst>
-              <a:ext uri="{FF2B5EF4-FFF2-40B4-BE49-F238E27FC236}">
-                <a16:creationId xmlns:a16="http://schemas.microsoft.com/office/drawing/2014/main" id="{C03C61C9-9AB9-4592-97D2-5BD22B61B87C}"/>
+          <p:cNvPr id="11" name="Rectangle 10">
+            <a:extLst>
+              <a:ext uri="{FF2B5EF4-FFF2-40B4-BE49-F238E27FC236}">
+                <a16:creationId xmlns:a16="http://schemas.microsoft.com/office/drawing/2014/main" id="{81993169-22E2-4293-8164-46A3C69BFF5E}"/>
               </a:ext>
             </a:extLst>
           </p:cNvPr>
@@ -4445,7 +8041,56 @@
         </p:nvSpPr>
         <p:spPr>
           <a:xfrm>
-            <a:off x="1981200" y="1969738"/>
+            <a:off x="3090337" y="824118"/>
+            <a:ext cx="6757192" cy="2791599"/>
+          </a:xfrm>
+          <a:prstGeom prst="rect">
+            <a:avLst/>
+          </a:prstGeom>
+        </p:spPr>
+        <p:style>
+          <a:lnRef idx="2">
+            <a:schemeClr val="accent1">
+              <a:shade val="50000"/>
+            </a:schemeClr>
+          </a:lnRef>
+          <a:fillRef idx="1">
+            <a:schemeClr val="accent1"/>
+          </a:fillRef>
+          <a:effectRef idx="0">
+            <a:schemeClr val="accent1"/>
+          </a:effectRef>
+          <a:fontRef idx="minor">
+            <a:schemeClr val="lt1"/>
+          </a:fontRef>
+        </p:style>
+        <p:txBody>
+          <a:bodyPr rtlCol="0" anchor="t"/>
+          <a:lstStyle/>
+          <a:p>
+            <a:pPr algn="ctr"/>
+            <a:r>
+              <a:rPr lang="en-US" dirty="0"/>
+              <a:t>Buck-Boost Converter</a:t>
+            </a:r>
+          </a:p>
+        </p:txBody>
+      </p:sp>
+      <p:sp>
+        <p:nvSpPr>
+          <p:cNvPr id="12" name="Rectangle 11">
+            <a:extLst>
+              <a:ext uri="{FF2B5EF4-FFF2-40B4-BE49-F238E27FC236}">
+                <a16:creationId xmlns:a16="http://schemas.microsoft.com/office/drawing/2014/main" id="{FBE1A9D2-2B1F-4EB7-8084-452D68A68090}"/>
+              </a:ext>
+            </a:extLst>
+          </p:cNvPr>
+          <p:cNvSpPr/>
+          <p:nvPr/>
+        </p:nvSpPr>
+        <p:spPr>
+          <a:xfrm>
+            <a:off x="7817282" y="5198303"/>
             <a:ext cx="1638300" cy="1485900"/>
           </a:xfrm>
           <a:prstGeom prst="rect">
@@ -4475,246 +8120,11 @@
             <a:pPr algn="ctr"/>
             <a:r>
               <a:rPr lang="en-US" dirty="0"/>
-              <a:t>LC Pre-Reg</a:t>
-            </a:r>
-          </a:p>
-        </p:txBody>
-      </p:sp>
-      <p:sp>
-        <p:nvSpPr>
-          <p:cNvPr id="10" name="Oval 9">
-            <a:extLst>
-              <a:ext uri="{FF2B5EF4-FFF2-40B4-BE49-F238E27FC236}">
-                <a16:creationId xmlns:a16="http://schemas.microsoft.com/office/drawing/2014/main" id="{44814F51-51DC-4F84-8031-332B13867FE7}"/>
-              </a:ext>
-            </a:extLst>
-          </p:cNvPr>
-          <p:cNvSpPr/>
-          <p:nvPr/>
-        </p:nvSpPr>
-        <p:spPr>
-          <a:xfrm>
-            <a:off x="838200" y="2857501"/>
-            <a:ext cx="561975" cy="725804"/>
-          </a:xfrm>
-          <a:prstGeom prst="ellipse">
-            <a:avLst/>
-          </a:prstGeom>
-          <a:noFill/>
-          <a:ln w="38100"/>
-        </p:spPr>
-        <p:style>
-          <a:lnRef idx="2">
-            <a:schemeClr val="accent1">
-              <a:shade val="50000"/>
-            </a:schemeClr>
-          </a:lnRef>
-          <a:fillRef idx="1">
-            <a:schemeClr val="accent1"/>
-          </a:fillRef>
-          <a:effectRef idx="0">
-            <a:schemeClr val="accent1"/>
-          </a:effectRef>
-          <a:fontRef idx="minor">
-            <a:schemeClr val="lt1"/>
-          </a:fontRef>
-        </p:style>
-        <p:txBody>
-          <a:bodyPr rtlCol="0" anchor="ctr"/>
-          <a:lstStyle/>
-          <a:p>
-            <a:pPr algn="ctr"/>
-            <a:endParaRPr lang="en-US"/>
-          </a:p>
-        </p:txBody>
-      </p:sp>
-      <p:sp>
-        <p:nvSpPr>
-          <p:cNvPr id="11" name="Rectangle 10">
-            <a:extLst>
-              <a:ext uri="{FF2B5EF4-FFF2-40B4-BE49-F238E27FC236}">
-                <a16:creationId xmlns:a16="http://schemas.microsoft.com/office/drawing/2014/main" id="{81993169-22E2-4293-8164-46A3C69BFF5E}"/>
-              </a:ext>
-            </a:extLst>
-          </p:cNvPr>
-          <p:cNvSpPr/>
-          <p:nvPr/>
-        </p:nvSpPr>
-        <p:spPr>
-          <a:xfrm>
-            <a:off x="5120005" y="1943100"/>
-            <a:ext cx="1638300" cy="1485900"/>
-          </a:xfrm>
-          <a:prstGeom prst="rect">
-            <a:avLst/>
-          </a:prstGeom>
-        </p:spPr>
-        <p:style>
-          <a:lnRef idx="2">
-            <a:schemeClr val="accent1">
-              <a:shade val="50000"/>
-            </a:schemeClr>
-          </a:lnRef>
-          <a:fillRef idx="1">
-            <a:schemeClr val="accent1"/>
-          </a:fillRef>
-          <a:effectRef idx="0">
-            <a:schemeClr val="accent1"/>
-          </a:effectRef>
-          <a:fontRef idx="minor">
-            <a:schemeClr val="lt1"/>
-          </a:fontRef>
-        </p:style>
-        <p:txBody>
-          <a:bodyPr rtlCol="0" anchor="t"/>
-          <a:lstStyle/>
-          <a:p>
-            <a:pPr algn="ctr"/>
-            <a:r>
-              <a:rPr lang="en-US" dirty="0"/>
-              <a:t>Boost/Buck</a:t>
-            </a:r>
-          </a:p>
-        </p:txBody>
-      </p:sp>
-      <p:sp>
-        <p:nvSpPr>
-          <p:cNvPr id="12" name="Rectangle 11">
-            <a:extLst>
-              <a:ext uri="{FF2B5EF4-FFF2-40B4-BE49-F238E27FC236}">
-                <a16:creationId xmlns:a16="http://schemas.microsoft.com/office/drawing/2014/main" id="{FBE1A9D2-2B1F-4EB7-8084-452D68A68090}"/>
-              </a:ext>
-            </a:extLst>
-          </p:cNvPr>
-          <p:cNvSpPr/>
-          <p:nvPr/>
-        </p:nvSpPr>
-        <p:spPr>
-          <a:xfrm>
-            <a:off x="1981200" y="4322429"/>
-            <a:ext cx="1638300" cy="1485900"/>
-          </a:xfrm>
-          <a:prstGeom prst="rect">
-            <a:avLst/>
-          </a:prstGeom>
-        </p:spPr>
-        <p:style>
-          <a:lnRef idx="2">
-            <a:schemeClr val="accent1">
-              <a:shade val="50000"/>
-            </a:schemeClr>
-          </a:lnRef>
-          <a:fillRef idx="1">
-            <a:schemeClr val="accent1"/>
-          </a:fillRef>
-          <a:effectRef idx="0">
-            <a:schemeClr val="accent1"/>
-          </a:effectRef>
-          <a:fontRef idx="minor">
-            <a:schemeClr val="lt1"/>
-          </a:fontRef>
-        </p:style>
-        <p:txBody>
-          <a:bodyPr rtlCol="0" anchor="t"/>
-          <a:lstStyle/>
-          <a:p>
-            <a:pPr algn="ctr"/>
-            <a:r>
-              <a:rPr lang="en-US" dirty="0"/>
               <a:t>LCD Display</a:t>
             </a:r>
           </a:p>
         </p:txBody>
       </p:sp>
-      <p:sp>
-        <p:nvSpPr>
-          <p:cNvPr id="13" name="Oval 12">
-            <a:extLst>
-              <a:ext uri="{FF2B5EF4-FFF2-40B4-BE49-F238E27FC236}">
-                <a16:creationId xmlns:a16="http://schemas.microsoft.com/office/drawing/2014/main" id="{347E1728-4721-4FD3-BB48-78D81C21A005}"/>
-              </a:ext>
-            </a:extLst>
-          </p:cNvPr>
-          <p:cNvSpPr/>
-          <p:nvPr/>
-        </p:nvSpPr>
-        <p:spPr>
-          <a:xfrm>
-            <a:off x="838199" y="3286126"/>
-            <a:ext cx="561975" cy="671512"/>
-          </a:xfrm>
-          <a:prstGeom prst="ellipse">
-            <a:avLst/>
-          </a:prstGeom>
-          <a:noFill/>
-          <a:ln w="38100"/>
-        </p:spPr>
-        <p:style>
-          <a:lnRef idx="2">
-            <a:schemeClr val="accent1">
-              <a:shade val="50000"/>
-            </a:schemeClr>
-          </a:lnRef>
-          <a:fillRef idx="1">
-            <a:schemeClr val="accent1"/>
-          </a:fillRef>
-          <a:effectRef idx="0">
-            <a:schemeClr val="accent1"/>
-          </a:effectRef>
-          <a:fontRef idx="minor">
-            <a:schemeClr val="lt1"/>
-          </a:fontRef>
-        </p:style>
-        <p:txBody>
-          <a:bodyPr rtlCol="0" anchor="ctr"/>
-          <a:lstStyle/>
-          <a:p>
-            <a:pPr algn="ctr"/>
-            <a:endParaRPr lang="en-US"/>
-          </a:p>
-        </p:txBody>
-      </p:sp>
-      <p:cxnSp>
-        <p:nvCxnSpPr>
-          <p:cNvPr id="15" name="Straight Arrow Connector 14">
-            <a:extLst>
-              <a:ext uri="{FF2B5EF4-FFF2-40B4-BE49-F238E27FC236}">
-                <a16:creationId xmlns:a16="http://schemas.microsoft.com/office/drawing/2014/main" id="{C3E442AC-ED26-4D8D-976B-A223CA1BEC97}"/>
-              </a:ext>
-            </a:extLst>
-          </p:cNvPr>
-          <p:cNvCxnSpPr>
-            <a:cxnSpLocks/>
-          </p:cNvCxnSpPr>
-          <p:nvPr/>
-        </p:nvCxnSpPr>
-        <p:spPr>
-          <a:xfrm flipV="1">
-            <a:off x="1119186" y="2945331"/>
-            <a:ext cx="0" cy="884194"/>
-          </a:xfrm>
-          <a:prstGeom prst="straightConnector1">
-            <a:avLst/>
-          </a:prstGeom>
-          <a:ln w="60325">
-            <a:tailEnd type="stealth" w="lg" len="med"/>
-          </a:ln>
-        </p:spPr>
-        <p:style>
-          <a:lnRef idx="1">
-            <a:schemeClr val="accent1"/>
-          </a:lnRef>
-          <a:fillRef idx="0">
-            <a:schemeClr val="accent1"/>
-          </a:fillRef>
-          <a:effectRef idx="0">
-            <a:schemeClr val="accent1"/>
-          </a:effectRef>
-          <a:fontRef idx="minor">
-            <a:schemeClr val="tx1"/>
-          </a:fontRef>
-        </p:style>
-      </p:cxnSp>
       <p:cxnSp>
         <p:nvCxnSpPr>
           <p:cNvPr id="19" name="Connector: Elbow 18">
@@ -4727,14 +8137,14 @@
           <p:cNvCxnSpPr>
             <a:cxnSpLocks/>
             <a:stCxn id="10" idx="0"/>
-            <a:endCxn id="9" idx="1"/>
+            <a:endCxn id="11" idx="1"/>
           </p:cNvCxnSpPr>
           <p:nvPr/>
         </p:nvCxnSpPr>
         <p:spPr>
           <a:xfrm rot="5400000" flipH="1" flipV="1">
-            <a:off x="1477788" y="2354089"/>
-            <a:ext cx="144813" cy="862012"/>
+            <a:off x="1659233" y="1426398"/>
+            <a:ext cx="637583" cy="2224625"/>
           </a:xfrm>
           <a:prstGeom prst="bentConnector2">
             <a:avLst/>
@@ -4756,74 +8166,272 @@
           </a:fontRef>
         </p:style>
       </p:cxnSp>
-      <p:sp>
-        <p:nvSpPr>
-          <p:cNvPr id="22" name="Isosceles Triangle 21">
-            <a:extLst>
-              <a:ext uri="{FF2B5EF4-FFF2-40B4-BE49-F238E27FC236}">
-                <a16:creationId xmlns:a16="http://schemas.microsoft.com/office/drawing/2014/main" id="{6FAB9345-631A-4ED4-94FF-30B95921D0CD}"/>
-              </a:ext>
-            </a:extLst>
-          </p:cNvPr>
-          <p:cNvSpPr/>
+      <p:grpSp>
+        <p:nvGrpSpPr>
+          <p:cNvPr id="96" name="Group 95">
+            <a:extLst>
+              <a:ext uri="{FF2B5EF4-FFF2-40B4-BE49-F238E27FC236}">
+                <a16:creationId xmlns:a16="http://schemas.microsoft.com/office/drawing/2014/main" id="{218BBC75-A2EA-43D1-9265-A600F8660ED6}"/>
+              </a:ext>
+            </a:extLst>
+          </p:cNvPr>
+          <p:cNvGrpSpPr/>
           <p:nvPr/>
-        </p:nvSpPr>
-        <p:spPr>
-          <a:xfrm rot="10800000">
-            <a:off x="1003381" y="4338320"/>
-            <a:ext cx="233680" cy="201448"/>
+        </p:nvGrpSpPr>
+        <p:grpSpPr>
+          <a:xfrm>
+            <a:off x="331246" y="2857501"/>
+            <a:ext cx="1068929" cy="3170766"/>
+            <a:chOff x="838199" y="2857501"/>
+            <a:chExt cx="561976" cy="1682267"/>
           </a:xfrm>
-          <a:prstGeom prst="triangle">
-            <a:avLst/>
-          </a:prstGeom>
-          <a:noFill/>
-          <a:ln w="25400"/>
-        </p:spPr>
-        <p:style>
-          <a:lnRef idx="2">
-            <a:schemeClr val="accent1">
-              <a:shade val="50000"/>
-            </a:schemeClr>
-          </a:lnRef>
-          <a:fillRef idx="1">
-            <a:schemeClr val="accent1"/>
-          </a:fillRef>
-          <a:effectRef idx="0">
-            <a:schemeClr val="accent1"/>
-          </a:effectRef>
-          <a:fontRef idx="minor">
-            <a:schemeClr val="lt1"/>
-          </a:fontRef>
-        </p:style>
-        <p:txBody>
-          <a:bodyPr rtlCol="0" anchor="ctr"/>
-          <a:lstStyle/>
-          <a:p>
-            <a:pPr algn="ctr"/>
-            <a:endParaRPr lang="en-US"/>
-          </a:p>
-        </p:txBody>
-      </p:sp>
+        </p:grpSpPr>
+        <p:sp>
+          <p:nvSpPr>
+            <p:cNvPr id="10" name="Oval 9">
+              <a:extLst>
+                <a:ext uri="{FF2B5EF4-FFF2-40B4-BE49-F238E27FC236}">
+                  <a16:creationId xmlns:a16="http://schemas.microsoft.com/office/drawing/2014/main" id="{44814F51-51DC-4F84-8031-332B13867FE7}"/>
+                </a:ext>
+              </a:extLst>
+            </p:cNvPr>
+            <p:cNvSpPr/>
+            <p:nvPr/>
+          </p:nvSpPr>
+          <p:spPr>
+            <a:xfrm>
+              <a:off x="838200" y="2857501"/>
+              <a:ext cx="561975" cy="725804"/>
+            </a:xfrm>
+            <a:prstGeom prst="ellipse">
+              <a:avLst/>
+            </a:prstGeom>
+            <a:noFill/>
+            <a:ln w="38100"/>
+          </p:spPr>
+          <p:style>
+            <a:lnRef idx="2">
+              <a:schemeClr val="accent1">
+                <a:shade val="50000"/>
+              </a:schemeClr>
+            </a:lnRef>
+            <a:fillRef idx="1">
+              <a:schemeClr val="accent1"/>
+            </a:fillRef>
+            <a:effectRef idx="0">
+              <a:schemeClr val="accent1"/>
+            </a:effectRef>
+            <a:fontRef idx="minor">
+              <a:schemeClr val="lt1"/>
+            </a:fontRef>
+          </p:style>
+          <p:txBody>
+            <a:bodyPr rtlCol="0" anchor="ctr"/>
+            <a:lstStyle/>
+            <a:p>
+              <a:pPr algn="ctr"/>
+              <a:endParaRPr lang="en-US"/>
+            </a:p>
+          </p:txBody>
+        </p:sp>
+        <p:sp>
+          <p:nvSpPr>
+            <p:cNvPr id="13" name="Oval 12">
+              <a:extLst>
+                <a:ext uri="{FF2B5EF4-FFF2-40B4-BE49-F238E27FC236}">
+                  <a16:creationId xmlns:a16="http://schemas.microsoft.com/office/drawing/2014/main" id="{347E1728-4721-4FD3-BB48-78D81C21A005}"/>
+                </a:ext>
+              </a:extLst>
+            </p:cNvPr>
+            <p:cNvSpPr/>
+            <p:nvPr/>
+          </p:nvSpPr>
+          <p:spPr>
+            <a:xfrm>
+              <a:off x="838199" y="3286126"/>
+              <a:ext cx="561975" cy="671512"/>
+            </a:xfrm>
+            <a:prstGeom prst="ellipse">
+              <a:avLst/>
+            </a:prstGeom>
+            <a:noFill/>
+            <a:ln w="38100"/>
+          </p:spPr>
+          <p:style>
+            <a:lnRef idx="2">
+              <a:schemeClr val="accent1">
+                <a:shade val="50000"/>
+              </a:schemeClr>
+            </a:lnRef>
+            <a:fillRef idx="1">
+              <a:schemeClr val="accent1"/>
+            </a:fillRef>
+            <a:effectRef idx="0">
+              <a:schemeClr val="accent1"/>
+            </a:effectRef>
+            <a:fontRef idx="minor">
+              <a:schemeClr val="lt1"/>
+            </a:fontRef>
+          </p:style>
+          <p:txBody>
+            <a:bodyPr rtlCol="0" anchor="ctr"/>
+            <a:lstStyle/>
+            <a:p>
+              <a:pPr algn="ctr"/>
+              <a:endParaRPr lang="en-US"/>
+            </a:p>
+          </p:txBody>
+        </p:sp>
+        <p:cxnSp>
+          <p:nvCxnSpPr>
+            <p:cNvPr id="15" name="Straight Arrow Connector 14">
+              <a:extLst>
+                <a:ext uri="{FF2B5EF4-FFF2-40B4-BE49-F238E27FC236}">
+                  <a16:creationId xmlns:a16="http://schemas.microsoft.com/office/drawing/2014/main" id="{C3E442AC-ED26-4D8D-976B-A223CA1BEC97}"/>
+                </a:ext>
+              </a:extLst>
+            </p:cNvPr>
+            <p:cNvCxnSpPr>
+              <a:cxnSpLocks/>
+            </p:cNvCxnSpPr>
+            <p:nvPr/>
+          </p:nvCxnSpPr>
+          <p:spPr>
+            <a:xfrm flipV="1">
+              <a:off x="1119186" y="2945331"/>
+              <a:ext cx="0" cy="884194"/>
+            </a:xfrm>
+            <a:prstGeom prst="straightConnector1">
+              <a:avLst/>
+            </a:prstGeom>
+            <a:ln w="60325">
+              <a:tailEnd type="stealth" w="lg" len="med"/>
+            </a:ln>
+          </p:spPr>
+          <p:style>
+            <a:lnRef idx="1">
+              <a:schemeClr val="accent1"/>
+            </a:lnRef>
+            <a:fillRef idx="0">
+              <a:schemeClr val="accent1"/>
+            </a:fillRef>
+            <a:effectRef idx="0">
+              <a:schemeClr val="accent1"/>
+            </a:effectRef>
+            <a:fontRef idx="minor">
+              <a:schemeClr val="tx1"/>
+            </a:fontRef>
+          </p:style>
+        </p:cxnSp>
+        <p:sp>
+          <p:nvSpPr>
+            <p:cNvPr id="22" name="Isosceles Triangle 21">
+              <a:extLst>
+                <a:ext uri="{FF2B5EF4-FFF2-40B4-BE49-F238E27FC236}">
+                  <a16:creationId xmlns:a16="http://schemas.microsoft.com/office/drawing/2014/main" id="{6FAB9345-631A-4ED4-94FF-30B95921D0CD}"/>
+                </a:ext>
+              </a:extLst>
+            </p:cNvPr>
+            <p:cNvSpPr/>
+            <p:nvPr/>
+          </p:nvSpPr>
+          <p:spPr>
+            <a:xfrm rot="10800000">
+              <a:off x="1003381" y="4338320"/>
+              <a:ext cx="233680" cy="201448"/>
+            </a:xfrm>
+            <a:prstGeom prst="triangle">
+              <a:avLst/>
+            </a:prstGeom>
+            <a:noFill/>
+            <a:ln w="25400"/>
+          </p:spPr>
+          <p:style>
+            <a:lnRef idx="2">
+              <a:schemeClr val="accent1">
+                <a:shade val="50000"/>
+              </a:schemeClr>
+            </a:lnRef>
+            <a:fillRef idx="1">
+              <a:schemeClr val="accent1"/>
+            </a:fillRef>
+            <a:effectRef idx="0">
+              <a:schemeClr val="accent1"/>
+            </a:effectRef>
+            <a:fontRef idx="minor">
+              <a:schemeClr val="lt1"/>
+            </a:fontRef>
+          </p:style>
+          <p:txBody>
+            <a:bodyPr rtlCol="0" anchor="ctr"/>
+            <a:lstStyle/>
+            <a:p>
+              <a:pPr algn="ctr"/>
+              <a:endParaRPr lang="en-US"/>
+            </a:p>
+          </p:txBody>
+        </p:sp>
+        <p:cxnSp>
+          <p:nvCxnSpPr>
+            <p:cNvPr id="26" name="Straight Connector 25">
+              <a:extLst>
+                <a:ext uri="{FF2B5EF4-FFF2-40B4-BE49-F238E27FC236}">
+                  <a16:creationId xmlns:a16="http://schemas.microsoft.com/office/drawing/2014/main" id="{A416D895-5D6C-47B5-8F13-9D341FB410A2}"/>
+                </a:ext>
+              </a:extLst>
+            </p:cNvPr>
+            <p:cNvCxnSpPr>
+              <a:cxnSpLocks/>
+              <a:stCxn id="13" idx="4"/>
+              <a:endCxn id="22" idx="3"/>
+            </p:cNvCxnSpPr>
+            <p:nvPr/>
+          </p:nvCxnSpPr>
+          <p:spPr>
+            <a:xfrm>
+              <a:off x="1119187" y="3957638"/>
+              <a:ext cx="1034" cy="380682"/>
+            </a:xfrm>
+            <a:prstGeom prst="line">
+              <a:avLst/>
+            </a:prstGeom>
+            <a:ln w="101600"/>
+          </p:spPr>
+          <p:style>
+            <a:lnRef idx="1">
+              <a:schemeClr val="accent1"/>
+            </a:lnRef>
+            <a:fillRef idx="0">
+              <a:schemeClr val="accent1"/>
+            </a:fillRef>
+            <a:effectRef idx="0">
+              <a:schemeClr val="accent1"/>
+            </a:effectRef>
+            <a:fontRef idx="minor">
+              <a:schemeClr val="tx1"/>
+            </a:fontRef>
+          </p:style>
+        </p:cxnSp>
+      </p:grpSp>
       <p:cxnSp>
         <p:nvCxnSpPr>
-          <p:cNvPr id="26" name="Straight Connector 25">
-            <a:extLst>
-              <a:ext uri="{FF2B5EF4-FFF2-40B4-BE49-F238E27FC236}">
-                <a16:creationId xmlns:a16="http://schemas.microsoft.com/office/drawing/2014/main" id="{A416D895-5D6C-47B5-8F13-9D341FB410A2}"/>
+          <p:cNvPr id="40" name="Straight Connector 39">
+            <a:extLst>
+              <a:ext uri="{FF2B5EF4-FFF2-40B4-BE49-F238E27FC236}">
+                <a16:creationId xmlns:a16="http://schemas.microsoft.com/office/drawing/2014/main" id="{663DD483-8BF2-47D7-9E8A-337479625316}"/>
               </a:ext>
             </a:extLst>
           </p:cNvPr>
           <p:cNvCxnSpPr>
             <a:cxnSpLocks/>
-            <a:stCxn id="13" idx="4"/>
-            <a:endCxn id="22" idx="3"/>
+            <a:stCxn id="11" idx="3"/>
           </p:cNvCxnSpPr>
           <p:nvPr/>
         </p:nvCxnSpPr>
         <p:spPr>
           <a:xfrm>
-            <a:off x="1119187" y="3957638"/>
-            <a:ext cx="1034" cy="380682"/>
+            <a:off x="9847529" y="2219918"/>
+            <a:ext cx="1343376" cy="0"/>
           </a:xfrm>
           <a:prstGeom prst="line">
             <a:avLst/>
@@ -4845,388 +8453,328 @@
           </a:fontRef>
         </p:style>
       </p:cxnSp>
+      <p:grpSp>
+        <p:nvGrpSpPr>
+          <p:cNvPr id="55" name="Group 54">
+            <a:extLst>
+              <a:ext uri="{FF2B5EF4-FFF2-40B4-BE49-F238E27FC236}">
+                <a16:creationId xmlns:a16="http://schemas.microsoft.com/office/drawing/2014/main" id="{DA85F383-CD06-4AF3-B1D4-20F8AE48A004}"/>
+              </a:ext>
+            </a:extLst>
+          </p:cNvPr>
+          <p:cNvGrpSpPr/>
+          <p:nvPr/>
+        </p:nvGrpSpPr>
+        <p:grpSpPr>
+          <a:xfrm>
+            <a:off x="10791826" y="2201333"/>
+            <a:ext cx="779646" cy="2791598"/>
+            <a:chOff x="7868987" y="2295978"/>
+            <a:chExt cx="779646" cy="1945046"/>
+          </a:xfrm>
+        </p:grpSpPr>
+        <p:cxnSp>
+          <p:nvCxnSpPr>
+            <p:cNvPr id="33" name="Straight Connector 32">
+              <a:extLst>
+                <a:ext uri="{FF2B5EF4-FFF2-40B4-BE49-F238E27FC236}">
+                  <a16:creationId xmlns:a16="http://schemas.microsoft.com/office/drawing/2014/main" id="{3E8596DE-0B75-4E3A-AF2F-F911AB22BE24}"/>
+                </a:ext>
+              </a:extLst>
+            </p:cNvPr>
+            <p:cNvCxnSpPr>
+              <a:cxnSpLocks/>
+            </p:cNvCxnSpPr>
+            <p:nvPr/>
+          </p:nvCxnSpPr>
+          <p:spPr>
+            <a:xfrm>
+              <a:off x="7868987" y="2945331"/>
+              <a:ext cx="779646" cy="0"/>
+            </a:xfrm>
+            <a:prstGeom prst="line">
+              <a:avLst/>
+            </a:prstGeom>
+            <a:ln w="38100"/>
+          </p:spPr>
+          <p:style>
+            <a:lnRef idx="1">
+              <a:schemeClr val="accent1"/>
+            </a:lnRef>
+            <a:fillRef idx="0">
+              <a:schemeClr val="accent1"/>
+            </a:fillRef>
+            <a:effectRef idx="0">
+              <a:schemeClr val="accent1"/>
+            </a:effectRef>
+            <a:fontRef idx="minor">
+              <a:schemeClr val="tx1"/>
+            </a:fontRef>
+          </p:style>
+        </p:cxnSp>
+        <p:cxnSp>
+          <p:nvCxnSpPr>
+            <p:cNvPr id="35" name="Straight Connector 34">
+              <a:extLst>
+                <a:ext uri="{FF2B5EF4-FFF2-40B4-BE49-F238E27FC236}">
+                  <a16:creationId xmlns:a16="http://schemas.microsoft.com/office/drawing/2014/main" id="{7CD6AD13-69D0-4403-B48B-D5A03F5A5624}"/>
+                </a:ext>
+              </a:extLst>
+            </p:cNvPr>
+            <p:cNvCxnSpPr>
+              <a:cxnSpLocks/>
+            </p:cNvCxnSpPr>
+            <p:nvPr/>
+          </p:nvCxnSpPr>
+          <p:spPr>
+            <a:xfrm>
+              <a:off x="7868987" y="3224212"/>
+              <a:ext cx="779646" cy="0"/>
+            </a:xfrm>
+            <a:prstGeom prst="line">
+              <a:avLst/>
+            </a:prstGeom>
+            <a:ln w="38100"/>
+          </p:spPr>
+          <p:style>
+            <a:lnRef idx="1">
+              <a:schemeClr val="accent1"/>
+            </a:lnRef>
+            <a:fillRef idx="0">
+              <a:schemeClr val="accent1"/>
+            </a:fillRef>
+            <a:effectRef idx="0">
+              <a:schemeClr val="accent1"/>
+            </a:effectRef>
+            <a:fontRef idx="minor">
+              <a:schemeClr val="tx1"/>
+            </a:fontRef>
+          </p:style>
+        </p:cxnSp>
+        <p:cxnSp>
+          <p:nvCxnSpPr>
+            <p:cNvPr id="36" name="Straight Connector 35">
+              <a:extLst>
+                <a:ext uri="{FF2B5EF4-FFF2-40B4-BE49-F238E27FC236}">
+                  <a16:creationId xmlns:a16="http://schemas.microsoft.com/office/drawing/2014/main" id="{66C759FF-C736-4C0E-8B2E-D865C7B8F5BF}"/>
+                </a:ext>
+              </a:extLst>
+            </p:cNvPr>
+            <p:cNvCxnSpPr>
+              <a:cxnSpLocks/>
+            </p:cNvCxnSpPr>
+            <p:nvPr/>
+          </p:nvCxnSpPr>
+          <p:spPr>
+            <a:xfrm>
+              <a:off x="8034387" y="3367594"/>
+              <a:ext cx="448845" cy="0"/>
+            </a:xfrm>
+            <a:prstGeom prst="line">
+              <a:avLst/>
+            </a:prstGeom>
+            <a:ln w="38100"/>
+          </p:spPr>
+          <p:style>
+            <a:lnRef idx="1">
+              <a:schemeClr val="accent1"/>
+            </a:lnRef>
+            <a:fillRef idx="0">
+              <a:schemeClr val="accent1"/>
+            </a:fillRef>
+            <a:effectRef idx="0">
+              <a:schemeClr val="accent1"/>
+            </a:effectRef>
+            <a:fontRef idx="minor">
+              <a:schemeClr val="tx1"/>
+            </a:fontRef>
+          </p:style>
+        </p:cxnSp>
+        <p:cxnSp>
+          <p:nvCxnSpPr>
+            <p:cNvPr id="38" name="Straight Connector 37">
+              <a:extLst>
+                <a:ext uri="{FF2B5EF4-FFF2-40B4-BE49-F238E27FC236}">
+                  <a16:creationId xmlns:a16="http://schemas.microsoft.com/office/drawing/2014/main" id="{84852C1F-61BD-483B-B218-1F863F533A46}"/>
+                </a:ext>
+              </a:extLst>
+            </p:cNvPr>
+            <p:cNvCxnSpPr>
+              <a:cxnSpLocks/>
+            </p:cNvCxnSpPr>
+            <p:nvPr/>
+          </p:nvCxnSpPr>
+          <p:spPr>
+            <a:xfrm>
+              <a:off x="8034387" y="3081868"/>
+              <a:ext cx="448845" cy="0"/>
+            </a:xfrm>
+            <a:prstGeom prst="line">
+              <a:avLst/>
+            </a:prstGeom>
+            <a:ln w="38100"/>
+          </p:spPr>
+          <p:style>
+            <a:lnRef idx="1">
+              <a:schemeClr val="accent1"/>
+            </a:lnRef>
+            <a:fillRef idx="0">
+              <a:schemeClr val="accent1"/>
+            </a:fillRef>
+            <a:effectRef idx="0">
+              <a:schemeClr val="accent1"/>
+            </a:effectRef>
+            <a:fontRef idx="minor">
+              <a:schemeClr val="tx1"/>
+            </a:fontRef>
+          </p:style>
+        </p:cxnSp>
+        <p:cxnSp>
+          <p:nvCxnSpPr>
+            <p:cNvPr id="43" name="Straight Connector 42">
+              <a:extLst>
+                <a:ext uri="{FF2B5EF4-FFF2-40B4-BE49-F238E27FC236}">
+                  <a16:creationId xmlns:a16="http://schemas.microsoft.com/office/drawing/2014/main" id="{C3A01E0B-21B2-4623-B6BA-B0B02873DEFC}"/>
+                </a:ext>
+              </a:extLst>
+            </p:cNvPr>
+            <p:cNvCxnSpPr>
+              <a:cxnSpLocks/>
+            </p:cNvCxnSpPr>
+            <p:nvPr/>
+          </p:nvCxnSpPr>
+          <p:spPr>
+            <a:xfrm>
+              <a:off x="8258810" y="2295978"/>
+              <a:ext cx="0" cy="649353"/>
+            </a:xfrm>
+            <a:prstGeom prst="line">
+              <a:avLst/>
+            </a:prstGeom>
+            <a:ln w="101600"/>
+          </p:spPr>
+          <p:style>
+            <a:lnRef idx="1">
+              <a:schemeClr val="accent1"/>
+            </a:lnRef>
+            <a:fillRef idx="0">
+              <a:schemeClr val="accent1"/>
+            </a:fillRef>
+            <a:effectRef idx="0">
+              <a:schemeClr val="accent1"/>
+            </a:effectRef>
+            <a:fontRef idx="minor">
+              <a:schemeClr val="tx1"/>
+            </a:fontRef>
+          </p:style>
+        </p:cxnSp>
+        <p:sp>
+          <p:nvSpPr>
+            <p:cNvPr id="45" name="Isosceles Triangle 44">
+              <a:extLst>
+                <a:ext uri="{FF2B5EF4-FFF2-40B4-BE49-F238E27FC236}">
+                  <a16:creationId xmlns:a16="http://schemas.microsoft.com/office/drawing/2014/main" id="{6DEF1DF2-C929-47C4-9148-FEDC0DBCD737}"/>
+                </a:ext>
+              </a:extLst>
+            </p:cNvPr>
+            <p:cNvSpPr/>
+            <p:nvPr/>
+          </p:nvSpPr>
+          <p:spPr>
+            <a:xfrm rot="10800000">
+              <a:off x="8151226" y="4039576"/>
+              <a:ext cx="233680" cy="201448"/>
+            </a:xfrm>
+            <a:prstGeom prst="triangle">
+              <a:avLst/>
+            </a:prstGeom>
+            <a:noFill/>
+            <a:ln w="25400"/>
+          </p:spPr>
+          <p:style>
+            <a:lnRef idx="2">
+              <a:schemeClr val="accent1">
+                <a:shade val="50000"/>
+              </a:schemeClr>
+            </a:lnRef>
+            <a:fillRef idx="1">
+              <a:schemeClr val="accent1"/>
+            </a:fillRef>
+            <a:effectRef idx="0">
+              <a:schemeClr val="accent1"/>
+            </a:effectRef>
+            <a:fontRef idx="minor">
+              <a:schemeClr val="lt1"/>
+            </a:fontRef>
+          </p:style>
+          <p:txBody>
+            <a:bodyPr rtlCol="0" anchor="ctr"/>
+            <a:lstStyle/>
+            <a:p>
+              <a:pPr algn="ctr"/>
+              <a:endParaRPr lang="en-US"/>
+            </a:p>
+          </p:txBody>
+        </p:sp>
+        <p:cxnSp>
+          <p:nvCxnSpPr>
+            <p:cNvPr id="46" name="Straight Connector 45">
+              <a:extLst>
+                <a:ext uri="{FF2B5EF4-FFF2-40B4-BE49-F238E27FC236}">
+                  <a16:creationId xmlns:a16="http://schemas.microsoft.com/office/drawing/2014/main" id="{6F1E6B3F-C0C9-48EE-82DF-23C0BFDBBB56}"/>
+                </a:ext>
+              </a:extLst>
+            </p:cNvPr>
+            <p:cNvCxnSpPr>
+              <a:cxnSpLocks/>
+            </p:cNvCxnSpPr>
+            <p:nvPr/>
+          </p:nvCxnSpPr>
+          <p:spPr>
+            <a:xfrm flipH="1">
+              <a:off x="8258811" y="3359524"/>
+              <a:ext cx="9255" cy="673575"/>
+            </a:xfrm>
+            <a:prstGeom prst="line">
+              <a:avLst/>
+            </a:prstGeom>
+            <a:ln w="101600"/>
+          </p:spPr>
+          <p:style>
+            <a:lnRef idx="1">
+              <a:schemeClr val="accent1"/>
+            </a:lnRef>
+            <a:fillRef idx="0">
+              <a:schemeClr val="accent1"/>
+            </a:fillRef>
+            <a:effectRef idx="0">
+              <a:schemeClr val="accent1"/>
+            </a:effectRef>
+            <a:fontRef idx="minor">
+              <a:schemeClr val="tx1"/>
+            </a:fontRef>
+          </p:style>
+        </p:cxnSp>
+      </p:grpSp>
       <p:cxnSp>
         <p:nvCxnSpPr>
-          <p:cNvPr id="29" name="Straight Connector 28">
-            <a:extLst>
-              <a:ext uri="{FF2B5EF4-FFF2-40B4-BE49-F238E27FC236}">
-                <a16:creationId xmlns:a16="http://schemas.microsoft.com/office/drawing/2014/main" id="{415017F9-77BF-43C8-8C6F-AD6B252302FE}"/>
+          <p:cNvPr id="48" name="Straight Arrow Connector 47">
+            <a:extLst>
+              <a:ext uri="{FF2B5EF4-FFF2-40B4-BE49-F238E27FC236}">
+                <a16:creationId xmlns:a16="http://schemas.microsoft.com/office/drawing/2014/main" id="{7B143C6E-3DCD-4E4B-B8E5-5D6E2F369C7F}"/>
               </a:ext>
             </a:extLst>
           </p:cNvPr>
           <p:cNvCxnSpPr>
-            <a:stCxn id="9" idx="3"/>
-            <a:endCxn id="11" idx="1"/>
+            <a:cxnSpLocks/>
+            <a:stCxn id="8" idx="0"/>
           </p:cNvCxnSpPr>
           <p:nvPr/>
         </p:nvCxnSpPr>
         <p:spPr>
           <a:xfrm flipV="1">
-            <a:off x="3619500" y="2686050"/>
-            <a:ext cx="1500505" cy="26638"/>
-          </a:xfrm>
-          <a:prstGeom prst="line">
-            <a:avLst/>
-          </a:prstGeom>
-          <a:ln w="101600"/>
-        </p:spPr>
-        <p:style>
-          <a:lnRef idx="1">
-            <a:schemeClr val="accent1"/>
-          </a:lnRef>
-          <a:fillRef idx="0">
-            <a:schemeClr val="accent1"/>
-          </a:fillRef>
-          <a:effectRef idx="0">
-            <a:schemeClr val="accent1"/>
-          </a:effectRef>
-          <a:fontRef idx="minor">
-            <a:schemeClr val="tx1"/>
-          </a:fontRef>
-        </p:style>
-      </p:cxnSp>
-      <p:cxnSp>
-        <p:nvCxnSpPr>
-          <p:cNvPr id="33" name="Straight Connector 32">
-            <a:extLst>
-              <a:ext uri="{FF2B5EF4-FFF2-40B4-BE49-F238E27FC236}">
-                <a16:creationId xmlns:a16="http://schemas.microsoft.com/office/drawing/2014/main" id="{3E8596DE-0B75-4E3A-AF2F-F911AB22BE24}"/>
-              </a:ext>
-            </a:extLst>
-          </p:cNvPr>
-          <p:cNvCxnSpPr>
-            <a:cxnSpLocks/>
-          </p:cNvCxnSpPr>
-          <p:nvPr/>
-        </p:nvCxnSpPr>
-        <p:spPr>
-          <a:xfrm>
-            <a:off x="7868987" y="2945331"/>
-            <a:ext cx="779646" cy="0"/>
-          </a:xfrm>
-          <a:prstGeom prst="line">
-            <a:avLst/>
-          </a:prstGeom>
-          <a:ln w="38100"/>
-        </p:spPr>
-        <p:style>
-          <a:lnRef idx="1">
-            <a:schemeClr val="accent1"/>
-          </a:lnRef>
-          <a:fillRef idx="0">
-            <a:schemeClr val="accent1"/>
-          </a:fillRef>
-          <a:effectRef idx="0">
-            <a:schemeClr val="accent1"/>
-          </a:effectRef>
-          <a:fontRef idx="minor">
-            <a:schemeClr val="tx1"/>
-          </a:fontRef>
-        </p:style>
-      </p:cxnSp>
-      <p:cxnSp>
-        <p:nvCxnSpPr>
-          <p:cNvPr id="35" name="Straight Connector 34">
-            <a:extLst>
-              <a:ext uri="{FF2B5EF4-FFF2-40B4-BE49-F238E27FC236}">
-                <a16:creationId xmlns:a16="http://schemas.microsoft.com/office/drawing/2014/main" id="{7CD6AD13-69D0-4403-B48B-D5A03F5A5624}"/>
-              </a:ext>
-            </a:extLst>
-          </p:cNvPr>
-          <p:cNvCxnSpPr>
-            <a:cxnSpLocks/>
-          </p:cNvCxnSpPr>
-          <p:nvPr/>
-        </p:nvCxnSpPr>
-        <p:spPr>
-          <a:xfrm>
-            <a:off x="7868987" y="3224212"/>
-            <a:ext cx="779646" cy="0"/>
-          </a:xfrm>
-          <a:prstGeom prst="line">
-            <a:avLst/>
-          </a:prstGeom>
-          <a:ln w="38100"/>
-        </p:spPr>
-        <p:style>
-          <a:lnRef idx="1">
-            <a:schemeClr val="accent1"/>
-          </a:lnRef>
-          <a:fillRef idx="0">
-            <a:schemeClr val="accent1"/>
-          </a:fillRef>
-          <a:effectRef idx="0">
-            <a:schemeClr val="accent1"/>
-          </a:effectRef>
-          <a:fontRef idx="minor">
-            <a:schemeClr val="tx1"/>
-          </a:fontRef>
-        </p:style>
-      </p:cxnSp>
-      <p:cxnSp>
-        <p:nvCxnSpPr>
-          <p:cNvPr id="36" name="Straight Connector 35">
-            <a:extLst>
-              <a:ext uri="{FF2B5EF4-FFF2-40B4-BE49-F238E27FC236}">
-                <a16:creationId xmlns:a16="http://schemas.microsoft.com/office/drawing/2014/main" id="{66C759FF-C736-4C0E-8B2E-D865C7B8F5BF}"/>
-              </a:ext>
-            </a:extLst>
-          </p:cNvPr>
-          <p:cNvCxnSpPr>
-            <a:cxnSpLocks/>
-          </p:cNvCxnSpPr>
-          <p:nvPr/>
-        </p:nvCxnSpPr>
-        <p:spPr>
-          <a:xfrm>
-            <a:off x="8034387" y="3367594"/>
-            <a:ext cx="448845" cy="0"/>
-          </a:xfrm>
-          <a:prstGeom prst="line">
-            <a:avLst/>
-          </a:prstGeom>
-          <a:ln w="38100"/>
-        </p:spPr>
-        <p:style>
-          <a:lnRef idx="1">
-            <a:schemeClr val="accent1"/>
-          </a:lnRef>
-          <a:fillRef idx="0">
-            <a:schemeClr val="accent1"/>
-          </a:fillRef>
-          <a:effectRef idx="0">
-            <a:schemeClr val="accent1"/>
-          </a:effectRef>
-          <a:fontRef idx="minor">
-            <a:schemeClr val="tx1"/>
-          </a:fontRef>
-        </p:style>
-      </p:cxnSp>
-      <p:cxnSp>
-        <p:nvCxnSpPr>
-          <p:cNvPr id="38" name="Straight Connector 37">
-            <a:extLst>
-              <a:ext uri="{FF2B5EF4-FFF2-40B4-BE49-F238E27FC236}">
-                <a16:creationId xmlns:a16="http://schemas.microsoft.com/office/drawing/2014/main" id="{84852C1F-61BD-483B-B218-1F863F533A46}"/>
-              </a:ext>
-            </a:extLst>
-          </p:cNvPr>
-          <p:cNvCxnSpPr>
-            <a:cxnSpLocks/>
-          </p:cNvCxnSpPr>
-          <p:nvPr/>
-        </p:nvCxnSpPr>
-        <p:spPr>
-          <a:xfrm>
-            <a:off x="8034387" y="3081868"/>
-            <a:ext cx="448845" cy="0"/>
-          </a:xfrm>
-          <a:prstGeom prst="line">
-            <a:avLst/>
-          </a:prstGeom>
-          <a:ln w="38100"/>
-        </p:spPr>
-        <p:style>
-          <a:lnRef idx="1">
-            <a:schemeClr val="accent1"/>
-          </a:lnRef>
-          <a:fillRef idx="0">
-            <a:schemeClr val="accent1"/>
-          </a:fillRef>
-          <a:effectRef idx="0">
-            <a:schemeClr val="accent1"/>
-          </a:effectRef>
-          <a:fontRef idx="minor">
-            <a:schemeClr val="tx1"/>
-          </a:fontRef>
-        </p:style>
-      </p:cxnSp>
-      <p:cxnSp>
-        <p:nvCxnSpPr>
-          <p:cNvPr id="40" name="Straight Connector 39">
-            <a:extLst>
-              <a:ext uri="{FF2B5EF4-FFF2-40B4-BE49-F238E27FC236}">
-                <a16:creationId xmlns:a16="http://schemas.microsoft.com/office/drawing/2014/main" id="{663DD483-8BF2-47D7-9E8A-337479625316}"/>
-              </a:ext>
-            </a:extLst>
-          </p:cNvPr>
-          <p:cNvCxnSpPr>
-            <a:cxnSpLocks/>
-            <a:stCxn id="11" idx="3"/>
-            <a:endCxn id="60" idx="1"/>
-          </p:cNvCxnSpPr>
-          <p:nvPr/>
-        </p:nvCxnSpPr>
-        <p:spPr>
-          <a:xfrm flipV="1">
-            <a:off x="6758305" y="2683473"/>
-            <a:ext cx="2633345" cy="2577"/>
-          </a:xfrm>
-          <a:prstGeom prst="line">
-            <a:avLst/>
-          </a:prstGeom>
-          <a:ln w="101600"/>
-        </p:spPr>
-        <p:style>
-          <a:lnRef idx="1">
-            <a:schemeClr val="accent1"/>
-          </a:lnRef>
-          <a:fillRef idx="0">
-            <a:schemeClr val="accent1"/>
-          </a:fillRef>
-          <a:effectRef idx="0">
-            <a:schemeClr val="accent1"/>
-          </a:effectRef>
-          <a:fontRef idx="minor">
-            <a:schemeClr val="tx1"/>
-          </a:fontRef>
-        </p:style>
-      </p:cxnSp>
-      <p:cxnSp>
-        <p:nvCxnSpPr>
-          <p:cNvPr id="43" name="Straight Connector 42">
-            <a:extLst>
-              <a:ext uri="{FF2B5EF4-FFF2-40B4-BE49-F238E27FC236}">
-                <a16:creationId xmlns:a16="http://schemas.microsoft.com/office/drawing/2014/main" id="{C3A01E0B-21B2-4623-B6BA-B0B02873DEFC}"/>
-              </a:ext>
-            </a:extLst>
-          </p:cNvPr>
-          <p:cNvCxnSpPr>
-            <a:cxnSpLocks/>
-          </p:cNvCxnSpPr>
-          <p:nvPr/>
-        </p:nvCxnSpPr>
-        <p:spPr>
-          <a:xfrm>
-            <a:off x="8258810" y="2645833"/>
-            <a:ext cx="0" cy="299498"/>
-          </a:xfrm>
-          <a:prstGeom prst="line">
-            <a:avLst/>
-          </a:prstGeom>
-          <a:ln w="101600"/>
-        </p:spPr>
-        <p:style>
-          <a:lnRef idx="1">
-            <a:schemeClr val="accent1"/>
-          </a:lnRef>
-          <a:fillRef idx="0">
-            <a:schemeClr val="accent1"/>
-          </a:fillRef>
-          <a:effectRef idx="0">
-            <a:schemeClr val="accent1"/>
-          </a:effectRef>
-          <a:fontRef idx="minor">
-            <a:schemeClr val="tx1"/>
-          </a:fontRef>
-        </p:style>
-      </p:cxnSp>
-      <p:sp>
-        <p:nvSpPr>
-          <p:cNvPr id="45" name="Isosceles Triangle 44">
-            <a:extLst>
-              <a:ext uri="{FF2B5EF4-FFF2-40B4-BE49-F238E27FC236}">
-                <a16:creationId xmlns:a16="http://schemas.microsoft.com/office/drawing/2014/main" id="{6DEF1DF2-C929-47C4-9148-FEDC0DBCD737}"/>
-              </a:ext>
-            </a:extLst>
-          </p:cNvPr>
-          <p:cNvSpPr/>
-          <p:nvPr/>
-        </p:nvSpPr>
-        <p:spPr>
-          <a:xfrm rot="10800000">
-            <a:off x="8141970" y="3728801"/>
-            <a:ext cx="233680" cy="201448"/>
-          </a:xfrm>
-          <a:prstGeom prst="triangle">
-            <a:avLst/>
-          </a:prstGeom>
-          <a:noFill/>
-          <a:ln w="25400"/>
-        </p:spPr>
-        <p:style>
-          <a:lnRef idx="2">
-            <a:schemeClr val="accent1">
-              <a:shade val="50000"/>
-            </a:schemeClr>
-          </a:lnRef>
-          <a:fillRef idx="1">
-            <a:schemeClr val="accent1"/>
-          </a:fillRef>
-          <a:effectRef idx="0">
-            <a:schemeClr val="accent1"/>
-          </a:effectRef>
-          <a:fontRef idx="minor">
-            <a:schemeClr val="lt1"/>
-          </a:fontRef>
-        </p:style>
-        <p:txBody>
-          <a:bodyPr rtlCol="0" anchor="ctr"/>
-          <a:lstStyle/>
-          <a:p>
-            <a:pPr algn="ctr"/>
-            <a:endParaRPr lang="en-US"/>
-          </a:p>
-        </p:txBody>
-      </p:sp>
-      <p:cxnSp>
-        <p:nvCxnSpPr>
-          <p:cNvPr id="46" name="Straight Connector 45">
-            <a:extLst>
-              <a:ext uri="{FF2B5EF4-FFF2-40B4-BE49-F238E27FC236}">
-                <a16:creationId xmlns:a16="http://schemas.microsoft.com/office/drawing/2014/main" id="{6F1E6B3F-C0C9-48EE-82DF-23C0BFDBBB56}"/>
-              </a:ext>
-            </a:extLst>
-          </p:cNvPr>
-          <p:cNvCxnSpPr>
-            <a:cxnSpLocks/>
-            <a:endCxn id="45" idx="3"/>
-          </p:cNvCxnSpPr>
-          <p:nvPr/>
-        </p:nvCxnSpPr>
-        <p:spPr>
-          <a:xfrm flipH="1">
-            <a:off x="8258810" y="3348118"/>
-            <a:ext cx="1" cy="380683"/>
-          </a:xfrm>
-          <a:prstGeom prst="line">
-            <a:avLst/>
-          </a:prstGeom>
-          <a:ln w="101600"/>
-        </p:spPr>
-        <p:style>
-          <a:lnRef idx="1">
-            <a:schemeClr val="accent1"/>
-          </a:lnRef>
-          <a:fillRef idx="0">
-            <a:schemeClr val="accent1"/>
-          </a:fillRef>
-          <a:effectRef idx="0">
-            <a:schemeClr val="accent1"/>
-          </a:effectRef>
-          <a:fontRef idx="minor">
-            <a:schemeClr val="tx1"/>
-          </a:fontRef>
-        </p:style>
-      </p:cxnSp>
-      <p:cxnSp>
-        <p:nvCxnSpPr>
-          <p:cNvPr id="48" name="Straight Arrow Connector 47">
-            <a:extLst>
-              <a:ext uri="{FF2B5EF4-FFF2-40B4-BE49-F238E27FC236}">
-                <a16:creationId xmlns:a16="http://schemas.microsoft.com/office/drawing/2014/main" id="{7B143C6E-3DCD-4E4B-B8E5-5D6E2F369C7F}"/>
-              </a:ext>
-            </a:extLst>
-          </p:cNvPr>
-          <p:cNvCxnSpPr>
-            <a:cxnSpLocks/>
-          </p:cNvCxnSpPr>
-          <p:nvPr/>
-        </p:nvCxnSpPr>
-        <p:spPr>
-          <a:xfrm flipV="1">
-            <a:off x="5939155" y="3455638"/>
-            <a:ext cx="0" cy="581009"/>
+            <a:off x="5994143" y="3615717"/>
+            <a:ext cx="0" cy="394292"/>
           </a:xfrm>
           <a:prstGeom prst="straightConnector1">
             <a:avLst/>
@@ -5264,14 +8812,13 @@
           </p:cNvPr>
           <p:cNvCxnSpPr>
             <a:cxnSpLocks/>
-            <a:endCxn id="12" idx="3"/>
           </p:cNvCxnSpPr>
           <p:nvPr/>
         </p:nvCxnSpPr>
         <p:spPr>
-          <a:xfrm flipH="1">
-            <a:off x="3619500" y="5065379"/>
-            <a:ext cx="1390015" cy="0"/>
+          <a:xfrm>
+            <a:off x="6988028" y="5417992"/>
+            <a:ext cx="835172" cy="0"/>
           </a:xfrm>
           <a:prstGeom prst="straightConnector1">
             <a:avLst/>
@@ -5309,17 +8856,18 @@
           </p:cNvPr>
           <p:cNvCxnSpPr>
             <a:cxnSpLocks/>
+            <a:endCxn id="13" idx="6"/>
           </p:cNvCxnSpPr>
           <p:nvPr/>
         </p:nvCxnSpPr>
         <p:spPr>
           <a:xfrm rot="10800000">
-            <a:off x="1400175" y="3617564"/>
-            <a:ext cx="3609341" cy="848119"/>
+            <a:off x="1400174" y="4298221"/>
+            <a:ext cx="3589757" cy="387085"/>
           </a:xfrm>
           <a:prstGeom prst="bentConnector3">
             <a:avLst>
-              <a:gd name="adj1" fmla="val 20399"/>
+              <a:gd name="adj1" fmla="val 38915"/>
             </a:avLst>
           </a:prstGeom>
           <a:ln w="38100">
@@ -5388,13 +8936,15 @@
               </a:ext>
             </a:extLst>
           </p:cNvPr>
-          <p:cNvCxnSpPr/>
+          <p:cNvCxnSpPr>
+            <a:cxnSpLocks/>
+          </p:cNvCxnSpPr>
           <p:nvPr/>
         </p:nvCxnSpPr>
         <p:spPr>
           <a:xfrm flipV="1">
-            <a:off x="6868795" y="3455638"/>
-            <a:ext cx="1165592" cy="1010044"/>
+            <a:off x="6978771" y="3779676"/>
+            <a:ext cx="3813055" cy="659368"/>
           </a:xfrm>
           <a:prstGeom prst="bentConnector3">
             <a:avLst/>
@@ -5435,8 +8985,8 @@
         </p:nvSpPr>
         <p:spPr>
           <a:xfrm>
-            <a:off x="2472369" y="3581122"/>
-            <a:ext cx="1638299" cy="369332"/>
+            <a:off x="1654268" y="4325177"/>
+            <a:ext cx="2430541" cy="369332"/>
           </a:xfrm>
           <a:prstGeom prst="rect">
             <a:avLst/>
@@ -5451,163 +9001,26 @@
           <a:p>
             <a:r>
               <a:rPr lang="en-US" dirty="0"/>
-              <a:t>V/I/T/L Sense</a:t>
-            </a:r>
-          </a:p>
-        </p:txBody>
-      </p:sp>
-      <p:sp>
-        <p:nvSpPr>
-          <p:cNvPr id="60" name="Rectangle 59">
-            <a:extLst>
-              <a:ext uri="{FF2B5EF4-FFF2-40B4-BE49-F238E27FC236}">
-                <a16:creationId xmlns:a16="http://schemas.microsoft.com/office/drawing/2014/main" id="{4DE5EDAE-27DF-4946-BF08-BAC6F5CB1F71}"/>
-              </a:ext>
-            </a:extLst>
-          </p:cNvPr>
-          <p:cNvSpPr/>
+              <a:t>INA219/T/L Sense</a:t>
+            </a:r>
+          </a:p>
+        </p:txBody>
+      </p:sp>
+      <p:sp>
+        <p:nvSpPr>
+          <p:cNvPr id="2" name="TextBox 1">
+            <a:extLst>
+              <a:ext uri="{FF2B5EF4-FFF2-40B4-BE49-F238E27FC236}">
+                <a16:creationId xmlns:a16="http://schemas.microsoft.com/office/drawing/2014/main" id="{5FDB2347-E80A-4AF3-8590-C475155610A8}"/>
+              </a:ext>
+            </a:extLst>
+          </p:cNvPr>
+          <p:cNvSpPr txBox="1"/>
           <p:nvPr/>
         </p:nvSpPr>
         <p:spPr>
           <a:xfrm>
-            <a:off x="9391650" y="1940523"/>
-            <a:ext cx="1638300" cy="1485900"/>
-          </a:xfrm>
-          <a:prstGeom prst="rect">
-            <a:avLst/>
-          </a:prstGeom>
-        </p:spPr>
-        <p:style>
-          <a:lnRef idx="2">
-            <a:schemeClr val="accent1">
-              <a:shade val="50000"/>
-            </a:schemeClr>
-          </a:lnRef>
-          <a:fillRef idx="1">
-            <a:schemeClr val="accent1"/>
-          </a:fillRef>
-          <a:effectRef idx="0">
-            <a:schemeClr val="accent1"/>
-          </a:effectRef>
-          <a:fontRef idx="minor">
-            <a:schemeClr val="lt1"/>
-          </a:fontRef>
-        </p:style>
-        <p:txBody>
-          <a:bodyPr rtlCol="0" anchor="t"/>
-          <a:lstStyle/>
-          <a:p>
-            <a:pPr algn="ctr"/>
-            <a:r>
-              <a:rPr lang="en-US" dirty="0"/>
-              <a:t>Load</a:t>
-            </a:r>
-          </a:p>
-        </p:txBody>
-      </p:sp>
-      <p:sp>
-        <p:nvSpPr>
-          <p:cNvPr id="63" name="Isosceles Triangle 62">
-            <a:extLst>
-              <a:ext uri="{FF2B5EF4-FFF2-40B4-BE49-F238E27FC236}">
-                <a16:creationId xmlns:a16="http://schemas.microsoft.com/office/drawing/2014/main" id="{0D8D13B8-F684-4638-A93E-C33B70D8059D}"/>
-              </a:ext>
-            </a:extLst>
-          </p:cNvPr>
-          <p:cNvSpPr/>
-          <p:nvPr/>
-        </p:nvSpPr>
-        <p:spPr>
-          <a:xfrm rot="10800000">
-            <a:off x="10093960" y="3807106"/>
-            <a:ext cx="233680" cy="201448"/>
-          </a:xfrm>
-          <a:prstGeom prst="triangle">
-            <a:avLst/>
-          </a:prstGeom>
-          <a:noFill/>
-          <a:ln w="25400"/>
-        </p:spPr>
-        <p:style>
-          <a:lnRef idx="2">
-            <a:schemeClr val="accent1">
-              <a:shade val="50000"/>
-            </a:schemeClr>
-          </a:lnRef>
-          <a:fillRef idx="1">
-            <a:schemeClr val="accent1"/>
-          </a:fillRef>
-          <a:effectRef idx="0">
-            <a:schemeClr val="accent1"/>
-          </a:effectRef>
-          <a:fontRef idx="minor">
-            <a:schemeClr val="lt1"/>
-          </a:fontRef>
-        </p:style>
-        <p:txBody>
-          <a:bodyPr rtlCol="0" anchor="ctr"/>
-          <a:lstStyle/>
-          <a:p>
-            <a:pPr algn="ctr"/>
-            <a:endParaRPr lang="en-US"/>
-          </a:p>
-        </p:txBody>
-      </p:sp>
-      <p:cxnSp>
-        <p:nvCxnSpPr>
-          <p:cNvPr id="64" name="Straight Connector 63">
-            <a:extLst>
-              <a:ext uri="{FF2B5EF4-FFF2-40B4-BE49-F238E27FC236}">
-                <a16:creationId xmlns:a16="http://schemas.microsoft.com/office/drawing/2014/main" id="{738660BF-DCC6-4034-A9F0-C6B2F52DC62E}"/>
-              </a:ext>
-            </a:extLst>
-          </p:cNvPr>
-          <p:cNvCxnSpPr>
-            <a:cxnSpLocks/>
-            <a:endCxn id="63" idx="3"/>
-          </p:cNvCxnSpPr>
-          <p:nvPr/>
-        </p:nvCxnSpPr>
-        <p:spPr>
-          <a:xfrm flipH="1">
-            <a:off x="10210800" y="3426423"/>
-            <a:ext cx="1" cy="380683"/>
-          </a:xfrm>
-          <a:prstGeom prst="line">
-            <a:avLst/>
-          </a:prstGeom>
-          <a:ln w="101600"/>
-        </p:spPr>
-        <p:style>
-          <a:lnRef idx="1">
-            <a:schemeClr val="accent1"/>
-          </a:lnRef>
-          <a:fillRef idx="0">
-            <a:schemeClr val="accent1"/>
-          </a:fillRef>
-          <a:effectRef idx="0">
-            <a:schemeClr val="accent1"/>
-          </a:effectRef>
-          <a:fontRef idx="minor">
-            <a:schemeClr val="tx1"/>
-          </a:fontRef>
-        </p:style>
-      </p:cxnSp>
-      <p:sp>
-        <p:nvSpPr>
-          <p:cNvPr id="2" name="TextBox 1">
-            <a:extLst>
-              <a:ext uri="{FF2B5EF4-FFF2-40B4-BE49-F238E27FC236}">
-                <a16:creationId xmlns:a16="http://schemas.microsoft.com/office/drawing/2014/main" id="{5FDB2347-E80A-4AF3-8590-C475155610A8}"/>
-              </a:ext>
-            </a:extLst>
-          </p:cNvPr>
-          <p:cNvSpPr txBox="1"/>
-          <p:nvPr/>
-        </p:nvSpPr>
-        <p:spPr>
-          <a:xfrm>
-            <a:off x="9271591" y="4615584"/>
+            <a:off x="8982600" y="3801698"/>
             <a:ext cx="2082209" cy="1200329"/>
           </a:xfrm>
           <a:prstGeom prst="rect">
@@ -5690,7 +9103,7 @@
         </p:blipFill>
         <p:spPr>
           <a:xfrm>
-            <a:off x="5128747" y="4571951"/>
+            <a:off x="5166087" y="4572378"/>
             <a:ext cx="1671434" cy="1074493"/>
           </a:xfrm>
           <a:prstGeom prst="rect">
@@ -5698,6 +9111,211 @@
           </a:prstGeom>
         </p:spPr>
       </p:pic>
+      <p:sp>
+        <p:nvSpPr>
+          <p:cNvPr id="68" name="Rectangle 67">
+            <a:extLst>
+              <a:ext uri="{FF2B5EF4-FFF2-40B4-BE49-F238E27FC236}">
+                <a16:creationId xmlns:a16="http://schemas.microsoft.com/office/drawing/2014/main" id="{E106460B-A682-4B95-A419-2E836CC7F89E}"/>
+              </a:ext>
+            </a:extLst>
+          </p:cNvPr>
+          <p:cNvSpPr/>
+          <p:nvPr/>
+        </p:nvSpPr>
+        <p:spPr>
+          <a:xfrm>
+            <a:off x="5623819" y="6154063"/>
+            <a:ext cx="1973617" cy="646331"/>
+          </a:xfrm>
+          <a:prstGeom prst="rect">
+            <a:avLst/>
+          </a:prstGeom>
+        </p:spPr>
+        <p:txBody>
+          <a:bodyPr wrap="none">
+            <a:spAutoFit/>
+          </a:bodyPr>
+          <a:lstStyle/>
+          <a:p>
+            <a:r>
+              <a:rPr lang="en-US" dirty="0">
+                <a:hlinkClick r:id="rId3"/>
+              </a:rPr>
+              <a:t>INA219</a:t>
+            </a:r>
+            <a:endParaRPr lang="en-US" dirty="0"/>
+          </a:p>
+          <a:p>
+            <a:r>
+              <a:rPr lang="en-US" dirty="0">
+                <a:hlinkClick r:id="rId4"/>
+              </a:rPr>
+              <a:t>MSP-EXP432P401R</a:t>
+            </a:r>
+            <a:endParaRPr lang="en-US" dirty="0"/>
+          </a:p>
+        </p:txBody>
+      </p:sp>
+      <p:sp>
+        <p:nvSpPr>
+          <p:cNvPr id="69" name="Rectangle 68">
+            <a:extLst>
+              <a:ext uri="{FF2B5EF4-FFF2-40B4-BE49-F238E27FC236}">
+                <a16:creationId xmlns:a16="http://schemas.microsoft.com/office/drawing/2014/main" id="{72360B90-0FBF-4849-AD91-1E5D65B86283}"/>
+              </a:ext>
+            </a:extLst>
+          </p:cNvPr>
+          <p:cNvSpPr/>
+          <p:nvPr/>
+        </p:nvSpPr>
+        <p:spPr>
+          <a:xfrm>
+            <a:off x="4204680" y="6179464"/>
+            <a:ext cx="1507016" cy="369332"/>
+          </a:xfrm>
+          <a:prstGeom prst="rect">
+            <a:avLst/>
+          </a:prstGeom>
+        </p:spPr>
+        <p:txBody>
+          <a:bodyPr wrap="none">
+            <a:spAutoFit/>
+          </a:bodyPr>
+          <a:lstStyle/>
+          <a:p>
+            <a:r>
+              <a:rPr lang="en-US" dirty="0"/>
+              <a:t>Image credits:</a:t>
+            </a:r>
+          </a:p>
+        </p:txBody>
+      </p:sp>
+      <p:pic>
+        <p:nvPicPr>
+          <p:cNvPr id="70" name="Picture 69">
+            <a:extLst>
+              <a:ext uri="{FF2B5EF4-FFF2-40B4-BE49-F238E27FC236}">
+                <a16:creationId xmlns:a16="http://schemas.microsoft.com/office/drawing/2014/main" id="{6A85F13A-A3DA-46CD-A65A-89AD578A97E7}"/>
+              </a:ext>
+            </a:extLst>
+          </p:cNvPr>
+          <p:cNvPicPr>
+            <a:picLocks noChangeAspect="1"/>
+          </p:cNvPicPr>
+          <p:nvPr/>
+        </p:nvPicPr>
+        <p:blipFill>
+          <a:blip r:embed="rId5"/>
+          <a:stretch>
+            <a:fillRect/>
+          </a:stretch>
+        </p:blipFill>
+        <p:spPr>
+          <a:xfrm>
+            <a:off x="1357013" y="4710703"/>
+            <a:ext cx="3428295" cy="1530277"/>
+          </a:xfrm>
+          <a:prstGeom prst="rect">
+            <a:avLst/>
+          </a:prstGeom>
+        </p:spPr>
+      </p:pic>
+      <p:pic>
+        <p:nvPicPr>
+          <p:cNvPr id="71" name="Picture 70">
+            <a:extLst>
+              <a:ext uri="{FF2B5EF4-FFF2-40B4-BE49-F238E27FC236}">
+                <a16:creationId xmlns:a16="http://schemas.microsoft.com/office/drawing/2014/main" id="{700B8E93-2806-4409-9886-0DD42492645F}"/>
+              </a:ext>
+            </a:extLst>
+          </p:cNvPr>
+          <p:cNvPicPr>
+            <a:picLocks noChangeAspect="1"/>
+          </p:cNvPicPr>
+          <p:nvPr/>
+        </p:nvPicPr>
+        <p:blipFill>
+          <a:blip r:embed="rId6"/>
+          <a:stretch>
+            <a:fillRect/>
+          </a:stretch>
+        </p:blipFill>
+        <p:spPr>
+          <a:xfrm rot="16200000">
+            <a:off x="3694084" y="824443"/>
+            <a:ext cx="2309638" cy="3073696"/>
+          </a:xfrm>
+          <a:prstGeom prst="rect">
+            <a:avLst/>
+          </a:prstGeom>
+        </p:spPr>
+      </p:pic>
+      <p:pic>
+        <p:nvPicPr>
+          <p:cNvPr id="88" name="Picture 87">
+            <a:extLst>
+              <a:ext uri="{FF2B5EF4-FFF2-40B4-BE49-F238E27FC236}">
+                <a16:creationId xmlns:a16="http://schemas.microsoft.com/office/drawing/2014/main" id="{1E029685-0B53-4AD9-A274-72E945BAC4B0}"/>
+              </a:ext>
+            </a:extLst>
+          </p:cNvPr>
+          <p:cNvPicPr>
+            <a:picLocks noChangeAspect="1"/>
+          </p:cNvPicPr>
+          <p:nvPr/>
+        </p:nvPicPr>
+        <p:blipFill>
+          <a:blip r:embed="rId7"/>
+          <a:stretch>
+            <a:fillRect/>
+          </a:stretch>
+        </p:blipFill>
+        <p:spPr>
+          <a:xfrm>
+            <a:off x="6534876" y="1167731"/>
+            <a:ext cx="3073696" cy="2385806"/>
+          </a:xfrm>
+          <a:prstGeom prst="rect">
+            <a:avLst/>
+          </a:prstGeom>
+        </p:spPr>
+      </p:pic>
+      <p:sp>
+        <p:nvSpPr>
+          <p:cNvPr id="93" name="TextBox 92">
+            <a:extLst>
+              <a:ext uri="{FF2B5EF4-FFF2-40B4-BE49-F238E27FC236}">
+                <a16:creationId xmlns:a16="http://schemas.microsoft.com/office/drawing/2014/main" id="{B402D0C0-C290-4F07-BB5A-31AEB26828D1}"/>
+              </a:ext>
+            </a:extLst>
+          </p:cNvPr>
+          <p:cNvSpPr txBox="1"/>
+          <p:nvPr/>
+        </p:nvSpPr>
+        <p:spPr>
+          <a:xfrm>
+            <a:off x="8162289" y="5690269"/>
+            <a:ext cx="948286" cy="707886"/>
+          </a:xfrm>
+          <a:prstGeom prst="rect">
+            <a:avLst/>
+          </a:prstGeom>
+          <a:noFill/>
+        </p:spPr>
+        <p:txBody>
+          <a:bodyPr wrap="square" rtlCol="0">
+            <a:spAutoFit/>
+          </a:bodyPr>
+          <a:lstStyle/>
+          <a:p>
+            <a:r>
+              <a:rPr lang="en-US" sz="4000" dirty="0"/>
+              <a:t>8x2</a:t>
+            </a:r>
+          </a:p>
+        </p:txBody>
+      </p:sp>
     </p:spTree>
     <p:extLst>
       <p:ext uri="{BB962C8B-B14F-4D97-AF65-F5344CB8AC3E}">
@@ -5733,6 +9351,2326 @@
           <p:cNvPr id="2" name="Title 1">
             <a:extLst>
               <a:ext uri="{FF2B5EF4-FFF2-40B4-BE49-F238E27FC236}">
+                <a16:creationId xmlns:a16="http://schemas.microsoft.com/office/drawing/2014/main" id="{14603CE8-2EE6-4AFB-A538-0DDA8B6DEA00}"/>
+              </a:ext>
+            </a:extLst>
+          </p:cNvPr>
+          <p:cNvSpPr>
+            <a:spLocks noGrp="1"/>
+          </p:cNvSpPr>
+          <p:nvPr>
+            <p:ph type="title"/>
+          </p:nvPr>
+        </p:nvSpPr>
+        <p:spPr>
+          <a:xfrm>
+            <a:off x="838200" y="365125"/>
+            <a:ext cx="10515600" cy="1287506"/>
+          </a:xfrm>
+        </p:spPr>
+        <p:txBody>
+          <a:bodyPr/>
+          <a:lstStyle/>
+          <a:p>
+            <a:pPr algn="ctr"/>
+            <a:r>
+              <a:rPr lang="en-US" dirty="0"/>
+              <a:t>Milestones</a:t>
+            </a:r>
+          </a:p>
+        </p:txBody>
+      </p:sp>
+      <p:sp>
+        <p:nvSpPr>
+          <p:cNvPr id="3" name="Diamond 2">
+            <a:extLst>
+              <a:ext uri="{FF2B5EF4-FFF2-40B4-BE49-F238E27FC236}">
+                <a16:creationId xmlns:a16="http://schemas.microsoft.com/office/drawing/2014/main" id="{A8F17A44-7FF2-4AD3-A908-3C86ECD28041}"/>
+              </a:ext>
+            </a:extLst>
+          </p:cNvPr>
+          <p:cNvSpPr/>
+          <p:nvPr/>
+        </p:nvSpPr>
+        <p:spPr>
+          <a:xfrm>
+            <a:off x="1294698" y="1783041"/>
+            <a:ext cx="1157681" cy="1375794"/>
+          </a:xfrm>
+          <a:prstGeom prst="diamond">
+            <a:avLst/>
+          </a:prstGeom>
+        </p:spPr>
+        <p:style>
+          <a:lnRef idx="2">
+            <a:schemeClr val="accent1">
+              <a:shade val="50000"/>
+            </a:schemeClr>
+          </a:lnRef>
+          <a:fillRef idx="1">
+            <a:schemeClr val="accent1"/>
+          </a:fillRef>
+          <a:effectRef idx="0">
+            <a:schemeClr val="accent1"/>
+          </a:effectRef>
+          <a:fontRef idx="minor">
+            <a:schemeClr val="lt1"/>
+          </a:fontRef>
+        </p:style>
+        <p:txBody>
+          <a:bodyPr rtlCol="0" anchor="ctr"/>
+          <a:lstStyle/>
+          <a:p>
+            <a:pPr marL="0" marR="0" lvl="0" indent="0" algn="ctr" defTabSz="914400" rtl="0" eaLnBrk="1" fontAlgn="auto" latinLnBrk="0" hangingPunct="1">
+              <a:lnSpc>
+                <a:spcPct val="100000"/>
+              </a:lnSpc>
+              <a:spcBef>
+                <a:spcPts val="0"/>
+              </a:spcBef>
+              <a:spcAft>
+                <a:spcPts val="0"/>
+              </a:spcAft>
+              <a:buClrTx/>
+              <a:buSzTx/>
+              <a:buFontTx/>
+              <a:buNone/>
+              <a:tabLst/>
+              <a:defRPr/>
+            </a:pPr>
+            <a:endParaRPr kumimoji="0" lang="en-US" sz="1800" b="0" i="0" u="none" strike="noStrike" kern="1200" cap="none" spc="0" normalizeH="0" baseline="0" noProof="0">
+              <a:ln>
+                <a:noFill/>
+              </a:ln>
+              <a:solidFill>
+                <a:prstClr val="white"/>
+              </a:solidFill>
+              <a:effectLst/>
+              <a:uLnTx/>
+              <a:uFillTx/>
+              <a:latin typeface="Calibri" panose="020F0502020204030204"/>
+              <a:ea typeface="+mn-ea"/>
+              <a:cs typeface="+mn-cs"/>
+            </a:endParaRPr>
+          </a:p>
+        </p:txBody>
+      </p:sp>
+      <p:sp>
+        <p:nvSpPr>
+          <p:cNvPr id="5" name="Diamond 4">
+            <a:extLst>
+              <a:ext uri="{FF2B5EF4-FFF2-40B4-BE49-F238E27FC236}">
+                <a16:creationId xmlns:a16="http://schemas.microsoft.com/office/drawing/2014/main" id="{743BABDF-6508-4886-9991-4071D6BD285A}"/>
+              </a:ext>
+            </a:extLst>
+          </p:cNvPr>
+          <p:cNvSpPr/>
+          <p:nvPr/>
+        </p:nvSpPr>
+        <p:spPr>
+          <a:xfrm>
+            <a:off x="4639811" y="1785139"/>
+            <a:ext cx="1157681" cy="1375794"/>
+          </a:xfrm>
+          <a:prstGeom prst="diamond">
+            <a:avLst/>
+          </a:prstGeom>
+        </p:spPr>
+        <p:style>
+          <a:lnRef idx="2">
+            <a:schemeClr val="accent1">
+              <a:shade val="50000"/>
+            </a:schemeClr>
+          </a:lnRef>
+          <a:fillRef idx="1">
+            <a:schemeClr val="accent1"/>
+          </a:fillRef>
+          <a:effectRef idx="0">
+            <a:schemeClr val="accent1"/>
+          </a:effectRef>
+          <a:fontRef idx="minor">
+            <a:schemeClr val="lt1"/>
+          </a:fontRef>
+        </p:style>
+        <p:txBody>
+          <a:bodyPr rtlCol="0" anchor="ctr"/>
+          <a:lstStyle/>
+          <a:p>
+            <a:pPr marL="0" marR="0" lvl="0" indent="0" algn="ctr" defTabSz="914400" rtl="0" eaLnBrk="1" fontAlgn="auto" latinLnBrk="0" hangingPunct="1">
+              <a:lnSpc>
+                <a:spcPct val="100000"/>
+              </a:lnSpc>
+              <a:spcBef>
+                <a:spcPts val="0"/>
+              </a:spcBef>
+              <a:spcAft>
+                <a:spcPts val="0"/>
+              </a:spcAft>
+              <a:buClrTx/>
+              <a:buSzTx/>
+              <a:buFontTx/>
+              <a:buNone/>
+              <a:tabLst/>
+              <a:defRPr/>
+            </a:pPr>
+            <a:endParaRPr kumimoji="0" lang="en-US" sz="1800" b="0" i="0" u="none" strike="noStrike" kern="1200" cap="none" spc="0" normalizeH="0" baseline="0" noProof="0">
+              <a:ln>
+                <a:noFill/>
+              </a:ln>
+              <a:solidFill>
+                <a:prstClr val="white"/>
+              </a:solidFill>
+              <a:effectLst/>
+              <a:uLnTx/>
+              <a:uFillTx/>
+              <a:latin typeface="Calibri" panose="020F0502020204030204"/>
+              <a:ea typeface="+mn-ea"/>
+              <a:cs typeface="+mn-cs"/>
+            </a:endParaRPr>
+          </a:p>
+        </p:txBody>
+      </p:sp>
+      <p:sp>
+        <p:nvSpPr>
+          <p:cNvPr id="6" name="Diamond 5">
+            <a:extLst>
+              <a:ext uri="{FF2B5EF4-FFF2-40B4-BE49-F238E27FC236}">
+                <a16:creationId xmlns:a16="http://schemas.microsoft.com/office/drawing/2014/main" id="{DADF2F6B-38C4-4CDE-93BC-584B6FBE8BF0}"/>
+              </a:ext>
+            </a:extLst>
+          </p:cNvPr>
+          <p:cNvSpPr/>
+          <p:nvPr/>
+        </p:nvSpPr>
+        <p:spPr>
+          <a:xfrm>
+            <a:off x="7985622" y="1792479"/>
+            <a:ext cx="1157681" cy="1375794"/>
+          </a:xfrm>
+          <a:prstGeom prst="diamond">
+            <a:avLst/>
+          </a:prstGeom>
+        </p:spPr>
+        <p:style>
+          <a:lnRef idx="2">
+            <a:schemeClr val="accent1">
+              <a:shade val="50000"/>
+            </a:schemeClr>
+          </a:lnRef>
+          <a:fillRef idx="1">
+            <a:schemeClr val="accent1"/>
+          </a:fillRef>
+          <a:effectRef idx="0">
+            <a:schemeClr val="accent1"/>
+          </a:effectRef>
+          <a:fontRef idx="minor">
+            <a:schemeClr val="lt1"/>
+          </a:fontRef>
+        </p:style>
+        <p:txBody>
+          <a:bodyPr rtlCol="0" anchor="ctr"/>
+          <a:lstStyle/>
+          <a:p>
+            <a:pPr marL="0" marR="0" lvl="0" indent="0" algn="ctr" defTabSz="914400" rtl="0" eaLnBrk="1" fontAlgn="auto" latinLnBrk="0" hangingPunct="1">
+              <a:lnSpc>
+                <a:spcPct val="100000"/>
+              </a:lnSpc>
+              <a:spcBef>
+                <a:spcPts val="0"/>
+              </a:spcBef>
+              <a:spcAft>
+                <a:spcPts val="0"/>
+              </a:spcAft>
+              <a:buClrTx/>
+              <a:buSzTx/>
+              <a:buFontTx/>
+              <a:buNone/>
+              <a:tabLst/>
+              <a:defRPr/>
+            </a:pPr>
+            <a:endParaRPr kumimoji="0" lang="en-US" sz="1800" b="0" i="0" u="none" strike="noStrike" kern="1200" cap="none" spc="0" normalizeH="0" baseline="0" noProof="0">
+              <a:ln>
+                <a:noFill/>
+              </a:ln>
+              <a:solidFill>
+                <a:prstClr val="white"/>
+              </a:solidFill>
+              <a:effectLst/>
+              <a:uLnTx/>
+              <a:uFillTx/>
+              <a:latin typeface="Calibri" panose="020F0502020204030204"/>
+              <a:ea typeface="+mn-ea"/>
+              <a:cs typeface="+mn-cs"/>
+            </a:endParaRPr>
+          </a:p>
+        </p:txBody>
+      </p:sp>
+      <p:sp>
+        <p:nvSpPr>
+          <p:cNvPr id="7" name="Diamond 6">
+            <a:extLst>
+              <a:ext uri="{FF2B5EF4-FFF2-40B4-BE49-F238E27FC236}">
+                <a16:creationId xmlns:a16="http://schemas.microsoft.com/office/drawing/2014/main" id="{FA9A17A6-BB18-4EB5-8611-21AE1598548D}"/>
+              </a:ext>
+            </a:extLst>
+          </p:cNvPr>
+          <p:cNvSpPr/>
+          <p:nvPr/>
+        </p:nvSpPr>
+        <p:spPr>
+          <a:xfrm>
+            <a:off x="9912294" y="1783041"/>
+            <a:ext cx="1157681" cy="1375794"/>
+          </a:xfrm>
+          <a:prstGeom prst="diamond">
+            <a:avLst/>
+          </a:prstGeom>
+        </p:spPr>
+        <p:style>
+          <a:lnRef idx="2">
+            <a:schemeClr val="accent1">
+              <a:shade val="50000"/>
+            </a:schemeClr>
+          </a:lnRef>
+          <a:fillRef idx="1">
+            <a:schemeClr val="accent1"/>
+          </a:fillRef>
+          <a:effectRef idx="0">
+            <a:schemeClr val="accent1"/>
+          </a:effectRef>
+          <a:fontRef idx="minor">
+            <a:schemeClr val="lt1"/>
+          </a:fontRef>
+        </p:style>
+        <p:txBody>
+          <a:bodyPr rtlCol="0" anchor="ctr"/>
+          <a:lstStyle/>
+          <a:p>
+            <a:pPr marL="0" marR="0" lvl="0" indent="0" algn="ctr" defTabSz="914400" rtl="0" eaLnBrk="1" fontAlgn="auto" latinLnBrk="0" hangingPunct="1">
+              <a:lnSpc>
+                <a:spcPct val="100000"/>
+              </a:lnSpc>
+              <a:spcBef>
+                <a:spcPts val="0"/>
+              </a:spcBef>
+              <a:spcAft>
+                <a:spcPts val="0"/>
+              </a:spcAft>
+              <a:buClrTx/>
+              <a:buSzTx/>
+              <a:buFontTx/>
+              <a:buNone/>
+              <a:tabLst/>
+              <a:defRPr/>
+            </a:pPr>
+            <a:endParaRPr kumimoji="0" lang="en-US" sz="1800" b="0" i="0" u="none" strike="noStrike" kern="1200" cap="none" spc="0" normalizeH="0" baseline="0" noProof="0">
+              <a:ln>
+                <a:noFill/>
+              </a:ln>
+              <a:solidFill>
+                <a:prstClr val="white"/>
+              </a:solidFill>
+              <a:effectLst/>
+              <a:uLnTx/>
+              <a:uFillTx/>
+              <a:latin typeface="Calibri" panose="020F0502020204030204"/>
+              <a:ea typeface="+mn-ea"/>
+              <a:cs typeface="+mn-cs"/>
+            </a:endParaRPr>
+          </a:p>
+        </p:txBody>
+      </p:sp>
+      <p:sp>
+        <p:nvSpPr>
+          <p:cNvPr id="8" name="Diamond 7">
+            <a:extLst>
+              <a:ext uri="{FF2B5EF4-FFF2-40B4-BE49-F238E27FC236}">
+                <a16:creationId xmlns:a16="http://schemas.microsoft.com/office/drawing/2014/main" id="{621B04CE-4C23-4E76-A494-4C551EB0219F}"/>
+              </a:ext>
+            </a:extLst>
+          </p:cNvPr>
+          <p:cNvSpPr/>
+          <p:nvPr/>
+        </p:nvSpPr>
+        <p:spPr>
+          <a:xfrm>
+            <a:off x="3220674" y="2102871"/>
+            <a:ext cx="650147" cy="769689"/>
+          </a:xfrm>
+          <a:prstGeom prst="diamond">
+            <a:avLst/>
+          </a:prstGeom>
+        </p:spPr>
+        <p:style>
+          <a:lnRef idx="2">
+            <a:schemeClr val="accent1">
+              <a:shade val="50000"/>
+            </a:schemeClr>
+          </a:lnRef>
+          <a:fillRef idx="1">
+            <a:schemeClr val="accent1"/>
+          </a:fillRef>
+          <a:effectRef idx="0">
+            <a:schemeClr val="accent1"/>
+          </a:effectRef>
+          <a:fontRef idx="minor">
+            <a:schemeClr val="lt1"/>
+          </a:fontRef>
+        </p:style>
+        <p:txBody>
+          <a:bodyPr rtlCol="0" anchor="ctr"/>
+          <a:lstStyle/>
+          <a:p>
+            <a:pPr marL="0" marR="0" lvl="0" indent="0" algn="ctr" defTabSz="914400" rtl="0" eaLnBrk="1" fontAlgn="auto" latinLnBrk="0" hangingPunct="1">
+              <a:lnSpc>
+                <a:spcPct val="100000"/>
+              </a:lnSpc>
+              <a:spcBef>
+                <a:spcPts val="0"/>
+              </a:spcBef>
+              <a:spcAft>
+                <a:spcPts val="0"/>
+              </a:spcAft>
+              <a:buClrTx/>
+              <a:buSzTx/>
+              <a:buFontTx/>
+              <a:buNone/>
+              <a:tabLst/>
+              <a:defRPr/>
+            </a:pPr>
+            <a:endParaRPr kumimoji="0" lang="en-US" sz="1800" b="0" i="0" u="none" strike="noStrike" kern="1200" cap="none" spc="0" normalizeH="0" baseline="0" noProof="0">
+              <a:ln>
+                <a:noFill/>
+              </a:ln>
+              <a:solidFill>
+                <a:prstClr val="white"/>
+              </a:solidFill>
+              <a:effectLst/>
+              <a:uLnTx/>
+              <a:uFillTx/>
+              <a:latin typeface="Calibri" panose="020F0502020204030204"/>
+              <a:ea typeface="+mn-ea"/>
+              <a:cs typeface="+mn-cs"/>
+            </a:endParaRPr>
+          </a:p>
+        </p:txBody>
+      </p:sp>
+      <p:sp>
+        <p:nvSpPr>
+          <p:cNvPr id="9" name="Diamond 8">
+            <a:extLst>
+              <a:ext uri="{FF2B5EF4-FFF2-40B4-BE49-F238E27FC236}">
+                <a16:creationId xmlns:a16="http://schemas.microsoft.com/office/drawing/2014/main" id="{651749E1-465B-4D4F-A8F4-1F19764963DF}"/>
+              </a:ext>
+            </a:extLst>
+          </p:cNvPr>
+          <p:cNvSpPr/>
+          <p:nvPr/>
+        </p:nvSpPr>
+        <p:spPr>
+          <a:xfrm>
+            <a:off x="6566484" y="2102871"/>
+            <a:ext cx="650147" cy="769689"/>
+          </a:xfrm>
+          <a:prstGeom prst="diamond">
+            <a:avLst/>
+          </a:prstGeom>
+        </p:spPr>
+        <p:style>
+          <a:lnRef idx="2">
+            <a:schemeClr val="accent1">
+              <a:shade val="50000"/>
+            </a:schemeClr>
+          </a:lnRef>
+          <a:fillRef idx="1">
+            <a:schemeClr val="accent1"/>
+          </a:fillRef>
+          <a:effectRef idx="0">
+            <a:schemeClr val="accent1"/>
+          </a:effectRef>
+          <a:fontRef idx="minor">
+            <a:schemeClr val="lt1"/>
+          </a:fontRef>
+        </p:style>
+        <p:txBody>
+          <a:bodyPr rtlCol="0" anchor="ctr"/>
+          <a:lstStyle/>
+          <a:p>
+            <a:pPr marL="0" marR="0" lvl="0" indent="0" algn="ctr" defTabSz="914400" rtl="0" eaLnBrk="1" fontAlgn="auto" latinLnBrk="0" hangingPunct="1">
+              <a:lnSpc>
+                <a:spcPct val="100000"/>
+              </a:lnSpc>
+              <a:spcBef>
+                <a:spcPts val="0"/>
+              </a:spcBef>
+              <a:spcAft>
+                <a:spcPts val="0"/>
+              </a:spcAft>
+              <a:buClrTx/>
+              <a:buSzTx/>
+              <a:buFontTx/>
+              <a:buNone/>
+              <a:tabLst/>
+              <a:defRPr/>
+            </a:pPr>
+            <a:endParaRPr kumimoji="0" lang="en-US" sz="1800" b="0" i="0" u="none" strike="noStrike" kern="1200" cap="none" spc="0" normalizeH="0" baseline="0" noProof="0">
+              <a:ln>
+                <a:noFill/>
+              </a:ln>
+              <a:solidFill>
+                <a:prstClr val="white"/>
+              </a:solidFill>
+              <a:effectLst/>
+              <a:uLnTx/>
+              <a:uFillTx/>
+              <a:latin typeface="Calibri" panose="020F0502020204030204"/>
+              <a:ea typeface="+mn-ea"/>
+              <a:cs typeface="+mn-cs"/>
+            </a:endParaRPr>
+          </a:p>
+        </p:txBody>
+      </p:sp>
+      <p:cxnSp>
+        <p:nvCxnSpPr>
+          <p:cNvPr id="11" name="Straight Arrow Connector 10">
+            <a:extLst>
+              <a:ext uri="{FF2B5EF4-FFF2-40B4-BE49-F238E27FC236}">
+                <a16:creationId xmlns:a16="http://schemas.microsoft.com/office/drawing/2014/main" id="{4F5C45D9-ABC8-4C7F-8EE7-9212C32C9C57}"/>
+              </a:ext>
+            </a:extLst>
+          </p:cNvPr>
+          <p:cNvCxnSpPr>
+            <a:stCxn id="3" idx="3"/>
+            <a:endCxn id="8" idx="1"/>
+          </p:cNvCxnSpPr>
+          <p:nvPr/>
+        </p:nvCxnSpPr>
+        <p:spPr>
+          <a:xfrm>
+            <a:off x="2452379" y="2470938"/>
+            <a:ext cx="768295" cy="16778"/>
+          </a:xfrm>
+          <a:prstGeom prst="straightConnector1">
+            <a:avLst/>
+          </a:prstGeom>
+          <a:ln w="101600">
+            <a:tailEnd type="triangle"/>
+          </a:ln>
+        </p:spPr>
+        <p:style>
+          <a:lnRef idx="1">
+            <a:schemeClr val="accent1"/>
+          </a:lnRef>
+          <a:fillRef idx="0">
+            <a:schemeClr val="accent1"/>
+          </a:fillRef>
+          <a:effectRef idx="0">
+            <a:schemeClr val="accent1"/>
+          </a:effectRef>
+          <a:fontRef idx="minor">
+            <a:schemeClr val="tx1"/>
+          </a:fontRef>
+        </p:style>
+      </p:cxnSp>
+      <p:cxnSp>
+        <p:nvCxnSpPr>
+          <p:cNvPr id="12" name="Straight Arrow Connector 11">
+            <a:extLst>
+              <a:ext uri="{FF2B5EF4-FFF2-40B4-BE49-F238E27FC236}">
+                <a16:creationId xmlns:a16="http://schemas.microsoft.com/office/drawing/2014/main" id="{679D2949-6500-4589-87EE-3099CAB59698}"/>
+              </a:ext>
+            </a:extLst>
+          </p:cNvPr>
+          <p:cNvCxnSpPr>
+            <a:cxnSpLocks/>
+            <a:stCxn id="8" idx="3"/>
+            <a:endCxn id="5" idx="1"/>
+          </p:cNvCxnSpPr>
+          <p:nvPr/>
+        </p:nvCxnSpPr>
+        <p:spPr>
+          <a:xfrm flipV="1">
+            <a:off x="3870821" y="2473036"/>
+            <a:ext cx="768990" cy="14680"/>
+          </a:xfrm>
+          <a:prstGeom prst="straightConnector1">
+            <a:avLst/>
+          </a:prstGeom>
+          <a:ln w="101600">
+            <a:tailEnd type="triangle"/>
+          </a:ln>
+        </p:spPr>
+        <p:style>
+          <a:lnRef idx="1">
+            <a:schemeClr val="accent1"/>
+          </a:lnRef>
+          <a:fillRef idx="0">
+            <a:schemeClr val="accent1"/>
+          </a:fillRef>
+          <a:effectRef idx="0">
+            <a:schemeClr val="accent1"/>
+          </a:effectRef>
+          <a:fontRef idx="minor">
+            <a:schemeClr val="tx1"/>
+          </a:fontRef>
+        </p:style>
+      </p:cxnSp>
+      <p:cxnSp>
+        <p:nvCxnSpPr>
+          <p:cNvPr id="13" name="Straight Arrow Connector 12">
+            <a:extLst>
+              <a:ext uri="{FF2B5EF4-FFF2-40B4-BE49-F238E27FC236}">
+                <a16:creationId xmlns:a16="http://schemas.microsoft.com/office/drawing/2014/main" id="{91C7936C-96F3-43A5-8EC9-C34E32956BDC}"/>
+              </a:ext>
+            </a:extLst>
+          </p:cNvPr>
+          <p:cNvCxnSpPr>
+            <a:cxnSpLocks/>
+            <a:stCxn id="5" idx="3"/>
+            <a:endCxn id="9" idx="1"/>
+          </p:cNvCxnSpPr>
+          <p:nvPr/>
+        </p:nvCxnSpPr>
+        <p:spPr>
+          <a:xfrm>
+            <a:off x="5797492" y="2473036"/>
+            <a:ext cx="768992" cy="14680"/>
+          </a:xfrm>
+          <a:prstGeom prst="straightConnector1">
+            <a:avLst/>
+          </a:prstGeom>
+          <a:ln w="101600">
+            <a:tailEnd type="triangle"/>
+          </a:ln>
+        </p:spPr>
+        <p:style>
+          <a:lnRef idx="1">
+            <a:schemeClr val="accent1"/>
+          </a:lnRef>
+          <a:fillRef idx="0">
+            <a:schemeClr val="accent1"/>
+          </a:fillRef>
+          <a:effectRef idx="0">
+            <a:schemeClr val="accent1"/>
+          </a:effectRef>
+          <a:fontRef idx="minor">
+            <a:schemeClr val="tx1"/>
+          </a:fontRef>
+        </p:style>
+      </p:cxnSp>
+      <p:cxnSp>
+        <p:nvCxnSpPr>
+          <p:cNvPr id="14" name="Straight Arrow Connector 13">
+            <a:extLst>
+              <a:ext uri="{FF2B5EF4-FFF2-40B4-BE49-F238E27FC236}">
+                <a16:creationId xmlns:a16="http://schemas.microsoft.com/office/drawing/2014/main" id="{FD9384F6-BDFE-4A90-9065-F821A34FB375}"/>
+              </a:ext>
+            </a:extLst>
+          </p:cNvPr>
+          <p:cNvCxnSpPr>
+            <a:cxnSpLocks/>
+            <a:stCxn id="9" idx="3"/>
+            <a:endCxn id="6" idx="1"/>
+          </p:cNvCxnSpPr>
+          <p:nvPr/>
+        </p:nvCxnSpPr>
+        <p:spPr>
+          <a:xfrm flipV="1">
+            <a:off x="7216631" y="2480376"/>
+            <a:ext cx="768991" cy="7340"/>
+          </a:xfrm>
+          <a:prstGeom prst="straightConnector1">
+            <a:avLst/>
+          </a:prstGeom>
+          <a:ln w="101600">
+            <a:tailEnd type="triangle"/>
+          </a:ln>
+        </p:spPr>
+        <p:style>
+          <a:lnRef idx="1">
+            <a:schemeClr val="accent1"/>
+          </a:lnRef>
+          <a:fillRef idx="0">
+            <a:schemeClr val="accent1"/>
+          </a:fillRef>
+          <a:effectRef idx="0">
+            <a:schemeClr val="accent1"/>
+          </a:effectRef>
+          <a:fontRef idx="minor">
+            <a:schemeClr val="tx1"/>
+          </a:fontRef>
+        </p:style>
+      </p:cxnSp>
+      <p:cxnSp>
+        <p:nvCxnSpPr>
+          <p:cNvPr id="15" name="Straight Arrow Connector 14">
+            <a:extLst>
+              <a:ext uri="{FF2B5EF4-FFF2-40B4-BE49-F238E27FC236}">
+                <a16:creationId xmlns:a16="http://schemas.microsoft.com/office/drawing/2014/main" id="{473E48EA-171D-4234-88D3-C8079248C930}"/>
+              </a:ext>
+            </a:extLst>
+          </p:cNvPr>
+          <p:cNvCxnSpPr>
+            <a:cxnSpLocks/>
+            <a:stCxn id="6" idx="3"/>
+            <a:endCxn id="7" idx="1"/>
+          </p:cNvCxnSpPr>
+          <p:nvPr/>
+        </p:nvCxnSpPr>
+        <p:spPr>
+          <a:xfrm flipV="1">
+            <a:off x="9143303" y="2470938"/>
+            <a:ext cx="768991" cy="9438"/>
+          </a:xfrm>
+          <a:prstGeom prst="straightConnector1">
+            <a:avLst/>
+          </a:prstGeom>
+          <a:ln w="101600">
+            <a:tailEnd type="triangle"/>
+          </a:ln>
+        </p:spPr>
+        <p:style>
+          <a:lnRef idx="1">
+            <a:schemeClr val="accent1"/>
+          </a:lnRef>
+          <a:fillRef idx="0">
+            <a:schemeClr val="accent1"/>
+          </a:fillRef>
+          <a:effectRef idx="0">
+            <a:schemeClr val="accent1"/>
+          </a:effectRef>
+          <a:fontRef idx="minor">
+            <a:schemeClr val="tx1"/>
+          </a:fontRef>
+        </p:style>
+      </p:cxnSp>
+      <p:sp>
+        <p:nvSpPr>
+          <p:cNvPr id="16" name="TextBox 15">
+            <a:extLst>
+              <a:ext uri="{FF2B5EF4-FFF2-40B4-BE49-F238E27FC236}">
+                <a16:creationId xmlns:a16="http://schemas.microsoft.com/office/drawing/2014/main" id="{E497FC62-D18D-4EE1-B29B-CA74765A4507}"/>
+              </a:ext>
+            </a:extLst>
+          </p:cNvPr>
+          <p:cNvSpPr txBox="1"/>
+          <p:nvPr/>
+        </p:nvSpPr>
+        <p:spPr>
+          <a:xfrm>
+            <a:off x="1138805" y="3264055"/>
+            <a:ext cx="1468074" cy="1600438"/>
+          </a:xfrm>
+          <a:prstGeom prst="rect">
+            <a:avLst/>
+          </a:prstGeom>
+          <a:noFill/>
+        </p:spPr>
+        <p:txBody>
+          <a:bodyPr wrap="square" rtlCol="0">
+            <a:spAutoFit/>
+          </a:bodyPr>
+          <a:lstStyle/>
+          <a:p>
+            <a:pPr marL="285750" marR="0" lvl="0" indent="-285750" algn="l" defTabSz="914400" rtl="0" eaLnBrk="1" fontAlgn="auto" latinLnBrk="0" hangingPunct="1">
+              <a:lnSpc>
+                <a:spcPct val="100000"/>
+              </a:lnSpc>
+              <a:spcBef>
+                <a:spcPts val="0"/>
+              </a:spcBef>
+              <a:spcAft>
+                <a:spcPts val="0"/>
+              </a:spcAft>
+              <a:buClrTx/>
+              <a:buSzTx/>
+              <a:buFont typeface="Wingdings" panose="05000000000000000000" pitchFamily="2" charset="2"/>
+              <a:buChar char="Ø"/>
+              <a:tabLst/>
+              <a:defRPr/>
+            </a:pPr>
+            <a:r>
+              <a:rPr kumimoji="0" lang="en-US" sz="1400" b="0" i="0" u="none" strike="noStrike" kern="1200" cap="none" spc="0" normalizeH="0" baseline="0" noProof="0" dirty="0">
+                <a:ln>
+                  <a:noFill/>
+                </a:ln>
+                <a:solidFill>
+                  <a:prstClr val="black"/>
+                </a:solidFill>
+                <a:effectLst/>
+                <a:uLnTx/>
+                <a:uFillTx/>
+                <a:latin typeface="Calibri" panose="020F0502020204030204"/>
+                <a:ea typeface="+mn-ea"/>
+                <a:cs typeface="+mn-cs"/>
+              </a:rPr>
+              <a:t>Source Input Voltage</a:t>
+            </a:r>
+          </a:p>
+          <a:p>
+            <a:pPr marL="285750" marR="0" lvl="0" indent="-285750" algn="l" defTabSz="914400" rtl="0" eaLnBrk="1" fontAlgn="auto" latinLnBrk="0" hangingPunct="1">
+              <a:lnSpc>
+                <a:spcPct val="100000"/>
+              </a:lnSpc>
+              <a:spcBef>
+                <a:spcPts val="0"/>
+              </a:spcBef>
+              <a:spcAft>
+                <a:spcPts val="0"/>
+              </a:spcAft>
+              <a:buClrTx/>
+              <a:buSzTx/>
+              <a:buFont typeface="Wingdings" panose="05000000000000000000" pitchFamily="2" charset="2"/>
+              <a:buChar char="Ø"/>
+              <a:tabLst/>
+              <a:defRPr/>
+            </a:pPr>
+            <a:r>
+              <a:rPr kumimoji="0" lang="en-US" sz="1400" b="0" i="0" u="none" strike="noStrike" kern="1200" cap="none" spc="0" normalizeH="0" baseline="0" noProof="0" dirty="0">
+                <a:ln>
+                  <a:noFill/>
+                </a:ln>
+                <a:solidFill>
+                  <a:prstClr val="black"/>
+                </a:solidFill>
+                <a:effectLst/>
+                <a:uLnTx/>
+                <a:uFillTx/>
+                <a:latin typeface="Calibri" panose="020F0502020204030204"/>
+                <a:ea typeface="+mn-ea"/>
+                <a:cs typeface="+mn-cs"/>
+              </a:rPr>
+              <a:t>Source Input Current</a:t>
+            </a:r>
+          </a:p>
+          <a:p>
+            <a:pPr marL="285750" marR="0" lvl="0" indent="-285750" algn="l" defTabSz="914400" rtl="0" eaLnBrk="1" fontAlgn="auto" latinLnBrk="0" hangingPunct="1">
+              <a:lnSpc>
+                <a:spcPct val="100000"/>
+              </a:lnSpc>
+              <a:spcBef>
+                <a:spcPts val="0"/>
+              </a:spcBef>
+              <a:spcAft>
+                <a:spcPts val="0"/>
+              </a:spcAft>
+              <a:buClrTx/>
+              <a:buSzTx/>
+              <a:buFont typeface="Wingdings" panose="05000000000000000000" pitchFamily="2" charset="2"/>
+              <a:buChar char="Ø"/>
+              <a:tabLst/>
+              <a:defRPr/>
+            </a:pPr>
+            <a:r>
+              <a:rPr kumimoji="0" lang="en-US" sz="1400" b="0" i="0" u="none" strike="noStrike" kern="1200" cap="none" spc="0" normalizeH="0" baseline="0" noProof="0" dirty="0">
+                <a:ln>
+                  <a:noFill/>
+                </a:ln>
+                <a:solidFill>
+                  <a:prstClr val="black"/>
+                </a:solidFill>
+                <a:effectLst/>
+                <a:uLnTx/>
+                <a:uFillTx/>
+                <a:latin typeface="Calibri" panose="020F0502020204030204"/>
+                <a:ea typeface="+mn-ea"/>
+                <a:cs typeface="+mn-cs"/>
+              </a:rPr>
+              <a:t>Source </a:t>
+            </a:r>
+            <a:r>
+              <a:rPr kumimoji="0" lang="en-US" sz="1400" b="0" i="0" u="none" strike="noStrike" kern="1200" cap="none" spc="0" normalizeH="0" baseline="0" noProof="0" dirty="0" err="1">
+                <a:ln>
+                  <a:noFill/>
+                </a:ln>
+                <a:solidFill>
+                  <a:prstClr val="black"/>
+                </a:solidFill>
+                <a:effectLst/>
+                <a:uLnTx/>
+                <a:uFillTx/>
+                <a:latin typeface="Calibri" panose="020F0502020204030204"/>
+                <a:ea typeface="+mn-ea"/>
+                <a:cs typeface="+mn-cs"/>
+              </a:rPr>
+              <a:t>Ouput</a:t>
+            </a:r>
+            <a:r>
+              <a:rPr kumimoji="0" lang="en-US" sz="1400" b="0" i="0" u="none" strike="noStrike" kern="1200" cap="none" spc="0" normalizeH="0" baseline="0" noProof="0" dirty="0">
+                <a:ln>
+                  <a:noFill/>
+                </a:ln>
+                <a:solidFill>
+                  <a:prstClr val="black"/>
+                </a:solidFill>
+                <a:effectLst/>
+                <a:uLnTx/>
+                <a:uFillTx/>
+                <a:latin typeface="Calibri" panose="020F0502020204030204"/>
+                <a:ea typeface="+mn-ea"/>
+                <a:cs typeface="+mn-cs"/>
+              </a:rPr>
+              <a:t> Voltage</a:t>
+            </a:r>
+          </a:p>
+          <a:p>
+            <a:pPr marL="285750" marR="0" lvl="0" indent="-285750" algn="l" defTabSz="914400" rtl="0" eaLnBrk="1" fontAlgn="auto" latinLnBrk="0" hangingPunct="1">
+              <a:lnSpc>
+                <a:spcPct val="100000"/>
+              </a:lnSpc>
+              <a:spcBef>
+                <a:spcPts val="0"/>
+              </a:spcBef>
+              <a:spcAft>
+                <a:spcPts val="0"/>
+              </a:spcAft>
+              <a:buClrTx/>
+              <a:buSzTx/>
+              <a:buFont typeface="Wingdings" panose="05000000000000000000" pitchFamily="2" charset="2"/>
+              <a:buChar char="Ø"/>
+              <a:tabLst/>
+              <a:defRPr/>
+            </a:pPr>
+            <a:endParaRPr kumimoji="0" lang="en-US" sz="1400" b="0" i="0" u="none" strike="noStrike" kern="1200" cap="none" spc="0" normalizeH="0" baseline="0" noProof="0" dirty="0">
+              <a:ln>
+                <a:noFill/>
+              </a:ln>
+              <a:solidFill>
+                <a:prstClr val="black"/>
+              </a:solidFill>
+              <a:effectLst/>
+              <a:uLnTx/>
+              <a:uFillTx/>
+              <a:latin typeface="Calibri" panose="020F0502020204030204"/>
+              <a:ea typeface="+mn-ea"/>
+              <a:cs typeface="+mn-cs"/>
+            </a:endParaRPr>
+          </a:p>
+        </p:txBody>
+      </p:sp>
+      <p:sp>
+        <p:nvSpPr>
+          <p:cNvPr id="17" name="TextBox 16">
+            <a:extLst>
+              <a:ext uri="{FF2B5EF4-FFF2-40B4-BE49-F238E27FC236}">
+                <a16:creationId xmlns:a16="http://schemas.microsoft.com/office/drawing/2014/main" id="{467C5162-49C5-4FEB-A517-DFD65E26286A}"/>
+              </a:ext>
+            </a:extLst>
+          </p:cNvPr>
+          <p:cNvSpPr txBox="1"/>
+          <p:nvPr/>
+        </p:nvSpPr>
+        <p:spPr>
+          <a:xfrm>
+            <a:off x="3016191" y="3242725"/>
+            <a:ext cx="1059111" cy="1169551"/>
+          </a:xfrm>
+          <a:prstGeom prst="rect">
+            <a:avLst/>
+          </a:prstGeom>
+          <a:noFill/>
+        </p:spPr>
+        <p:txBody>
+          <a:bodyPr wrap="square" rtlCol="0">
+            <a:spAutoFit/>
+          </a:bodyPr>
+          <a:lstStyle/>
+          <a:p>
+            <a:pPr marL="285750" marR="0" lvl="0" indent="-285750" algn="l" defTabSz="914400" rtl="0" eaLnBrk="1" fontAlgn="auto" latinLnBrk="0" hangingPunct="1">
+              <a:lnSpc>
+                <a:spcPct val="100000"/>
+              </a:lnSpc>
+              <a:spcBef>
+                <a:spcPts val="0"/>
+              </a:spcBef>
+              <a:spcAft>
+                <a:spcPts val="0"/>
+              </a:spcAft>
+              <a:buClrTx/>
+              <a:buSzTx/>
+              <a:buFont typeface="Wingdings" panose="05000000000000000000" pitchFamily="2" charset="2"/>
+              <a:buChar char="Ø"/>
+              <a:tabLst/>
+              <a:defRPr/>
+            </a:pPr>
+            <a:r>
+              <a:rPr kumimoji="0" lang="en-US" sz="1400" b="0" i="0" u="none" strike="noStrike" kern="1200" cap="none" spc="0" normalizeH="0" baseline="0" noProof="0" dirty="0">
+                <a:ln>
+                  <a:noFill/>
+                </a:ln>
+                <a:solidFill>
+                  <a:prstClr val="black"/>
+                </a:solidFill>
+                <a:effectLst/>
+                <a:uLnTx/>
+                <a:uFillTx/>
+                <a:latin typeface="Calibri" panose="020F0502020204030204"/>
+                <a:ea typeface="+mn-ea"/>
+                <a:cs typeface="+mn-cs"/>
+              </a:rPr>
+              <a:t>Output Current</a:t>
+            </a:r>
+          </a:p>
+          <a:p>
+            <a:pPr marL="285750" marR="0" lvl="0" indent="-285750" algn="l" defTabSz="914400" rtl="0" eaLnBrk="1" fontAlgn="auto" latinLnBrk="0" hangingPunct="1">
+              <a:lnSpc>
+                <a:spcPct val="100000"/>
+              </a:lnSpc>
+              <a:spcBef>
+                <a:spcPts val="0"/>
+              </a:spcBef>
+              <a:spcAft>
+                <a:spcPts val="0"/>
+              </a:spcAft>
+              <a:buClrTx/>
+              <a:buSzTx/>
+              <a:buFont typeface="Wingdings" panose="05000000000000000000" pitchFamily="2" charset="2"/>
+              <a:buChar char="Ø"/>
+              <a:tabLst/>
+              <a:defRPr/>
+            </a:pPr>
+            <a:r>
+              <a:rPr kumimoji="0" lang="en-US" sz="1400" b="0" i="0" u="none" strike="noStrike" kern="1200" cap="none" spc="0" normalizeH="0" baseline="0" noProof="0" dirty="0">
+                <a:ln>
+                  <a:noFill/>
+                </a:ln>
+                <a:solidFill>
+                  <a:prstClr val="black"/>
+                </a:solidFill>
+                <a:effectLst/>
+                <a:uLnTx/>
+                <a:uFillTx/>
+                <a:latin typeface="Calibri" panose="020F0502020204030204"/>
+                <a:ea typeface="+mn-ea"/>
+                <a:cs typeface="+mn-cs"/>
+              </a:rPr>
+              <a:t>INA 219</a:t>
+            </a:r>
+          </a:p>
+          <a:p>
+            <a:pPr marL="285750" marR="0" lvl="0" indent="-285750" algn="l" defTabSz="914400" rtl="0" eaLnBrk="1" fontAlgn="auto" latinLnBrk="0" hangingPunct="1">
+              <a:lnSpc>
+                <a:spcPct val="100000"/>
+              </a:lnSpc>
+              <a:spcBef>
+                <a:spcPts val="0"/>
+              </a:spcBef>
+              <a:spcAft>
+                <a:spcPts val="0"/>
+              </a:spcAft>
+              <a:buClrTx/>
+              <a:buSzTx/>
+              <a:buFont typeface="Wingdings" panose="05000000000000000000" pitchFamily="2" charset="2"/>
+              <a:buChar char="Ø"/>
+              <a:tabLst/>
+              <a:defRPr/>
+            </a:pPr>
+            <a:endParaRPr kumimoji="0" lang="en-US" sz="1400" b="0" i="0" u="none" strike="noStrike" kern="1200" cap="none" spc="0" normalizeH="0" baseline="0" noProof="0" dirty="0">
+              <a:ln>
+                <a:noFill/>
+              </a:ln>
+              <a:solidFill>
+                <a:prstClr val="black"/>
+              </a:solidFill>
+              <a:effectLst/>
+              <a:uLnTx/>
+              <a:uFillTx/>
+              <a:latin typeface="Calibri" panose="020F0502020204030204"/>
+              <a:ea typeface="+mn-ea"/>
+              <a:cs typeface="+mn-cs"/>
+            </a:endParaRPr>
+          </a:p>
+          <a:p>
+            <a:pPr marL="285750" marR="0" lvl="0" indent="-285750" algn="l" defTabSz="914400" rtl="0" eaLnBrk="1" fontAlgn="auto" latinLnBrk="0" hangingPunct="1">
+              <a:lnSpc>
+                <a:spcPct val="100000"/>
+              </a:lnSpc>
+              <a:spcBef>
+                <a:spcPts val="0"/>
+              </a:spcBef>
+              <a:spcAft>
+                <a:spcPts val="0"/>
+              </a:spcAft>
+              <a:buClrTx/>
+              <a:buSzTx/>
+              <a:buFont typeface="Wingdings" panose="05000000000000000000" pitchFamily="2" charset="2"/>
+              <a:buChar char="Ø"/>
+              <a:tabLst/>
+              <a:defRPr/>
+            </a:pPr>
+            <a:endParaRPr kumimoji="0" lang="en-US" sz="1400" b="0" i="0" u="none" strike="noStrike" kern="1200" cap="none" spc="0" normalizeH="0" baseline="0" noProof="0" dirty="0">
+              <a:ln>
+                <a:noFill/>
+              </a:ln>
+              <a:solidFill>
+                <a:prstClr val="black"/>
+              </a:solidFill>
+              <a:effectLst/>
+              <a:uLnTx/>
+              <a:uFillTx/>
+              <a:latin typeface="Calibri" panose="020F0502020204030204"/>
+              <a:ea typeface="+mn-ea"/>
+              <a:cs typeface="+mn-cs"/>
+            </a:endParaRPr>
+          </a:p>
+        </p:txBody>
+      </p:sp>
+      <p:sp>
+        <p:nvSpPr>
+          <p:cNvPr id="18" name="TextBox 17">
+            <a:extLst>
+              <a:ext uri="{FF2B5EF4-FFF2-40B4-BE49-F238E27FC236}">
+                <a16:creationId xmlns:a16="http://schemas.microsoft.com/office/drawing/2014/main" id="{D630F209-4EC1-4016-ADBB-847F5975BFAB}"/>
+              </a:ext>
+            </a:extLst>
+          </p:cNvPr>
+          <p:cNvSpPr txBox="1"/>
+          <p:nvPr/>
+        </p:nvSpPr>
+        <p:spPr>
+          <a:xfrm>
+            <a:off x="4484615" y="3264055"/>
+            <a:ext cx="1468074" cy="954107"/>
+          </a:xfrm>
+          <a:prstGeom prst="rect">
+            <a:avLst/>
+          </a:prstGeom>
+          <a:noFill/>
+        </p:spPr>
+        <p:txBody>
+          <a:bodyPr wrap="square" rtlCol="0">
+            <a:spAutoFit/>
+          </a:bodyPr>
+          <a:lstStyle/>
+          <a:p>
+            <a:pPr marL="285750" marR="0" lvl="0" indent="-285750" algn="l" defTabSz="914400" rtl="0" eaLnBrk="1" fontAlgn="auto" latinLnBrk="0" hangingPunct="1">
+              <a:lnSpc>
+                <a:spcPct val="100000"/>
+              </a:lnSpc>
+              <a:spcBef>
+                <a:spcPts val="0"/>
+              </a:spcBef>
+              <a:spcAft>
+                <a:spcPts val="0"/>
+              </a:spcAft>
+              <a:buClrTx/>
+              <a:buSzTx/>
+              <a:buFont typeface="Wingdings" panose="05000000000000000000" pitchFamily="2" charset="2"/>
+              <a:buChar char="Ø"/>
+              <a:tabLst/>
+              <a:defRPr/>
+            </a:pPr>
+            <a:r>
+              <a:rPr kumimoji="0" lang="en-US" sz="1400" b="0" i="0" u="none" strike="noStrike" kern="1200" cap="none" spc="0" normalizeH="0" baseline="0" noProof="0" dirty="0">
+                <a:ln>
+                  <a:noFill/>
+                </a:ln>
+                <a:solidFill>
+                  <a:prstClr val="black"/>
+                </a:solidFill>
+                <a:effectLst/>
+                <a:uLnTx/>
+                <a:uFillTx/>
+                <a:latin typeface="Calibri" panose="020F0502020204030204"/>
+                <a:ea typeface="+mn-ea"/>
+                <a:cs typeface="+mn-cs"/>
+              </a:rPr>
+              <a:t>Solar Array</a:t>
+            </a:r>
+          </a:p>
+          <a:p>
+            <a:pPr marL="285750" marR="0" lvl="0" indent="-285750" algn="l" defTabSz="914400" rtl="0" eaLnBrk="1" fontAlgn="auto" latinLnBrk="0" hangingPunct="1">
+              <a:lnSpc>
+                <a:spcPct val="100000"/>
+              </a:lnSpc>
+              <a:spcBef>
+                <a:spcPts val="0"/>
+              </a:spcBef>
+              <a:spcAft>
+                <a:spcPts val="0"/>
+              </a:spcAft>
+              <a:buClrTx/>
+              <a:buSzTx/>
+              <a:buFont typeface="Wingdings" panose="05000000000000000000" pitchFamily="2" charset="2"/>
+              <a:buChar char="Ø"/>
+              <a:tabLst/>
+              <a:defRPr/>
+            </a:pPr>
+            <a:r>
+              <a:rPr kumimoji="0" lang="en-US" sz="1400" b="0" i="0" u="none" strike="noStrike" kern="1200" cap="none" spc="0" normalizeH="0" baseline="0" noProof="0" dirty="0">
+                <a:ln>
+                  <a:noFill/>
+                </a:ln>
+                <a:solidFill>
+                  <a:prstClr val="black"/>
+                </a:solidFill>
+                <a:effectLst/>
+                <a:uLnTx/>
+                <a:uFillTx/>
+                <a:latin typeface="Calibri" panose="020F0502020204030204"/>
+                <a:ea typeface="+mn-ea"/>
+                <a:cs typeface="+mn-cs"/>
+              </a:rPr>
+              <a:t>MPPT Algorithm</a:t>
+            </a:r>
+          </a:p>
+          <a:p>
+            <a:pPr marL="285750" marR="0" lvl="0" indent="-285750" algn="l" defTabSz="914400" rtl="0" eaLnBrk="1" fontAlgn="auto" latinLnBrk="0" hangingPunct="1">
+              <a:lnSpc>
+                <a:spcPct val="100000"/>
+              </a:lnSpc>
+              <a:spcBef>
+                <a:spcPts val="0"/>
+              </a:spcBef>
+              <a:spcAft>
+                <a:spcPts val="0"/>
+              </a:spcAft>
+              <a:buClrTx/>
+              <a:buSzTx/>
+              <a:buFont typeface="Wingdings" panose="05000000000000000000" pitchFamily="2" charset="2"/>
+              <a:buChar char="Ø"/>
+              <a:tabLst/>
+              <a:defRPr/>
+            </a:pPr>
+            <a:endParaRPr kumimoji="0" lang="en-US" sz="1400" b="0" i="0" u="none" strike="noStrike" kern="1200" cap="none" spc="0" normalizeH="0" baseline="0" noProof="0" dirty="0">
+              <a:ln>
+                <a:noFill/>
+              </a:ln>
+              <a:solidFill>
+                <a:prstClr val="black"/>
+              </a:solidFill>
+              <a:effectLst/>
+              <a:uLnTx/>
+              <a:uFillTx/>
+              <a:latin typeface="Calibri" panose="020F0502020204030204"/>
+              <a:ea typeface="+mn-ea"/>
+              <a:cs typeface="+mn-cs"/>
+            </a:endParaRPr>
+          </a:p>
+        </p:txBody>
+      </p:sp>
+      <p:sp>
+        <p:nvSpPr>
+          <p:cNvPr id="55" name="TextBox 54">
+            <a:extLst>
+              <a:ext uri="{FF2B5EF4-FFF2-40B4-BE49-F238E27FC236}">
+                <a16:creationId xmlns:a16="http://schemas.microsoft.com/office/drawing/2014/main" id="{D38E5B70-C20C-4DC7-A71F-4D1703F99DA2}"/>
+              </a:ext>
+            </a:extLst>
+          </p:cNvPr>
+          <p:cNvSpPr txBox="1"/>
+          <p:nvPr/>
+        </p:nvSpPr>
+        <p:spPr>
+          <a:xfrm>
+            <a:off x="5974010" y="3250065"/>
+            <a:ext cx="1678847" cy="1600438"/>
+          </a:xfrm>
+          <a:prstGeom prst="rect">
+            <a:avLst/>
+          </a:prstGeom>
+          <a:noFill/>
+        </p:spPr>
+        <p:txBody>
+          <a:bodyPr wrap="square" rtlCol="0">
+            <a:spAutoFit/>
+          </a:bodyPr>
+          <a:lstStyle/>
+          <a:p>
+            <a:pPr marL="285750" marR="0" lvl="0" indent="-285750" algn="l" defTabSz="914400" rtl="0" eaLnBrk="1" fontAlgn="auto" latinLnBrk="0" hangingPunct="1">
+              <a:lnSpc>
+                <a:spcPct val="100000"/>
+              </a:lnSpc>
+              <a:spcBef>
+                <a:spcPts val="0"/>
+              </a:spcBef>
+              <a:spcAft>
+                <a:spcPts val="0"/>
+              </a:spcAft>
+              <a:buClrTx/>
+              <a:buSzTx/>
+              <a:buFont typeface="Wingdings" panose="05000000000000000000" pitchFamily="2" charset="2"/>
+              <a:buChar char="Ø"/>
+              <a:tabLst/>
+              <a:defRPr/>
+            </a:pPr>
+            <a:r>
+              <a:rPr kumimoji="0" lang="en-US" sz="1400" b="0" i="0" u="none" strike="noStrike" kern="1200" cap="none" spc="0" normalizeH="0" baseline="0" noProof="0" dirty="0">
+                <a:ln>
+                  <a:noFill/>
+                </a:ln>
+                <a:solidFill>
+                  <a:prstClr val="black"/>
+                </a:solidFill>
+                <a:effectLst/>
+                <a:uLnTx/>
+                <a:uFillTx/>
+                <a:latin typeface="Calibri" panose="020F0502020204030204"/>
+                <a:ea typeface="+mn-ea"/>
+                <a:cs typeface="+mn-cs"/>
+              </a:rPr>
+              <a:t>Load Battery Implementation</a:t>
+            </a:r>
+          </a:p>
+          <a:p>
+            <a:pPr marL="285750" marR="0" lvl="0" indent="-285750" algn="l" defTabSz="914400" rtl="0" eaLnBrk="1" fontAlgn="auto" latinLnBrk="0" hangingPunct="1">
+              <a:lnSpc>
+                <a:spcPct val="100000"/>
+              </a:lnSpc>
+              <a:spcBef>
+                <a:spcPts val="0"/>
+              </a:spcBef>
+              <a:spcAft>
+                <a:spcPts val="0"/>
+              </a:spcAft>
+              <a:buClrTx/>
+              <a:buSzTx/>
+              <a:buFont typeface="Wingdings" panose="05000000000000000000" pitchFamily="2" charset="2"/>
+              <a:buChar char="Ø"/>
+              <a:tabLst/>
+              <a:defRPr/>
+            </a:pPr>
+            <a:r>
+              <a:rPr kumimoji="0" lang="en-US" sz="1400" b="0" i="0" u="none" strike="noStrike" kern="1200" cap="none" spc="0" normalizeH="0" baseline="0" noProof="0" dirty="0">
+                <a:ln>
+                  <a:noFill/>
+                </a:ln>
+                <a:solidFill>
+                  <a:prstClr val="black"/>
+                </a:solidFill>
+                <a:effectLst/>
+                <a:uLnTx/>
+                <a:uFillTx/>
+                <a:latin typeface="Calibri" panose="020F0502020204030204"/>
+                <a:ea typeface="+mn-ea"/>
+                <a:cs typeface="+mn-cs"/>
+              </a:rPr>
+              <a:t>Temperature Detection</a:t>
+            </a:r>
+          </a:p>
+          <a:p>
+            <a:pPr marL="285750" marR="0" lvl="0" indent="-285750" algn="l" defTabSz="914400" rtl="0" eaLnBrk="1" fontAlgn="auto" latinLnBrk="0" hangingPunct="1">
+              <a:lnSpc>
+                <a:spcPct val="100000"/>
+              </a:lnSpc>
+              <a:spcBef>
+                <a:spcPts val="0"/>
+              </a:spcBef>
+              <a:spcAft>
+                <a:spcPts val="0"/>
+              </a:spcAft>
+              <a:buClrTx/>
+              <a:buSzTx/>
+              <a:buFont typeface="Wingdings" panose="05000000000000000000" pitchFamily="2" charset="2"/>
+              <a:buChar char="Ø"/>
+              <a:tabLst/>
+              <a:defRPr/>
+            </a:pPr>
+            <a:r>
+              <a:rPr kumimoji="0" lang="en-US" sz="1400" b="0" i="0" u="none" strike="noStrike" kern="1200" cap="none" spc="0" normalizeH="0" baseline="0" noProof="0" dirty="0">
+                <a:ln>
+                  <a:noFill/>
+                </a:ln>
+                <a:solidFill>
+                  <a:prstClr val="black"/>
+                </a:solidFill>
+                <a:effectLst/>
+                <a:uLnTx/>
+                <a:uFillTx/>
+                <a:latin typeface="Calibri" panose="020F0502020204030204"/>
+                <a:ea typeface="+mn-ea"/>
+                <a:cs typeface="+mn-cs"/>
+              </a:rPr>
+              <a:t>Lumens Detection</a:t>
+            </a:r>
+          </a:p>
+          <a:p>
+            <a:pPr marL="285750" marR="0" lvl="0" indent="-285750" algn="l" defTabSz="914400" rtl="0" eaLnBrk="1" fontAlgn="auto" latinLnBrk="0" hangingPunct="1">
+              <a:lnSpc>
+                <a:spcPct val="100000"/>
+              </a:lnSpc>
+              <a:spcBef>
+                <a:spcPts val="0"/>
+              </a:spcBef>
+              <a:spcAft>
+                <a:spcPts val="0"/>
+              </a:spcAft>
+              <a:buClrTx/>
+              <a:buSzTx/>
+              <a:buFont typeface="Wingdings" panose="05000000000000000000" pitchFamily="2" charset="2"/>
+              <a:buChar char="Ø"/>
+              <a:tabLst/>
+              <a:defRPr/>
+            </a:pPr>
+            <a:endParaRPr kumimoji="0" lang="en-US" sz="1400" b="0" i="0" u="none" strike="noStrike" kern="1200" cap="none" spc="0" normalizeH="0" baseline="0" noProof="0" dirty="0">
+              <a:ln>
+                <a:noFill/>
+              </a:ln>
+              <a:solidFill>
+                <a:prstClr val="black"/>
+              </a:solidFill>
+              <a:effectLst/>
+              <a:uLnTx/>
+              <a:uFillTx/>
+              <a:latin typeface="Calibri" panose="020F0502020204030204"/>
+              <a:ea typeface="+mn-ea"/>
+              <a:cs typeface="+mn-cs"/>
+            </a:endParaRPr>
+          </a:p>
+        </p:txBody>
+      </p:sp>
+      <p:sp>
+        <p:nvSpPr>
+          <p:cNvPr id="63" name="TextBox 62">
+            <a:extLst>
+              <a:ext uri="{FF2B5EF4-FFF2-40B4-BE49-F238E27FC236}">
+                <a16:creationId xmlns:a16="http://schemas.microsoft.com/office/drawing/2014/main" id="{F66DB9D0-18F2-4830-B698-EF658CB30FD4}"/>
+              </a:ext>
+            </a:extLst>
+          </p:cNvPr>
+          <p:cNvSpPr txBox="1"/>
+          <p:nvPr/>
+        </p:nvSpPr>
+        <p:spPr>
+          <a:xfrm>
+            <a:off x="1493588" y="2286272"/>
+            <a:ext cx="725648" cy="369332"/>
+          </a:xfrm>
+          <a:prstGeom prst="rect">
+            <a:avLst/>
+          </a:prstGeom>
+          <a:noFill/>
+        </p:spPr>
+        <p:txBody>
+          <a:bodyPr wrap="square" rtlCol="0">
+            <a:spAutoFit/>
+          </a:bodyPr>
+          <a:lstStyle/>
+          <a:p>
+            <a:pPr marL="0" marR="0" lvl="0" indent="0" algn="l" defTabSz="914400" rtl="0" eaLnBrk="1" fontAlgn="auto" latinLnBrk="0" hangingPunct="1">
+              <a:lnSpc>
+                <a:spcPct val="100000"/>
+              </a:lnSpc>
+              <a:spcBef>
+                <a:spcPts val="0"/>
+              </a:spcBef>
+              <a:spcAft>
+                <a:spcPts val="0"/>
+              </a:spcAft>
+              <a:buClrTx/>
+              <a:buSzTx/>
+              <a:buFontTx/>
+              <a:buNone/>
+              <a:tabLst/>
+              <a:defRPr/>
+            </a:pPr>
+            <a:r>
+              <a:rPr kumimoji="0" lang="en-US" sz="1800" b="0" i="0" u="none" strike="noStrike" kern="1200" cap="none" spc="0" normalizeH="0" baseline="0" noProof="0" dirty="0">
+                <a:ln>
+                  <a:noFill/>
+                </a:ln>
+                <a:solidFill>
+                  <a:prstClr val="white"/>
+                </a:solidFill>
+                <a:effectLst/>
+                <a:uLnTx/>
+                <a:uFillTx/>
+                <a:latin typeface="Calibri" panose="020F0502020204030204"/>
+                <a:ea typeface="+mn-ea"/>
+                <a:cs typeface="+mn-cs"/>
+              </a:rPr>
+              <a:t>Boost</a:t>
+            </a:r>
+          </a:p>
+        </p:txBody>
+      </p:sp>
+      <p:sp>
+        <p:nvSpPr>
+          <p:cNvPr id="64" name="TextBox 63">
+            <a:extLst>
+              <a:ext uri="{FF2B5EF4-FFF2-40B4-BE49-F238E27FC236}">
+                <a16:creationId xmlns:a16="http://schemas.microsoft.com/office/drawing/2014/main" id="{D843F6C0-177E-4A6F-8B4F-C679467D5FCE}"/>
+              </a:ext>
+            </a:extLst>
+          </p:cNvPr>
+          <p:cNvSpPr txBox="1"/>
+          <p:nvPr/>
+        </p:nvSpPr>
+        <p:spPr>
+          <a:xfrm>
+            <a:off x="4872606" y="2303049"/>
+            <a:ext cx="725648" cy="369332"/>
+          </a:xfrm>
+          <a:prstGeom prst="rect">
+            <a:avLst/>
+          </a:prstGeom>
+          <a:noFill/>
+        </p:spPr>
+        <p:txBody>
+          <a:bodyPr wrap="square" rtlCol="0">
+            <a:spAutoFit/>
+          </a:bodyPr>
+          <a:lstStyle/>
+          <a:p>
+            <a:pPr marL="0" marR="0" lvl="0" indent="0" algn="l" defTabSz="914400" rtl="0" eaLnBrk="1" fontAlgn="auto" latinLnBrk="0" hangingPunct="1">
+              <a:lnSpc>
+                <a:spcPct val="100000"/>
+              </a:lnSpc>
+              <a:spcBef>
+                <a:spcPts val="0"/>
+              </a:spcBef>
+              <a:spcAft>
+                <a:spcPts val="0"/>
+              </a:spcAft>
+              <a:buClrTx/>
+              <a:buSzTx/>
+              <a:buFontTx/>
+              <a:buNone/>
+              <a:tabLst/>
+              <a:defRPr/>
+            </a:pPr>
+            <a:r>
+              <a:rPr kumimoji="0" lang="en-US" sz="1800" b="0" i="0" u="none" strike="noStrike" kern="1200" cap="none" spc="0" normalizeH="0" baseline="0" noProof="0" dirty="0">
+                <a:ln>
+                  <a:noFill/>
+                </a:ln>
+                <a:solidFill>
+                  <a:prstClr val="white"/>
+                </a:solidFill>
+                <a:effectLst/>
+                <a:uLnTx/>
+                <a:uFillTx/>
+                <a:latin typeface="Calibri" panose="020F0502020204030204"/>
+                <a:ea typeface="+mn-ea"/>
+                <a:cs typeface="+mn-cs"/>
+              </a:rPr>
+              <a:t>MPPT</a:t>
+            </a:r>
+          </a:p>
+        </p:txBody>
+      </p:sp>
+      <p:sp>
+        <p:nvSpPr>
+          <p:cNvPr id="66" name="TextBox 65">
+            <a:extLst>
+              <a:ext uri="{FF2B5EF4-FFF2-40B4-BE49-F238E27FC236}">
+                <a16:creationId xmlns:a16="http://schemas.microsoft.com/office/drawing/2014/main" id="{4782BBBC-25E3-4327-BE83-5821A58169D4}"/>
+              </a:ext>
+            </a:extLst>
+          </p:cNvPr>
+          <p:cNvSpPr txBox="1"/>
+          <p:nvPr/>
+        </p:nvSpPr>
+        <p:spPr>
+          <a:xfrm>
+            <a:off x="8287974" y="2220640"/>
+            <a:ext cx="725648" cy="369332"/>
+          </a:xfrm>
+          <a:prstGeom prst="rect">
+            <a:avLst/>
+          </a:prstGeom>
+          <a:noFill/>
+        </p:spPr>
+        <p:txBody>
+          <a:bodyPr wrap="square" rtlCol="0">
+            <a:spAutoFit/>
+          </a:bodyPr>
+          <a:lstStyle/>
+          <a:p>
+            <a:pPr marL="0" marR="0" lvl="0" indent="0" algn="l" defTabSz="914400" rtl="0" eaLnBrk="1" fontAlgn="auto" latinLnBrk="0" hangingPunct="1">
+              <a:lnSpc>
+                <a:spcPct val="100000"/>
+              </a:lnSpc>
+              <a:spcBef>
+                <a:spcPts val="0"/>
+              </a:spcBef>
+              <a:spcAft>
+                <a:spcPts val="0"/>
+              </a:spcAft>
+              <a:buClrTx/>
+              <a:buSzTx/>
+              <a:buFontTx/>
+              <a:buNone/>
+              <a:tabLst/>
+              <a:defRPr/>
+            </a:pPr>
+            <a:r>
+              <a:rPr kumimoji="0" lang="en-US" sz="1800" b="0" i="0" u="none" strike="noStrike" kern="1200" cap="none" spc="0" normalizeH="0" baseline="0" noProof="0" dirty="0">
+                <a:ln>
+                  <a:noFill/>
+                </a:ln>
+                <a:solidFill>
+                  <a:prstClr val="white"/>
+                </a:solidFill>
+                <a:effectLst/>
+                <a:uLnTx/>
+                <a:uFillTx/>
+                <a:latin typeface="Calibri" panose="020F0502020204030204"/>
+                <a:ea typeface="+mn-ea"/>
+                <a:cs typeface="+mn-cs"/>
+              </a:rPr>
+              <a:t>Buck</a:t>
+            </a:r>
+          </a:p>
+        </p:txBody>
+      </p:sp>
+      <p:sp>
+        <p:nvSpPr>
+          <p:cNvPr id="67" name="TextBox 66">
+            <a:extLst>
+              <a:ext uri="{FF2B5EF4-FFF2-40B4-BE49-F238E27FC236}">
+                <a16:creationId xmlns:a16="http://schemas.microsoft.com/office/drawing/2014/main" id="{48C7E6FA-C384-4B4B-BA45-FF6E07948B77}"/>
+              </a:ext>
+            </a:extLst>
+          </p:cNvPr>
+          <p:cNvSpPr txBox="1"/>
+          <p:nvPr/>
+        </p:nvSpPr>
+        <p:spPr>
+          <a:xfrm>
+            <a:off x="10171656" y="2082141"/>
+            <a:ext cx="725648" cy="646331"/>
+          </a:xfrm>
+          <a:prstGeom prst="rect">
+            <a:avLst/>
+          </a:prstGeom>
+          <a:noFill/>
+        </p:spPr>
+        <p:txBody>
+          <a:bodyPr wrap="square" rtlCol="0">
+            <a:spAutoFit/>
+          </a:bodyPr>
+          <a:lstStyle/>
+          <a:p>
+            <a:pPr marL="0" marR="0" lvl="0" indent="0" algn="l" defTabSz="914400" rtl="0" eaLnBrk="1" fontAlgn="auto" latinLnBrk="0" hangingPunct="1">
+              <a:lnSpc>
+                <a:spcPct val="100000"/>
+              </a:lnSpc>
+              <a:spcBef>
+                <a:spcPts val="0"/>
+              </a:spcBef>
+              <a:spcAft>
+                <a:spcPts val="0"/>
+              </a:spcAft>
+              <a:buClrTx/>
+              <a:buSzTx/>
+              <a:buFontTx/>
+              <a:buNone/>
+              <a:tabLst/>
+              <a:defRPr/>
+            </a:pPr>
+            <a:r>
+              <a:rPr kumimoji="0" lang="en-US" sz="1800" b="0" i="0" u="none" strike="noStrike" kern="1200" cap="none" spc="0" normalizeH="0" baseline="0" noProof="0" dirty="0">
+                <a:ln>
+                  <a:noFill/>
+                </a:ln>
+                <a:solidFill>
+                  <a:prstClr val="white"/>
+                </a:solidFill>
+                <a:effectLst/>
+                <a:uLnTx/>
+                <a:uFillTx/>
+                <a:latin typeface="Calibri" panose="020F0502020204030204"/>
+                <a:ea typeface="+mn-ea"/>
+                <a:cs typeface="+mn-cs"/>
+              </a:rPr>
+              <a:t>Buck-Boost</a:t>
+            </a:r>
+          </a:p>
+        </p:txBody>
+      </p:sp>
+      <p:sp>
+        <p:nvSpPr>
+          <p:cNvPr id="68" name="Rectangle 67">
+            <a:extLst>
+              <a:ext uri="{FF2B5EF4-FFF2-40B4-BE49-F238E27FC236}">
+                <a16:creationId xmlns:a16="http://schemas.microsoft.com/office/drawing/2014/main" id="{7151C818-FECA-4699-97A6-CC1162F9E3CB}"/>
+              </a:ext>
+            </a:extLst>
+          </p:cNvPr>
+          <p:cNvSpPr/>
+          <p:nvPr/>
+        </p:nvSpPr>
+        <p:spPr>
+          <a:xfrm>
+            <a:off x="838200" y="1371218"/>
+            <a:ext cx="6762925" cy="4115564"/>
+          </a:xfrm>
+          <a:prstGeom prst="rect">
+            <a:avLst/>
+          </a:prstGeom>
+          <a:noFill/>
+          <a:ln>
+            <a:solidFill>
+              <a:schemeClr val="tx1"/>
+            </a:solidFill>
+            <a:prstDash val="lgDash"/>
+          </a:ln>
+        </p:spPr>
+        <p:style>
+          <a:lnRef idx="2">
+            <a:schemeClr val="accent1">
+              <a:shade val="50000"/>
+            </a:schemeClr>
+          </a:lnRef>
+          <a:fillRef idx="1">
+            <a:schemeClr val="accent1"/>
+          </a:fillRef>
+          <a:effectRef idx="0">
+            <a:schemeClr val="accent1"/>
+          </a:effectRef>
+          <a:fontRef idx="minor">
+            <a:schemeClr val="lt1"/>
+          </a:fontRef>
+        </p:style>
+        <p:txBody>
+          <a:bodyPr rtlCol="0" anchor="ctr"/>
+          <a:lstStyle/>
+          <a:p>
+            <a:pPr marL="0" marR="0" lvl="0" indent="0" algn="ctr" defTabSz="914400" rtl="0" eaLnBrk="1" fontAlgn="auto" latinLnBrk="0" hangingPunct="1">
+              <a:lnSpc>
+                <a:spcPct val="100000"/>
+              </a:lnSpc>
+              <a:spcBef>
+                <a:spcPts val="0"/>
+              </a:spcBef>
+              <a:spcAft>
+                <a:spcPts val="0"/>
+              </a:spcAft>
+              <a:buClrTx/>
+              <a:buSzTx/>
+              <a:buFontTx/>
+              <a:buNone/>
+              <a:tabLst/>
+              <a:defRPr/>
+            </a:pPr>
+            <a:endParaRPr kumimoji="0" lang="en-US" sz="1800" b="0" i="0" u="none" strike="noStrike" kern="1200" cap="none" spc="0" normalizeH="0" baseline="0" noProof="0">
+              <a:ln>
+                <a:noFill/>
+              </a:ln>
+              <a:solidFill>
+                <a:prstClr val="white"/>
+              </a:solidFill>
+              <a:effectLst/>
+              <a:uLnTx/>
+              <a:uFillTx/>
+              <a:latin typeface="Calibri" panose="020F0502020204030204"/>
+              <a:ea typeface="+mn-ea"/>
+              <a:cs typeface="+mn-cs"/>
+            </a:endParaRPr>
+          </a:p>
+        </p:txBody>
+      </p:sp>
+      <p:sp>
+        <p:nvSpPr>
+          <p:cNvPr id="69" name="TextBox 68">
+            <a:extLst>
+              <a:ext uri="{FF2B5EF4-FFF2-40B4-BE49-F238E27FC236}">
+                <a16:creationId xmlns:a16="http://schemas.microsoft.com/office/drawing/2014/main" id="{F7A2D881-34CA-433E-B028-A4C6E0F9F9C1}"/>
+              </a:ext>
+            </a:extLst>
+          </p:cNvPr>
+          <p:cNvSpPr txBox="1"/>
+          <p:nvPr/>
+        </p:nvSpPr>
+        <p:spPr>
+          <a:xfrm>
+            <a:off x="2031883" y="4941497"/>
+            <a:ext cx="4159193" cy="369332"/>
+          </a:xfrm>
+          <a:prstGeom prst="rect">
+            <a:avLst/>
+          </a:prstGeom>
+          <a:noFill/>
+        </p:spPr>
+        <p:txBody>
+          <a:bodyPr wrap="square" rtlCol="0">
+            <a:spAutoFit/>
+          </a:bodyPr>
+          <a:lstStyle/>
+          <a:p>
+            <a:pPr marL="0" marR="0" lvl="0" indent="0" algn="ctr" defTabSz="914400" rtl="0" eaLnBrk="1" fontAlgn="auto" latinLnBrk="0" hangingPunct="1">
+              <a:lnSpc>
+                <a:spcPct val="100000"/>
+              </a:lnSpc>
+              <a:spcBef>
+                <a:spcPts val="0"/>
+              </a:spcBef>
+              <a:spcAft>
+                <a:spcPts val="0"/>
+              </a:spcAft>
+              <a:buClrTx/>
+              <a:buSzTx/>
+              <a:buFontTx/>
+              <a:buNone/>
+              <a:tabLst/>
+              <a:defRPr/>
+            </a:pPr>
+            <a:r>
+              <a:rPr kumimoji="0" lang="en-US" sz="1800" b="0" i="0" u="none" strike="noStrike" kern="1200" cap="none" spc="0" normalizeH="0" baseline="0" noProof="0" dirty="0">
+                <a:ln>
+                  <a:noFill/>
+                </a:ln>
+                <a:solidFill>
+                  <a:prstClr val="black"/>
+                </a:solidFill>
+                <a:effectLst/>
+                <a:uLnTx/>
+                <a:uFillTx/>
+                <a:latin typeface="Calibri" panose="020F0502020204030204"/>
+                <a:ea typeface="+mn-ea"/>
+                <a:cs typeface="+mn-cs"/>
+              </a:rPr>
+              <a:t>Primary </a:t>
+            </a:r>
+          </a:p>
+        </p:txBody>
+      </p:sp>
+      <p:sp>
+        <p:nvSpPr>
+          <p:cNvPr id="70" name="Rectangle 69">
+            <a:extLst>
+              <a:ext uri="{FF2B5EF4-FFF2-40B4-BE49-F238E27FC236}">
+                <a16:creationId xmlns:a16="http://schemas.microsoft.com/office/drawing/2014/main" id="{D16B35E5-4DEC-41DB-9107-33134268C31A}"/>
+              </a:ext>
+            </a:extLst>
+          </p:cNvPr>
+          <p:cNvSpPr/>
+          <p:nvPr/>
+        </p:nvSpPr>
+        <p:spPr>
+          <a:xfrm>
+            <a:off x="7830424" y="1342491"/>
+            <a:ext cx="3345810" cy="4115564"/>
+          </a:xfrm>
+          <a:prstGeom prst="rect">
+            <a:avLst/>
+          </a:prstGeom>
+          <a:noFill/>
+          <a:ln>
+            <a:solidFill>
+              <a:schemeClr val="tx1"/>
+            </a:solidFill>
+            <a:prstDash val="lgDash"/>
+          </a:ln>
+        </p:spPr>
+        <p:style>
+          <a:lnRef idx="2">
+            <a:schemeClr val="accent1">
+              <a:shade val="50000"/>
+            </a:schemeClr>
+          </a:lnRef>
+          <a:fillRef idx="1">
+            <a:schemeClr val="accent1"/>
+          </a:fillRef>
+          <a:effectRef idx="0">
+            <a:schemeClr val="accent1"/>
+          </a:effectRef>
+          <a:fontRef idx="minor">
+            <a:schemeClr val="lt1"/>
+          </a:fontRef>
+        </p:style>
+        <p:txBody>
+          <a:bodyPr rtlCol="0" anchor="ctr"/>
+          <a:lstStyle/>
+          <a:p>
+            <a:pPr marL="0" marR="0" lvl="0" indent="0" algn="ctr" defTabSz="914400" rtl="0" eaLnBrk="1" fontAlgn="auto" latinLnBrk="0" hangingPunct="1">
+              <a:lnSpc>
+                <a:spcPct val="100000"/>
+              </a:lnSpc>
+              <a:spcBef>
+                <a:spcPts val="0"/>
+              </a:spcBef>
+              <a:spcAft>
+                <a:spcPts val="0"/>
+              </a:spcAft>
+              <a:buClrTx/>
+              <a:buSzTx/>
+              <a:buFontTx/>
+              <a:buNone/>
+              <a:tabLst/>
+              <a:defRPr/>
+            </a:pPr>
+            <a:endParaRPr kumimoji="0" lang="en-US" sz="1800" b="0" i="0" u="none" strike="noStrike" kern="1200" cap="none" spc="0" normalizeH="0" baseline="0" noProof="0">
+              <a:ln>
+                <a:noFill/>
+              </a:ln>
+              <a:solidFill>
+                <a:prstClr val="white"/>
+              </a:solidFill>
+              <a:effectLst/>
+              <a:uLnTx/>
+              <a:uFillTx/>
+              <a:latin typeface="Calibri" panose="020F0502020204030204"/>
+              <a:ea typeface="+mn-ea"/>
+              <a:cs typeface="+mn-cs"/>
+            </a:endParaRPr>
+          </a:p>
+        </p:txBody>
+      </p:sp>
+      <p:sp>
+        <p:nvSpPr>
+          <p:cNvPr id="71" name="TextBox 70">
+            <a:extLst>
+              <a:ext uri="{FF2B5EF4-FFF2-40B4-BE49-F238E27FC236}">
+                <a16:creationId xmlns:a16="http://schemas.microsoft.com/office/drawing/2014/main" id="{CDB63878-956C-4BEB-92E2-D99D0A694E8E}"/>
+              </a:ext>
+            </a:extLst>
+          </p:cNvPr>
+          <p:cNvSpPr txBox="1"/>
+          <p:nvPr/>
+        </p:nvSpPr>
+        <p:spPr>
+          <a:xfrm>
+            <a:off x="7902430" y="4979377"/>
+            <a:ext cx="3273804" cy="369332"/>
+          </a:xfrm>
+          <a:prstGeom prst="rect">
+            <a:avLst/>
+          </a:prstGeom>
+          <a:noFill/>
+        </p:spPr>
+        <p:txBody>
+          <a:bodyPr wrap="square" rtlCol="0">
+            <a:spAutoFit/>
+          </a:bodyPr>
+          <a:lstStyle/>
+          <a:p>
+            <a:pPr marL="0" marR="0" lvl="0" indent="0" algn="ctr" defTabSz="914400" rtl="0" eaLnBrk="1" fontAlgn="auto" latinLnBrk="0" hangingPunct="1">
+              <a:lnSpc>
+                <a:spcPct val="100000"/>
+              </a:lnSpc>
+              <a:spcBef>
+                <a:spcPts val="0"/>
+              </a:spcBef>
+              <a:spcAft>
+                <a:spcPts val="0"/>
+              </a:spcAft>
+              <a:buClrTx/>
+              <a:buSzTx/>
+              <a:buFontTx/>
+              <a:buNone/>
+              <a:tabLst/>
+              <a:defRPr/>
+            </a:pPr>
+            <a:r>
+              <a:rPr kumimoji="0" lang="en-US" sz="1800" b="0" i="0" u="none" strike="noStrike" kern="1200" cap="none" spc="0" normalizeH="0" baseline="0" noProof="0" dirty="0">
+                <a:ln>
+                  <a:noFill/>
+                </a:ln>
+                <a:solidFill>
+                  <a:prstClr val="black"/>
+                </a:solidFill>
+                <a:effectLst/>
+                <a:uLnTx/>
+                <a:uFillTx/>
+                <a:latin typeface="Calibri" panose="020F0502020204030204"/>
+                <a:ea typeface="+mn-ea"/>
+                <a:cs typeface="+mn-cs"/>
+              </a:rPr>
+              <a:t>Secondary</a:t>
+            </a:r>
+          </a:p>
+        </p:txBody>
+      </p:sp>
+      <p:sp>
+        <p:nvSpPr>
+          <p:cNvPr id="72" name="Diamond 71">
+            <a:extLst>
+              <a:ext uri="{FF2B5EF4-FFF2-40B4-BE49-F238E27FC236}">
+                <a16:creationId xmlns:a16="http://schemas.microsoft.com/office/drawing/2014/main" id="{4238BA6E-35AB-41CA-A7B3-27DC5F4A423D}"/>
+              </a:ext>
+            </a:extLst>
+          </p:cNvPr>
+          <p:cNvSpPr/>
+          <p:nvPr/>
+        </p:nvSpPr>
+        <p:spPr>
+          <a:xfrm>
+            <a:off x="1076409" y="5617192"/>
+            <a:ext cx="834357" cy="970655"/>
+          </a:xfrm>
+          <a:prstGeom prst="diamond">
+            <a:avLst/>
+          </a:prstGeom>
+        </p:spPr>
+        <p:style>
+          <a:lnRef idx="2">
+            <a:schemeClr val="accent1">
+              <a:shade val="50000"/>
+            </a:schemeClr>
+          </a:lnRef>
+          <a:fillRef idx="1">
+            <a:schemeClr val="accent1"/>
+          </a:fillRef>
+          <a:effectRef idx="0">
+            <a:schemeClr val="accent1"/>
+          </a:effectRef>
+          <a:fontRef idx="minor">
+            <a:schemeClr val="lt1"/>
+          </a:fontRef>
+        </p:style>
+        <p:txBody>
+          <a:bodyPr rtlCol="0" anchor="ctr"/>
+          <a:lstStyle/>
+          <a:p>
+            <a:pPr marL="0" marR="0" lvl="0" indent="0" algn="ctr" defTabSz="914400" rtl="0" eaLnBrk="1" fontAlgn="auto" latinLnBrk="0" hangingPunct="1">
+              <a:lnSpc>
+                <a:spcPct val="100000"/>
+              </a:lnSpc>
+              <a:spcBef>
+                <a:spcPts val="0"/>
+              </a:spcBef>
+              <a:spcAft>
+                <a:spcPts val="0"/>
+              </a:spcAft>
+              <a:buClrTx/>
+              <a:buSzTx/>
+              <a:buFontTx/>
+              <a:buNone/>
+              <a:tabLst/>
+              <a:defRPr/>
+            </a:pPr>
+            <a:endParaRPr kumimoji="0" lang="en-US" sz="1800" b="0" i="0" u="none" strike="noStrike" kern="1200" cap="none" spc="0" normalizeH="0" baseline="0" noProof="0">
+              <a:ln>
+                <a:noFill/>
+              </a:ln>
+              <a:solidFill>
+                <a:prstClr val="white"/>
+              </a:solidFill>
+              <a:effectLst/>
+              <a:uLnTx/>
+              <a:uFillTx/>
+              <a:latin typeface="Calibri" panose="020F0502020204030204"/>
+              <a:ea typeface="+mn-ea"/>
+              <a:cs typeface="+mn-cs"/>
+            </a:endParaRPr>
+          </a:p>
+        </p:txBody>
+      </p:sp>
+      <p:sp>
+        <p:nvSpPr>
+          <p:cNvPr id="75" name="Diamond 74">
+            <a:extLst>
+              <a:ext uri="{FF2B5EF4-FFF2-40B4-BE49-F238E27FC236}">
+                <a16:creationId xmlns:a16="http://schemas.microsoft.com/office/drawing/2014/main" id="{85E2B4D6-9009-4C34-927C-956FAD5BDE20}"/>
+              </a:ext>
+            </a:extLst>
+          </p:cNvPr>
+          <p:cNvSpPr/>
+          <p:nvPr/>
+        </p:nvSpPr>
+        <p:spPr>
+          <a:xfrm>
+            <a:off x="4484615" y="5872477"/>
+            <a:ext cx="456851" cy="560797"/>
+          </a:xfrm>
+          <a:prstGeom prst="diamond">
+            <a:avLst/>
+          </a:prstGeom>
+        </p:spPr>
+        <p:style>
+          <a:lnRef idx="2">
+            <a:schemeClr val="accent1">
+              <a:shade val="50000"/>
+            </a:schemeClr>
+          </a:lnRef>
+          <a:fillRef idx="1">
+            <a:schemeClr val="accent1"/>
+          </a:fillRef>
+          <a:effectRef idx="0">
+            <a:schemeClr val="accent1"/>
+          </a:effectRef>
+          <a:fontRef idx="minor">
+            <a:schemeClr val="lt1"/>
+          </a:fontRef>
+        </p:style>
+        <p:txBody>
+          <a:bodyPr rtlCol="0" anchor="ctr"/>
+          <a:lstStyle/>
+          <a:p>
+            <a:pPr marL="0" marR="0" lvl="0" indent="0" algn="ctr" defTabSz="914400" rtl="0" eaLnBrk="1" fontAlgn="auto" latinLnBrk="0" hangingPunct="1">
+              <a:lnSpc>
+                <a:spcPct val="100000"/>
+              </a:lnSpc>
+              <a:spcBef>
+                <a:spcPts val="0"/>
+              </a:spcBef>
+              <a:spcAft>
+                <a:spcPts val="0"/>
+              </a:spcAft>
+              <a:buClrTx/>
+              <a:buSzTx/>
+              <a:buFontTx/>
+              <a:buNone/>
+              <a:tabLst/>
+              <a:defRPr/>
+            </a:pPr>
+            <a:endParaRPr kumimoji="0" lang="en-US" sz="1800" b="0" i="0" u="none" strike="noStrike" kern="1200" cap="none" spc="0" normalizeH="0" baseline="0" noProof="0">
+              <a:ln>
+                <a:noFill/>
+              </a:ln>
+              <a:solidFill>
+                <a:prstClr val="white"/>
+              </a:solidFill>
+              <a:effectLst/>
+              <a:uLnTx/>
+              <a:uFillTx/>
+              <a:latin typeface="Calibri" panose="020F0502020204030204"/>
+              <a:ea typeface="+mn-ea"/>
+              <a:cs typeface="+mn-cs"/>
+            </a:endParaRPr>
+          </a:p>
+        </p:txBody>
+      </p:sp>
+      <p:cxnSp>
+        <p:nvCxnSpPr>
+          <p:cNvPr id="82" name="Straight Arrow Connector 81">
+            <a:extLst>
+              <a:ext uri="{FF2B5EF4-FFF2-40B4-BE49-F238E27FC236}">
+                <a16:creationId xmlns:a16="http://schemas.microsoft.com/office/drawing/2014/main" id="{ACB0BC7E-72FB-4A12-BD2C-7664A5967958}"/>
+              </a:ext>
+            </a:extLst>
+          </p:cNvPr>
+          <p:cNvCxnSpPr>
+            <a:cxnSpLocks/>
+            <a:stCxn id="72" idx="3"/>
+          </p:cNvCxnSpPr>
+          <p:nvPr/>
+        </p:nvCxnSpPr>
+        <p:spPr>
+          <a:xfrm>
+            <a:off x="1910766" y="6102520"/>
+            <a:ext cx="499059" cy="3005"/>
+          </a:xfrm>
+          <a:prstGeom prst="straightConnector1">
+            <a:avLst/>
+          </a:prstGeom>
+          <a:ln w="3175">
+            <a:tailEnd type="triangle"/>
+          </a:ln>
+        </p:spPr>
+        <p:style>
+          <a:lnRef idx="1">
+            <a:schemeClr val="accent1"/>
+          </a:lnRef>
+          <a:fillRef idx="0">
+            <a:schemeClr val="accent1"/>
+          </a:fillRef>
+          <a:effectRef idx="0">
+            <a:schemeClr val="accent1"/>
+          </a:effectRef>
+          <a:fontRef idx="minor">
+            <a:schemeClr val="tx1"/>
+          </a:fontRef>
+        </p:style>
+      </p:cxnSp>
+      <p:sp>
+        <p:nvSpPr>
+          <p:cNvPr id="85" name="TextBox 84">
+            <a:extLst>
+              <a:ext uri="{FF2B5EF4-FFF2-40B4-BE49-F238E27FC236}">
+                <a16:creationId xmlns:a16="http://schemas.microsoft.com/office/drawing/2014/main" id="{8AFBDE58-9335-4692-A526-BD728FB7579A}"/>
+              </a:ext>
+            </a:extLst>
+          </p:cNvPr>
+          <p:cNvSpPr txBox="1"/>
+          <p:nvPr/>
+        </p:nvSpPr>
+        <p:spPr>
+          <a:xfrm>
+            <a:off x="2409825" y="5941516"/>
+            <a:ext cx="1418442" cy="276999"/>
+          </a:xfrm>
+          <a:prstGeom prst="rect">
+            <a:avLst/>
+          </a:prstGeom>
+          <a:noFill/>
+        </p:spPr>
+        <p:txBody>
+          <a:bodyPr wrap="square" rtlCol="0">
+            <a:spAutoFit/>
+          </a:bodyPr>
+          <a:lstStyle/>
+          <a:p>
+            <a:pPr marL="0" marR="0" lvl="0" indent="0" algn="l" defTabSz="914400" rtl="0" eaLnBrk="1" fontAlgn="auto" latinLnBrk="0" hangingPunct="1">
+              <a:lnSpc>
+                <a:spcPct val="100000"/>
+              </a:lnSpc>
+              <a:spcBef>
+                <a:spcPts val="0"/>
+              </a:spcBef>
+              <a:spcAft>
+                <a:spcPts val="0"/>
+              </a:spcAft>
+              <a:buClrTx/>
+              <a:buSzTx/>
+              <a:buFontTx/>
+              <a:buNone/>
+              <a:tabLst/>
+              <a:defRPr/>
+            </a:pPr>
+            <a:r>
+              <a:rPr kumimoji="0" lang="en-US" sz="1200" b="0" i="0" u="none" strike="noStrike" kern="1200" cap="none" spc="0" normalizeH="0" baseline="0" noProof="0" dirty="0">
+                <a:ln>
+                  <a:noFill/>
+                </a:ln>
+                <a:solidFill>
+                  <a:prstClr val="black"/>
+                </a:solidFill>
+                <a:effectLst/>
+                <a:uLnTx/>
+                <a:uFillTx/>
+                <a:latin typeface="Calibri" panose="020F0502020204030204"/>
+                <a:ea typeface="+mn-ea"/>
+                <a:cs typeface="+mn-cs"/>
+              </a:rPr>
+              <a:t>Major Milestones</a:t>
+            </a:r>
+          </a:p>
+        </p:txBody>
+      </p:sp>
+      <p:cxnSp>
+        <p:nvCxnSpPr>
+          <p:cNvPr id="86" name="Straight Arrow Connector 85">
+            <a:extLst>
+              <a:ext uri="{FF2B5EF4-FFF2-40B4-BE49-F238E27FC236}">
+                <a16:creationId xmlns:a16="http://schemas.microsoft.com/office/drawing/2014/main" id="{C4C451CA-683C-4FB6-824B-A16A9263112E}"/>
+              </a:ext>
+            </a:extLst>
+          </p:cNvPr>
+          <p:cNvCxnSpPr>
+            <a:cxnSpLocks/>
+          </p:cNvCxnSpPr>
+          <p:nvPr/>
+        </p:nvCxnSpPr>
+        <p:spPr>
+          <a:xfrm>
+            <a:off x="4941466" y="6149870"/>
+            <a:ext cx="499059" cy="3005"/>
+          </a:xfrm>
+          <a:prstGeom prst="straightConnector1">
+            <a:avLst/>
+          </a:prstGeom>
+          <a:ln w="3175">
+            <a:tailEnd type="triangle"/>
+          </a:ln>
+        </p:spPr>
+        <p:style>
+          <a:lnRef idx="1">
+            <a:schemeClr val="accent1"/>
+          </a:lnRef>
+          <a:fillRef idx="0">
+            <a:schemeClr val="accent1"/>
+          </a:fillRef>
+          <a:effectRef idx="0">
+            <a:schemeClr val="accent1"/>
+          </a:effectRef>
+          <a:fontRef idx="minor">
+            <a:schemeClr val="tx1"/>
+          </a:fontRef>
+        </p:style>
+      </p:cxnSp>
+      <p:sp>
+        <p:nvSpPr>
+          <p:cNvPr id="87" name="TextBox 86">
+            <a:extLst>
+              <a:ext uri="{FF2B5EF4-FFF2-40B4-BE49-F238E27FC236}">
+                <a16:creationId xmlns:a16="http://schemas.microsoft.com/office/drawing/2014/main" id="{55AFDC34-A440-485D-AD0C-5C8524DCDB7A}"/>
+              </a:ext>
+            </a:extLst>
+          </p:cNvPr>
+          <p:cNvSpPr txBox="1"/>
+          <p:nvPr/>
+        </p:nvSpPr>
+        <p:spPr>
+          <a:xfrm>
+            <a:off x="5354530" y="6011370"/>
+            <a:ext cx="1896005" cy="276999"/>
+          </a:xfrm>
+          <a:prstGeom prst="rect">
+            <a:avLst/>
+          </a:prstGeom>
+          <a:noFill/>
+        </p:spPr>
+        <p:txBody>
+          <a:bodyPr wrap="square" rtlCol="0">
+            <a:spAutoFit/>
+          </a:bodyPr>
+          <a:lstStyle/>
+          <a:p>
+            <a:pPr marL="0" marR="0" lvl="0" indent="0" algn="l" defTabSz="914400" rtl="0" eaLnBrk="1" fontAlgn="auto" latinLnBrk="0" hangingPunct="1">
+              <a:lnSpc>
+                <a:spcPct val="100000"/>
+              </a:lnSpc>
+              <a:spcBef>
+                <a:spcPts val="0"/>
+              </a:spcBef>
+              <a:spcAft>
+                <a:spcPts val="0"/>
+              </a:spcAft>
+              <a:buClrTx/>
+              <a:buSzTx/>
+              <a:buFontTx/>
+              <a:buNone/>
+              <a:tabLst/>
+              <a:defRPr/>
+            </a:pPr>
+            <a:r>
+              <a:rPr kumimoji="0" lang="en-US" sz="1200" b="0" i="0" u="none" strike="noStrike" kern="1200" cap="none" spc="0" normalizeH="0" baseline="0" noProof="0" dirty="0">
+                <a:ln>
+                  <a:noFill/>
+                </a:ln>
+                <a:solidFill>
+                  <a:prstClr val="black"/>
+                </a:solidFill>
+                <a:effectLst/>
+                <a:uLnTx/>
+                <a:uFillTx/>
+                <a:latin typeface="Calibri" panose="020F0502020204030204"/>
+                <a:ea typeface="+mn-ea"/>
+                <a:cs typeface="+mn-cs"/>
+              </a:rPr>
+              <a:t>Intermediate Milestones</a:t>
+            </a:r>
+          </a:p>
+        </p:txBody>
+      </p:sp>
+    </p:spTree>
+    <p:extLst>
+      <p:ext uri="{BB962C8B-B14F-4D97-AF65-F5344CB8AC3E}">
+        <p14:creationId xmlns:p14="http://schemas.microsoft.com/office/powerpoint/2010/main" val="200373265"/>
+      </p:ext>
+    </p:extLst>
+  </p:cSld>
+  <p:clrMapOvr>
+    <a:masterClrMapping/>
+  </p:clrMapOvr>
+</p:sld>
+</file>
+
+<file path=ppt/slides/slide6.xml><?xml version="1.0" encoding="utf-8"?>
+<p:sld xmlns:a="http://schemas.openxmlformats.org/drawingml/2006/main" xmlns:r="http://schemas.openxmlformats.org/officeDocument/2006/relationships" xmlns:p="http://schemas.openxmlformats.org/presentationml/2006/main">
+  <p:cSld>
+    <p:spTree>
+      <p:nvGrpSpPr>
+        <p:cNvPr id="1" name=""/>
+        <p:cNvGrpSpPr/>
+        <p:nvPr/>
+      </p:nvGrpSpPr>
+      <p:grpSpPr>
+        <a:xfrm>
+          <a:off x="0" y="0"/>
+          <a:ext cx="0" cy="0"/>
+          <a:chOff x="0" y="0"/>
+          <a:chExt cx="0" cy="0"/>
+        </a:xfrm>
+      </p:grpSpPr>
+      <p:sp>
+        <p:nvSpPr>
+          <p:cNvPr id="2" name="Title 1">
+            <a:extLst>
+              <a:ext uri="{FF2B5EF4-FFF2-40B4-BE49-F238E27FC236}">
                 <a16:creationId xmlns:a16="http://schemas.microsoft.com/office/drawing/2014/main" id="{450CC5D4-D8F9-4BA0-B2CA-572E4A6DAB98}"/>
               </a:ext>
             </a:extLst>
@@ -5779,7 +11717,7 @@
         </p:nvSpPr>
         <p:spPr>
           <a:xfrm>
-            <a:off x="838200" y="1136470"/>
+            <a:off x="838199" y="1136470"/>
             <a:ext cx="4870269" cy="5040493"/>
           </a:xfrm>
         </p:spPr>
@@ -6551,13 +12489,329 @@
 </a:theme>
 </file>
 
+<file path=ppt/theme/theme2.xml><?xml version="1.0" encoding="utf-8"?>
+<a:theme xmlns:a="http://schemas.openxmlformats.org/drawingml/2006/main" name="1_Office Theme">
+  <a:themeElements>
+    <a:clrScheme name="Office">
+      <a:dk1>
+        <a:sysClr val="windowText" lastClr="000000"/>
+      </a:dk1>
+      <a:lt1>
+        <a:sysClr val="window" lastClr="FFFFFF"/>
+      </a:lt1>
+      <a:dk2>
+        <a:srgbClr val="44546A"/>
+      </a:dk2>
+      <a:lt2>
+        <a:srgbClr val="E7E6E6"/>
+      </a:lt2>
+      <a:accent1>
+        <a:srgbClr val="4472C4"/>
+      </a:accent1>
+      <a:accent2>
+        <a:srgbClr val="ED7D31"/>
+      </a:accent2>
+      <a:accent3>
+        <a:srgbClr val="A5A5A5"/>
+      </a:accent3>
+      <a:accent4>
+        <a:srgbClr val="FFC000"/>
+      </a:accent4>
+      <a:accent5>
+        <a:srgbClr val="5B9BD5"/>
+      </a:accent5>
+      <a:accent6>
+        <a:srgbClr val="70AD47"/>
+      </a:accent6>
+      <a:hlink>
+        <a:srgbClr val="0563C1"/>
+      </a:hlink>
+      <a:folHlink>
+        <a:srgbClr val="954F72"/>
+      </a:folHlink>
+    </a:clrScheme>
+    <a:fontScheme name="Office">
+      <a:majorFont>
+        <a:latin typeface="Calibri Light" panose="020F0302020204030204"/>
+        <a:ea typeface=""/>
+        <a:cs typeface=""/>
+        <a:font script="Jpan" typeface="游ゴシック Light"/>
+        <a:font script="Hang" typeface="맑은 고딕"/>
+        <a:font script="Hans" typeface="等线 Light"/>
+        <a:font script="Hant" typeface="新細明體"/>
+        <a:font script="Arab" typeface="Times New Roman"/>
+        <a:font script="Hebr" typeface="Times New Roman"/>
+        <a:font script="Thai" typeface="Angsana New"/>
+        <a:font script="Ethi" typeface="Nyala"/>
+        <a:font script="Beng" typeface="Vrinda"/>
+        <a:font script="Gujr" typeface="Shruti"/>
+        <a:font script="Khmr" typeface="MoolBoran"/>
+        <a:font script="Knda" typeface="Tunga"/>
+        <a:font script="Guru" typeface="Raavi"/>
+        <a:font script="Cans" typeface="Euphemia"/>
+        <a:font script="Cher" typeface="Plantagenet Cherokee"/>
+        <a:font script="Yiii" typeface="Microsoft Yi Baiti"/>
+        <a:font script="Tibt" typeface="Microsoft Himalaya"/>
+        <a:font script="Thaa" typeface="MV Boli"/>
+        <a:font script="Deva" typeface="Mangal"/>
+        <a:font script="Telu" typeface="Gautami"/>
+        <a:font script="Taml" typeface="Latha"/>
+        <a:font script="Syrc" typeface="Estrangelo Edessa"/>
+        <a:font script="Orya" typeface="Kalinga"/>
+        <a:font script="Mlym" typeface="Kartika"/>
+        <a:font script="Laoo" typeface="DokChampa"/>
+        <a:font script="Sinh" typeface="Iskoola Pota"/>
+        <a:font script="Mong" typeface="Mongolian Baiti"/>
+        <a:font script="Viet" typeface="Times New Roman"/>
+        <a:font script="Uigh" typeface="Microsoft Uighur"/>
+        <a:font script="Geor" typeface="Sylfaen"/>
+        <a:font script="Armn" typeface="Arial"/>
+        <a:font script="Bugi" typeface="Leelawadee UI"/>
+        <a:font script="Bopo" typeface="Microsoft JhengHei"/>
+        <a:font script="Java" typeface="Javanese Text"/>
+        <a:font script="Lisu" typeface="Segoe UI"/>
+        <a:font script="Mymr" typeface="Myanmar Text"/>
+        <a:font script="Nkoo" typeface="Ebrima"/>
+        <a:font script="Olck" typeface="Nirmala UI"/>
+        <a:font script="Osma" typeface="Ebrima"/>
+        <a:font script="Phag" typeface="Phagspa"/>
+        <a:font script="Syrn" typeface="Estrangelo Edessa"/>
+        <a:font script="Syrj" typeface="Estrangelo Edessa"/>
+        <a:font script="Syre" typeface="Estrangelo Edessa"/>
+        <a:font script="Sora" typeface="Nirmala UI"/>
+        <a:font script="Tale" typeface="Microsoft Tai Le"/>
+        <a:font script="Talu" typeface="Microsoft New Tai Lue"/>
+        <a:font script="Tfng" typeface="Ebrima"/>
+      </a:majorFont>
+      <a:minorFont>
+        <a:latin typeface="Calibri" panose="020F0502020204030204"/>
+        <a:ea typeface=""/>
+        <a:cs typeface=""/>
+        <a:font script="Jpan" typeface="游ゴシック"/>
+        <a:font script="Hang" typeface="맑은 고딕"/>
+        <a:font script="Hans" typeface="等线"/>
+        <a:font script="Hant" typeface="新細明體"/>
+        <a:font script="Arab" typeface="Arial"/>
+        <a:font script="Hebr" typeface="Arial"/>
+        <a:font script="Thai" typeface="Cordia New"/>
+        <a:font script="Ethi" typeface="Nyala"/>
+        <a:font script="Beng" typeface="Vrinda"/>
+        <a:font script="Gujr" typeface="Shruti"/>
+        <a:font script="Khmr" typeface="DaunPenh"/>
+        <a:font script="Knda" typeface="Tunga"/>
+        <a:font script="Guru" typeface="Raavi"/>
+        <a:font script="Cans" typeface="Euphemia"/>
+        <a:font script="Cher" typeface="Plantagenet Cherokee"/>
+        <a:font script="Yiii" typeface="Microsoft Yi Baiti"/>
+        <a:font script="Tibt" typeface="Microsoft Himalaya"/>
+        <a:font script="Thaa" typeface="MV Boli"/>
+        <a:font script="Deva" typeface="Mangal"/>
+        <a:font script="Telu" typeface="Gautami"/>
+        <a:font script="Taml" typeface="Latha"/>
+        <a:font script="Syrc" typeface="Estrangelo Edessa"/>
+        <a:font script="Orya" typeface="Kalinga"/>
+        <a:font script="Mlym" typeface="Kartika"/>
+        <a:font script="Laoo" typeface="DokChampa"/>
+        <a:font script="Sinh" typeface="Iskoola Pota"/>
+        <a:font script="Mong" typeface="Mongolian Baiti"/>
+        <a:font script="Viet" typeface="Arial"/>
+        <a:font script="Uigh" typeface="Microsoft Uighur"/>
+        <a:font script="Geor" typeface="Sylfaen"/>
+        <a:font script="Armn" typeface="Arial"/>
+        <a:font script="Bugi" typeface="Leelawadee UI"/>
+        <a:font script="Bopo" typeface="Microsoft JhengHei"/>
+        <a:font script="Java" typeface="Javanese Text"/>
+        <a:font script="Lisu" typeface="Segoe UI"/>
+        <a:font script="Mymr" typeface="Myanmar Text"/>
+        <a:font script="Nkoo" typeface="Ebrima"/>
+        <a:font script="Olck" typeface="Nirmala UI"/>
+        <a:font script="Osma" typeface="Ebrima"/>
+        <a:font script="Phag" typeface="Phagspa"/>
+        <a:font script="Syrn" typeface="Estrangelo Edessa"/>
+        <a:font script="Syrj" typeface="Estrangelo Edessa"/>
+        <a:font script="Syre" typeface="Estrangelo Edessa"/>
+        <a:font script="Sora" typeface="Nirmala UI"/>
+        <a:font script="Tale" typeface="Microsoft Tai Le"/>
+        <a:font script="Talu" typeface="Microsoft New Tai Lue"/>
+        <a:font script="Tfng" typeface="Ebrima"/>
+      </a:minorFont>
+    </a:fontScheme>
+    <a:fmtScheme name="Office">
+      <a:fillStyleLst>
+        <a:solidFill>
+          <a:schemeClr val="phClr"/>
+        </a:solidFill>
+        <a:gradFill rotWithShape="1">
+          <a:gsLst>
+            <a:gs pos="0">
+              <a:schemeClr val="phClr">
+                <a:lumMod val="110000"/>
+                <a:satMod val="105000"/>
+                <a:tint val="67000"/>
+              </a:schemeClr>
+            </a:gs>
+            <a:gs pos="50000">
+              <a:schemeClr val="phClr">
+                <a:lumMod val="105000"/>
+                <a:satMod val="103000"/>
+                <a:tint val="73000"/>
+              </a:schemeClr>
+            </a:gs>
+            <a:gs pos="100000">
+              <a:schemeClr val="phClr">
+                <a:lumMod val="105000"/>
+                <a:satMod val="109000"/>
+                <a:tint val="81000"/>
+              </a:schemeClr>
+            </a:gs>
+          </a:gsLst>
+          <a:lin ang="5400000" scaled="0"/>
+        </a:gradFill>
+        <a:gradFill rotWithShape="1">
+          <a:gsLst>
+            <a:gs pos="0">
+              <a:schemeClr val="phClr">
+                <a:satMod val="103000"/>
+                <a:lumMod val="102000"/>
+                <a:tint val="94000"/>
+              </a:schemeClr>
+            </a:gs>
+            <a:gs pos="50000">
+              <a:schemeClr val="phClr">
+                <a:satMod val="110000"/>
+                <a:lumMod val="100000"/>
+                <a:shade val="100000"/>
+              </a:schemeClr>
+            </a:gs>
+            <a:gs pos="100000">
+              <a:schemeClr val="phClr">
+                <a:lumMod val="99000"/>
+                <a:satMod val="120000"/>
+                <a:shade val="78000"/>
+              </a:schemeClr>
+            </a:gs>
+          </a:gsLst>
+          <a:lin ang="5400000" scaled="0"/>
+        </a:gradFill>
+      </a:fillStyleLst>
+      <a:lnStyleLst>
+        <a:ln w="6350" cap="flat" cmpd="sng" algn="ctr">
+          <a:solidFill>
+            <a:schemeClr val="phClr"/>
+          </a:solidFill>
+          <a:prstDash val="solid"/>
+          <a:miter lim="800000"/>
+        </a:ln>
+        <a:ln w="12700" cap="flat" cmpd="sng" algn="ctr">
+          <a:solidFill>
+            <a:schemeClr val="phClr"/>
+          </a:solidFill>
+          <a:prstDash val="solid"/>
+          <a:miter lim="800000"/>
+        </a:ln>
+        <a:ln w="19050" cap="flat" cmpd="sng" algn="ctr">
+          <a:solidFill>
+            <a:schemeClr val="phClr"/>
+          </a:solidFill>
+          <a:prstDash val="solid"/>
+          <a:miter lim="800000"/>
+        </a:ln>
+      </a:lnStyleLst>
+      <a:effectStyleLst>
+        <a:effectStyle>
+          <a:effectLst/>
+        </a:effectStyle>
+        <a:effectStyle>
+          <a:effectLst/>
+        </a:effectStyle>
+        <a:effectStyle>
+          <a:effectLst>
+            <a:outerShdw blurRad="57150" dist="19050" dir="5400000" algn="ctr" rotWithShape="0">
+              <a:srgbClr val="000000">
+                <a:alpha val="63000"/>
+              </a:srgbClr>
+            </a:outerShdw>
+          </a:effectLst>
+        </a:effectStyle>
+      </a:effectStyleLst>
+      <a:bgFillStyleLst>
+        <a:solidFill>
+          <a:schemeClr val="phClr"/>
+        </a:solidFill>
+        <a:solidFill>
+          <a:schemeClr val="phClr">
+            <a:tint val="95000"/>
+            <a:satMod val="170000"/>
+          </a:schemeClr>
+        </a:solidFill>
+        <a:gradFill rotWithShape="1">
+          <a:gsLst>
+            <a:gs pos="0">
+              <a:schemeClr val="phClr">
+                <a:tint val="93000"/>
+                <a:satMod val="150000"/>
+                <a:shade val="98000"/>
+                <a:lumMod val="102000"/>
+              </a:schemeClr>
+            </a:gs>
+            <a:gs pos="50000">
+              <a:schemeClr val="phClr">
+                <a:tint val="98000"/>
+                <a:satMod val="130000"/>
+                <a:shade val="90000"/>
+                <a:lumMod val="103000"/>
+              </a:schemeClr>
+            </a:gs>
+            <a:gs pos="100000">
+              <a:schemeClr val="phClr">
+                <a:shade val="63000"/>
+                <a:satMod val="120000"/>
+              </a:schemeClr>
+            </a:gs>
+          </a:gsLst>
+          <a:lin ang="5400000" scaled="0"/>
+        </a:gradFill>
+      </a:bgFillStyleLst>
+    </a:fmtScheme>
+  </a:themeElements>
+  <a:objectDefaults>
+    <a:lnDef>
+      <a:spPr>
+        <a:ln w="101600">
+          <a:tailEnd type="triangle"/>
+        </a:ln>
+      </a:spPr>
+      <a:bodyPr/>
+      <a:lstStyle/>
+      <a:style>
+        <a:lnRef idx="1">
+          <a:schemeClr val="accent1"/>
+        </a:lnRef>
+        <a:fillRef idx="0">
+          <a:schemeClr val="accent1"/>
+        </a:fillRef>
+        <a:effectRef idx="0">
+          <a:schemeClr val="accent1"/>
+        </a:effectRef>
+        <a:fontRef idx="minor">
+          <a:schemeClr val="tx1"/>
+        </a:fontRef>
+      </a:style>
+    </a:lnDef>
+  </a:objectDefaults>
+  <a:extraClrSchemeLst/>
+  <a:extLst>
+    <a:ext uri="{05A4C25C-085E-4340-85A3-A5531E510DB2}">
+      <thm15:themeFamily xmlns:thm15="http://schemas.microsoft.com/office/thememl/2012/main" name="Office Theme" id="{62F939B6-93AF-4DB8-9C6B-D6C7DFDC589F}" vid="{4A3C46E8-61CC-4603-A589-7422A47A8E4A}"/>
+    </a:ext>
+  </a:extLst>
+</a:theme>
+</file>
+
 <file path=customXml/item1.xml><?xml version="1.0" encoding="utf-8"?>
-<?mso-contentType ?>
-<FormTemplates xmlns="http://schemas.microsoft.com/sharepoint/v3/contenttype/forms">
-  <Display>DocumentLibraryForm</Display>
-  <Edit>DocumentLibraryForm</Edit>
-  <New>DocumentLibraryForm</New>
-</FormTemplates>
+<p:properties xmlns:p="http://schemas.microsoft.com/office/2006/metadata/properties" xmlns:xsi="http://www.w3.org/2001/XMLSchema-instance" xmlns:pc="http://schemas.microsoft.com/office/infopath/2007/PartnerControls">
+  <documentManagement/>
+</p:properties>
 </file>
 
 <file path=customXml/item2.xml><?xml version="1.0" encoding="utf-8"?>
@@ -6731,15 +12985,19 @@
 </file>
 
 <file path=customXml/item3.xml><?xml version="1.0" encoding="utf-8"?>
-<p:properties xmlns:p="http://schemas.microsoft.com/office/2006/metadata/properties" xmlns:xsi="http://www.w3.org/2001/XMLSchema-instance" xmlns:pc="http://schemas.microsoft.com/office/infopath/2007/PartnerControls">
-  <documentManagement/>
-</p:properties>
+<?mso-contentType ?>
+<FormTemplates xmlns="http://schemas.microsoft.com/sharepoint/v3/contenttype/forms">
+  <Display>DocumentLibraryForm</Display>
+  <Edit>DocumentLibraryForm</Edit>
+  <New>DocumentLibraryForm</New>
+</FormTemplates>
 </file>
 
 <file path=customXml/itemProps1.xml><?xml version="1.0" encoding="utf-8"?>
-<ds:datastoreItem xmlns:ds="http://schemas.openxmlformats.org/officeDocument/2006/customXml" ds:itemID="{DB406310-B73E-4FDC-831E-AAD1857E8411}">
+<ds:datastoreItem xmlns:ds="http://schemas.openxmlformats.org/officeDocument/2006/customXml" ds:itemID="{D5AB96E2-3453-4A3B-A1F4-7875CF1B342C}">
   <ds:schemaRefs>
-    <ds:schemaRef ds:uri="http://schemas.microsoft.com/sharepoint/v3/contenttype/forms"/>
+    <ds:schemaRef ds:uri="http://schemas.microsoft.com/office/2006/metadata/properties"/>
+    <ds:schemaRef ds:uri="http://schemas.microsoft.com/office/infopath/2007/PartnerControls"/>
   </ds:schemaRefs>
 </ds:datastoreItem>
 </file>
@@ -6763,10 +13021,9 @@
 </file>
 
 <file path=customXml/itemProps3.xml><?xml version="1.0" encoding="utf-8"?>
-<ds:datastoreItem xmlns:ds="http://schemas.openxmlformats.org/officeDocument/2006/customXml" ds:itemID="{D5AB96E2-3453-4A3B-A1F4-7875CF1B342C}">
+<ds:datastoreItem xmlns:ds="http://schemas.openxmlformats.org/officeDocument/2006/customXml" ds:itemID="{DB406310-B73E-4FDC-831E-AAD1857E8411}">
   <ds:schemaRefs>
-    <ds:schemaRef ds:uri="http://schemas.microsoft.com/office/2006/metadata/properties"/>
-    <ds:schemaRef ds:uri="http://schemas.microsoft.com/office/infopath/2007/PartnerControls"/>
+    <ds:schemaRef ds:uri="http://schemas.microsoft.com/sharepoint/v3/contenttype/forms"/>
   </ds:schemaRefs>
 </ds:datastoreItem>
 </file>